--- a/ppt/부실가계분류모델에 관한 연구.pptx
+++ b/ppt/부실가계분류모델에 관한 연구.pptx
@@ -2525,7 +2525,7 @@
           <a:p>
             <a:fld id="{FC0594D7-89D9-44DF-8EC4-339EC9FF5C1D}" type="datetimeFigureOut">
               <a:rPr lang="en-US" smtClean="0"/>
-              <a:t>5/29/2021</a:t>
+              <a:t>5/30/2021</a:t>
             </a:fld>
             <a:endParaRPr lang="en-US"/>
           </a:p>
@@ -2792,6 +2792,392 @@
 </p:notesMaster>
 </file>
 
+<file path=ppt/notesSlides/notesSlide1.xml><?xml version="1.0" encoding="utf-8"?>
+<p:notes xmlns:a="http://schemas.openxmlformats.org/drawingml/2006/main" xmlns:r="http://schemas.openxmlformats.org/officeDocument/2006/relationships" xmlns:p="http://schemas.openxmlformats.org/presentationml/2006/main">
+  <p:cSld>
+    <p:spTree>
+      <p:nvGrpSpPr>
+        <p:cNvPr id="1" name=""/>
+        <p:cNvGrpSpPr/>
+        <p:nvPr/>
+      </p:nvGrpSpPr>
+      <p:grpSpPr>
+        <a:xfrm>
+          <a:off x="0" y="0"/>
+          <a:ext cx="0" cy="0"/>
+          <a:chOff x="0" y="0"/>
+          <a:chExt cx="0" cy="0"/>
+        </a:xfrm>
+      </p:grpSpPr>
+      <p:sp>
+        <p:nvSpPr>
+          <p:cNvPr id="2" name="슬라이드 이미지 개체 틀 1"/>
+          <p:cNvSpPr>
+            <a:spLocks noGrp="1" noRot="1" noChangeAspect="1"/>
+          </p:cNvSpPr>
+          <p:nvPr>
+            <p:ph type="sldImg"/>
+          </p:nvPr>
+        </p:nvSpPr>
+        <p:spPr/>
+      </p:sp>
+      <p:sp>
+        <p:nvSpPr>
+          <p:cNvPr id="3" name="슬라이드 노트 개체 틀 2"/>
+          <p:cNvSpPr>
+            <a:spLocks noGrp="1"/>
+          </p:cNvSpPr>
+          <p:nvPr>
+            <p:ph type="body" idx="1"/>
+          </p:nvPr>
+        </p:nvSpPr>
+        <p:spPr/>
+        <p:txBody>
+          <a:bodyPr/>
+          <a:lstStyle/>
+          <a:p>
+            <a:r>
+              <a:rPr lang="ko-KR" altLang="en-US" dirty="0"/>
+              <a:t>주요 </a:t>
+            </a:r>
+            <a:r>
+              <a:rPr lang="ko-KR" altLang="en-US" dirty="0" err="1"/>
+              <a:t>하이퍼</a:t>
+            </a:r>
+            <a:r>
+              <a:rPr lang="ko-KR" altLang="en-US" dirty="0"/>
+              <a:t> 파라미터</a:t>
+            </a:r>
+            <a:endParaRPr lang="en-US" altLang="ko-KR" dirty="0"/>
+          </a:p>
+          <a:p>
+            <a:r>
+              <a:rPr lang="en-US" altLang="ko-KR" dirty="0"/>
+              <a:t>C: </a:t>
+            </a:r>
+            <a:r>
+              <a:rPr lang="ko-KR" altLang="en-US" dirty="0"/>
+              <a:t>규제 강도  </a:t>
+            </a:r>
+            <a:r>
+              <a:rPr lang="en-US" altLang="ko-KR" dirty="0"/>
+              <a:t>penalty= </a:t>
+            </a:r>
+            <a:r>
+              <a:rPr lang="ko-KR" altLang="en-US" dirty="0"/>
+              <a:t>규제종류</a:t>
+            </a:r>
+          </a:p>
+        </p:txBody>
+      </p:sp>
+      <p:sp>
+        <p:nvSpPr>
+          <p:cNvPr id="4" name="슬라이드 번호 개체 틀 3"/>
+          <p:cNvSpPr>
+            <a:spLocks noGrp="1"/>
+          </p:cNvSpPr>
+          <p:nvPr>
+            <p:ph type="sldNum" sz="quarter" idx="5"/>
+          </p:nvPr>
+        </p:nvSpPr>
+        <p:spPr/>
+        <p:txBody>
+          <a:bodyPr/>
+          <a:lstStyle/>
+          <a:p>
+            <a:fld id="{41279EED-C460-4751-8E52-D18C6054A4B8}" type="slidenum">
+              <a:rPr lang="en-US" smtClean="0"/>
+              <a:t>11</a:t>
+            </a:fld>
+            <a:endParaRPr lang="en-US"/>
+          </a:p>
+        </p:txBody>
+      </p:sp>
+    </p:spTree>
+    <p:extLst>
+      <p:ext uri="{BB962C8B-B14F-4D97-AF65-F5344CB8AC3E}">
+        <p14:creationId xmlns:p14="http://schemas.microsoft.com/office/powerpoint/2010/main" val="34357632"/>
+      </p:ext>
+    </p:extLst>
+  </p:cSld>
+  <p:clrMapOvr>
+    <a:masterClrMapping/>
+  </p:clrMapOvr>
+</p:notes>
+</file>
+
+<file path=ppt/notesSlides/notesSlide2.xml><?xml version="1.0" encoding="utf-8"?>
+<p:notes xmlns:a="http://schemas.openxmlformats.org/drawingml/2006/main" xmlns:r="http://schemas.openxmlformats.org/officeDocument/2006/relationships" xmlns:p="http://schemas.openxmlformats.org/presentationml/2006/main">
+  <p:cSld>
+    <p:spTree>
+      <p:nvGrpSpPr>
+        <p:cNvPr id="1" name=""/>
+        <p:cNvGrpSpPr/>
+        <p:nvPr/>
+      </p:nvGrpSpPr>
+      <p:grpSpPr>
+        <a:xfrm>
+          <a:off x="0" y="0"/>
+          <a:ext cx="0" cy="0"/>
+          <a:chOff x="0" y="0"/>
+          <a:chExt cx="0" cy="0"/>
+        </a:xfrm>
+      </p:grpSpPr>
+      <p:sp>
+        <p:nvSpPr>
+          <p:cNvPr id="2" name="슬라이드 이미지 개체 틀 1"/>
+          <p:cNvSpPr>
+            <a:spLocks noGrp="1" noRot="1" noChangeAspect="1"/>
+          </p:cNvSpPr>
+          <p:nvPr>
+            <p:ph type="sldImg"/>
+          </p:nvPr>
+        </p:nvSpPr>
+        <p:spPr/>
+      </p:sp>
+      <p:sp>
+        <p:nvSpPr>
+          <p:cNvPr id="3" name="슬라이드 노트 개체 틀 2"/>
+          <p:cNvSpPr>
+            <a:spLocks noGrp="1"/>
+          </p:cNvSpPr>
+          <p:nvPr>
+            <p:ph type="body" idx="1"/>
+          </p:nvPr>
+        </p:nvSpPr>
+        <p:spPr/>
+        <p:txBody>
+          <a:bodyPr/>
+          <a:lstStyle/>
+          <a:p>
+            <a:endParaRPr lang="ko-KR" altLang="en-US" dirty="0"/>
+          </a:p>
+        </p:txBody>
+      </p:sp>
+      <p:sp>
+        <p:nvSpPr>
+          <p:cNvPr id="4" name="슬라이드 번호 개체 틀 3"/>
+          <p:cNvSpPr>
+            <a:spLocks noGrp="1"/>
+          </p:cNvSpPr>
+          <p:nvPr>
+            <p:ph type="sldNum" sz="quarter" idx="5"/>
+          </p:nvPr>
+        </p:nvSpPr>
+        <p:spPr/>
+        <p:txBody>
+          <a:bodyPr/>
+          <a:lstStyle/>
+          <a:p>
+            <a:fld id="{41279EED-C460-4751-8E52-D18C6054A4B8}" type="slidenum">
+              <a:rPr lang="en-US" smtClean="0"/>
+              <a:t>13</a:t>
+            </a:fld>
+            <a:endParaRPr lang="en-US"/>
+          </a:p>
+        </p:txBody>
+      </p:sp>
+    </p:spTree>
+    <p:extLst>
+      <p:ext uri="{BB962C8B-B14F-4D97-AF65-F5344CB8AC3E}">
+        <p14:creationId xmlns:p14="http://schemas.microsoft.com/office/powerpoint/2010/main" val="2063424894"/>
+      </p:ext>
+    </p:extLst>
+  </p:cSld>
+  <p:clrMapOvr>
+    <a:masterClrMapping/>
+  </p:clrMapOvr>
+</p:notes>
+</file>
+
+<file path=ppt/notesSlides/notesSlide3.xml><?xml version="1.0" encoding="utf-8"?>
+<p:notes xmlns:a="http://schemas.openxmlformats.org/drawingml/2006/main" xmlns:r="http://schemas.openxmlformats.org/officeDocument/2006/relationships" xmlns:p="http://schemas.openxmlformats.org/presentationml/2006/main">
+  <p:cSld>
+    <p:spTree>
+      <p:nvGrpSpPr>
+        <p:cNvPr id="1" name=""/>
+        <p:cNvGrpSpPr/>
+        <p:nvPr/>
+      </p:nvGrpSpPr>
+      <p:grpSpPr>
+        <a:xfrm>
+          <a:off x="0" y="0"/>
+          <a:ext cx="0" cy="0"/>
+          <a:chOff x="0" y="0"/>
+          <a:chExt cx="0" cy="0"/>
+        </a:xfrm>
+      </p:grpSpPr>
+      <p:sp>
+        <p:nvSpPr>
+          <p:cNvPr id="2" name="슬라이드 이미지 개체 틀 1"/>
+          <p:cNvSpPr>
+            <a:spLocks noGrp="1" noRot="1" noChangeAspect="1"/>
+          </p:cNvSpPr>
+          <p:nvPr>
+            <p:ph type="sldImg"/>
+          </p:nvPr>
+        </p:nvSpPr>
+        <p:spPr/>
+      </p:sp>
+      <p:sp>
+        <p:nvSpPr>
+          <p:cNvPr id="3" name="슬라이드 노트 개체 틀 2"/>
+          <p:cNvSpPr>
+            <a:spLocks noGrp="1"/>
+          </p:cNvSpPr>
+          <p:nvPr>
+            <p:ph type="body" idx="1"/>
+          </p:nvPr>
+        </p:nvSpPr>
+        <p:spPr/>
+        <p:txBody>
+          <a:bodyPr/>
+          <a:lstStyle/>
+          <a:p>
+            <a:pPr algn="ctr"/>
+            <a:r>
+              <a:rPr lang="ko-KR" altLang="en-US" dirty="0">
+                <a:solidFill>
+                  <a:schemeClr val="tx1"/>
+                </a:solidFill>
+              </a:rPr>
+              <a:t>비은행대출의 경우에 은행 대출보다 더 높은 이자를 지불</a:t>
+            </a:r>
+            <a:r>
+              <a:rPr lang="en-US" altLang="ko-KR" dirty="0">
+                <a:solidFill>
+                  <a:schemeClr val="tx1"/>
+                </a:solidFill>
+              </a:rPr>
+              <a:t>,</a:t>
+            </a:r>
+            <a:r>
+              <a:rPr lang="ko-KR" altLang="en-US" dirty="0">
+                <a:solidFill>
+                  <a:schemeClr val="tx1"/>
+                </a:solidFill>
+              </a:rPr>
+              <a:t>신용등급이 낮은 가계일 것이라고 예상</a:t>
+            </a:r>
+            <a:endParaRPr lang="en-US" altLang="ko-KR" dirty="0">
+              <a:solidFill>
+                <a:schemeClr val="tx1"/>
+              </a:solidFill>
+            </a:endParaRPr>
+          </a:p>
+          <a:p>
+            <a:pPr algn="ctr"/>
+            <a:r>
+              <a:rPr lang="ko-KR" altLang="en-US" dirty="0">
+                <a:solidFill>
+                  <a:schemeClr val="tx1"/>
+                </a:solidFill>
+              </a:rPr>
+              <a:t>부동산시장의 과열로 내 집 마련을 위해 비은행 금융기관에서까지 주택담보대출을 받으려는 수요가 증가했음을 유추</a:t>
+            </a:r>
+            <a:endParaRPr lang="en-US" altLang="ko-KR" dirty="0">
+              <a:solidFill>
+                <a:schemeClr val="tx1"/>
+              </a:solidFill>
+            </a:endParaRPr>
+          </a:p>
+          <a:p>
+            <a:pPr algn="just"/>
+            <a:endParaRPr lang="en-US" altLang="ko-KR" dirty="0">
+              <a:solidFill>
+                <a:schemeClr val="tx1"/>
+              </a:solidFill>
+            </a:endParaRPr>
+          </a:p>
+          <a:p>
+            <a:pPr algn="just"/>
+            <a:r>
+              <a:rPr lang="ko-KR" altLang="en-US" dirty="0">
+                <a:solidFill>
+                  <a:schemeClr val="tx1"/>
+                </a:solidFill>
+              </a:rPr>
+              <a:t>장기적으로 금리가 상승하고 집값이 하락한다면 부채 상환능력이 떨어지는 가계는 더욱 위기에 취약해질 것이다</a:t>
+            </a:r>
+            <a:r>
+              <a:rPr lang="en-US" altLang="ko-KR" dirty="0">
+                <a:solidFill>
+                  <a:schemeClr val="tx1"/>
+                </a:solidFill>
+              </a:rPr>
+              <a:t>. </a:t>
+            </a:r>
+            <a:r>
+              <a:rPr lang="ko-KR" altLang="en-US" dirty="0">
+                <a:solidFill>
+                  <a:schemeClr val="tx1"/>
+                </a:solidFill>
+              </a:rPr>
+              <a:t>그렇기 때문에 정책당국은 </a:t>
+            </a:r>
+            <a:r>
+              <a:rPr lang="en-US" altLang="ko-KR" dirty="0">
+                <a:solidFill>
+                  <a:schemeClr val="tx1"/>
+                </a:solidFill>
+              </a:rPr>
+              <a:t>LTV, DSR </a:t>
+            </a:r>
+            <a:r>
+              <a:rPr lang="ko-KR" altLang="en-US" dirty="0">
+                <a:solidFill>
+                  <a:schemeClr val="tx1"/>
+                </a:solidFill>
+              </a:rPr>
+              <a:t>과 같은 관리지표를 통해 정교한 부동산 관련 정책 및 비은행금융기관 관련 가이드라인을 구축할 필요가 있다</a:t>
+            </a:r>
+            <a:endParaRPr lang="en-US" altLang="ko-KR" dirty="0">
+              <a:solidFill>
+                <a:schemeClr val="tx1"/>
+              </a:solidFill>
+            </a:endParaRPr>
+          </a:p>
+          <a:p>
+            <a:endParaRPr lang="ko-KR" altLang="en-US" dirty="0"/>
+          </a:p>
+        </p:txBody>
+      </p:sp>
+      <p:sp>
+        <p:nvSpPr>
+          <p:cNvPr id="4" name="슬라이드 번호 개체 틀 3"/>
+          <p:cNvSpPr>
+            <a:spLocks noGrp="1"/>
+          </p:cNvSpPr>
+          <p:nvPr>
+            <p:ph type="sldNum" sz="quarter" idx="5"/>
+          </p:nvPr>
+        </p:nvSpPr>
+        <p:spPr/>
+        <p:txBody>
+          <a:bodyPr/>
+          <a:lstStyle/>
+          <a:p>
+            <a:fld id="{41279EED-C460-4751-8E52-D18C6054A4B8}" type="slidenum">
+              <a:rPr lang="en-US" smtClean="0"/>
+              <a:t>21</a:t>
+            </a:fld>
+            <a:endParaRPr lang="en-US"/>
+          </a:p>
+        </p:txBody>
+      </p:sp>
+    </p:spTree>
+    <p:extLst>
+      <p:ext uri="{BB962C8B-B14F-4D97-AF65-F5344CB8AC3E}">
+        <p14:creationId xmlns:p14="http://schemas.microsoft.com/office/powerpoint/2010/main" val="3152974184"/>
+      </p:ext>
+    </p:extLst>
+  </p:cSld>
+  <p:clrMapOvr>
+    <a:masterClrMapping/>
+  </p:clrMapOvr>
+</p:notes>
+</file>
+
 <file path=ppt/slideLayouts/slideLayout1.xml><?xml version="1.0" encoding="utf-8"?>
 <p:sldLayout xmlns:a="http://schemas.openxmlformats.org/drawingml/2006/main" xmlns:r="http://schemas.openxmlformats.org/officeDocument/2006/relationships" xmlns:p="http://schemas.openxmlformats.org/presentationml/2006/main" type="title" preserve="1">
   <p:cSld name="Title Slide">
@@ -2939,7 +3325,7 @@
           <a:p>
             <a:fld id="{DF18388D-7049-4A58-ADEF-069566DE167C}" type="datetime1">
               <a:rPr lang="en-US" smtClean="0"/>
-              <a:t>5/29/2021</a:t>
+              <a:t>5/30/2021</a:t>
             </a:fld>
             <a:endParaRPr lang="en-US"/>
           </a:p>
@@ -3140,7 +3526,7 @@
           <a:p>
             <a:fld id="{A3E6A9BD-FB71-48D4-9715-A1838906E938}" type="datetime1">
               <a:rPr lang="en-US" smtClean="0"/>
-              <a:t>5/29/2021</a:t>
+              <a:t>5/30/2021</a:t>
             </a:fld>
             <a:endParaRPr lang="en-US"/>
           </a:p>
@@ -3351,7 +3737,7 @@
           <a:p>
             <a:fld id="{A156700E-BABF-48D7-91ED-16FA9F56B942}" type="datetime1">
               <a:rPr lang="en-US" smtClean="0"/>
-              <a:t>5/29/2021</a:t>
+              <a:t>5/30/2021</a:t>
             </a:fld>
             <a:endParaRPr lang="en-US"/>
           </a:p>
@@ -3600,7 +3986,7 @@
           <a:p>
             <a:fld id="{2492679C-196D-4DE0-8A42-E5ADEB72970E}" type="datetime1">
               <a:rPr lang="en-US" smtClean="0"/>
-              <a:t>5/29/2021</a:t>
+              <a:t>5/30/2021</a:t>
             </a:fld>
             <a:endParaRPr lang="en-US"/>
           </a:p>
@@ -3878,7 +4264,7 @@
           <a:p>
             <a:fld id="{4374ED3D-CB9B-48CA-9D94-084D6089EB93}" type="datetime1">
               <a:rPr lang="en-US" smtClean="0"/>
-              <a:t>5/29/2021</a:t>
+              <a:t>5/30/2021</a:t>
             </a:fld>
             <a:endParaRPr lang="en-US"/>
           </a:p>
@@ -4146,7 +4532,7 @@
           <a:p>
             <a:fld id="{0B5689B3-530D-4855-BCB9-DEB09A7CF906}" type="datetime1">
               <a:rPr lang="en-US" smtClean="0"/>
-              <a:t>5/29/2021</a:t>
+              <a:t>5/30/2021</a:t>
             </a:fld>
             <a:endParaRPr lang="en-US"/>
           </a:p>
@@ -4561,7 +4947,7 @@
           <a:p>
             <a:fld id="{200FEFAF-07A3-4695-BB79-64B21819070B}" type="datetime1">
               <a:rPr lang="en-US" smtClean="0"/>
-              <a:t>5/29/2021</a:t>
+              <a:t>5/30/2021</a:t>
             </a:fld>
             <a:endParaRPr lang="en-US"/>
           </a:p>
@@ -4705,7 +5091,7 @@
           <a:p>
             <a:fld id="{1F283797-4250-4407-9785-E305430B2792}" type="datetime1">
               <a:rPr lang="en-US" smtClean="0"/>
-              <a:t>5/29/2021</a:t>
+              <a:t>5/30/2021</a:t>
             </a:fld>
             <a:endParaRPr lang="en-US"/>
           </a:p>
@@ -4821,7 +5207,7 @@
           <a:p>
             <a:fld id="{9EF207AB-517D-4491-9172-EBFFC880A0F5}" type="datetime1">
               <a:rPr lang="en-US" smtClean="0"/>
-              <a:t>5/29/2021</a:t>
+              <a:t>5/30/2021</a:t>
             </a:fld>
             <a:endParaRPr lang="en-US"/>
           </a:p>
@@ -5135,7 +5521,7 @@
           <a:p>
             <a:fld id="{49940FA8-FD76-4777-81F3-EA849AAF49D9}" type="datetime1">
               <a:rPr lang="en-US" smtClean="0"/>
-              <a:t>5/29/2021</a:t>
+              <a:t>5/30/2021</a:t>
             </a:fld>
             <a:endParaRPr lang="en-US"/>
           </a:p>
@@ -5426,7 +5812,7 @@
           <a:p>
             <a:fld id="{B2E5968D-F649-4BB4-A9DF-559D2CA7055F}" type="datetime1">
               <a:rPr lang="en-US" smtClean="0"/>
-              <a:t>5/29/2021</a:t>
+              <a:t>5/30/2021</a:t>
             </a:fld>
             <a:endParaRPr lang="en-US"/>
           </a:p>
@@ -5670,7 +6056,7 @@
           <a:p>
             <a:fld id="{B63026A1-4838-47B3-BDB6-2E6C2423384E}" type="datetime1">
               <a:rPr lang="en-US" smtClean="0"/>
-              <a:t>5/29/2021</a:t>
+              <a:t>5/30/2021</a:t>
             </a:fld>
             <a:endParaRPr lang="en-US"/>
           </a:p>
@@ -6177,7 +6563,7 @@
                 </a:solidFill>
               </a:rPr>
               <a:pPr algn="r"/>
-              <a:t>5/29/2021</a:t>
+              <a:t>5/30/2021</a:t>
             </a:fld>
             <a:endParaRPr lang="en-US" sz="1600" dirty="0">
               <a:solidFill>
@@ -7101,7 +7487,7 @@
         </p:nvSpPr>
         <p:spPr>
           <a:xfrm>
-            <a:off x="476250" y="365125"/>
+            <a:off x="457198" y="314680"/>
             <a:ext cx="11258550" cy="701675"/>
           </a:xfrm>
         </p:spPr>
@@ -7318,7 +7704,7 @@
         </p:nvSpPr>
         <p:spPr>
           <a:xfrm>
-            <a:off x="457199" y="1900239"/>
+            <a:off x="457198" y="1886692"/>
             <a:ext cx="2703610" cy="3766466"/>
           </a:xfrm>
           <a:prstGeom prst="rect">
@@ -7461,8 +7847,11 @@
           <a:bodyPr rtlCol="0" anchor="ctr"/>
           <a:lstStyle/>
           <a:p>
-            <a:pPr algn="ctr"/>
-            <a:endParaRPr lang="en-US"/>
+            <a:pPr marL="285750" indent="-285750" algn="ctr">
+              <a:buFont typeface="Arial" panose="020B0604020202020204" pitchFamily="34" charset="0"/>
+              <a:buChar char="•"/>
+            </a:pPr>
+            <a:endParaRPr lang="en-US" dirty="0"/>
           </a:p>
         </p:txBody>
       </p:sp>
@@ -7480,7 +7869,7 @@
         </p:nvSpPr>
         <p:spPr>
           <a:xfrm>
-            <a:off x="9012138" y="1900239"/>
+            <a:off x="9031190" y="1886692"/>
             <a:ext cx="2703610" cy="3766466"/>
           </a:xfrm>
           <a:prstGeom prst="rect">
@@ -7516,7 +7905,7 @@
           <a:lstStyle/>
           <a:p>
             <a:pPr algn="ctr"/>
-            <a:endParaRPr lang="en-US"/>
+            <a:endParaRPr lang="en-US" dirty="0"/>
           </a:p>
         </p:txBody>
       </p:sp>
@@ -7734,7 +8123,7 @@
             </a:lvl9pPr>
           </a:lstStyle>
           <a:p>
-            <a:pPr marL="0" indent="0">
+            <a:pPr>
               <a:lnSpc>
                 <a:spcPct val="100000"/>
               </a:lnSpc>
@@ -7744,7 +8133,8 @@
               <a:spcAft>
                 <a:spcPts val="1200"/>
               </a:spcAft>
-              <a:buNone/>
+              <a:buFont typeface="Arial" panose="020B0604020202020204" pitchFamily="34" charset="0"/>
+              <a:buChar char="•"/>
             </a:pPr>
             <a:r>
               <a:rPr lang="ko-KR" altLang="en-US" sz="1600" dirty="0"/>
@@ -7753,7 +8143,7 @@
             <a:endParaRPr lang="en-US" altLang="ko-KR" sz="1600" dirty="0"/>
           </a:p>
           <a:p>
-            <a:pPr marL="0" indent="0">
+            <a:pPr>
               <a:lnSpc>
                 <a:spcPct val="100000"/>
               </a:lnSpc>
@@ -7763,12 +8153,13 @@
               <a:spcAft>
                 <a:spcPts val="1200"/>
               </a:spcAft>
-              <a:buNone/>
+              <a:buFont typeface="Arial" panose="020B0604020202020204" pitchFamily="34" charset="0"/>
+              <a:buChar char="•"/>
             </a:pPr>
             <a:endParaRPr lang="en-US" altLang="ko-KR" sz="1600" dirty="0"/>
           </a:p>
           <a:p>
-            <a:pPr marL="0" indent="0">
+            <a:pPr>
               <a:lnSpc>
                 <a:spcPct val="100000"/>
               </a:lnSpc>
@@ -7778,16 +8169,17 @@
               <a:spcAft>
                 <a:spcPts val="1200"/>
               </a:spcAft>
-              <a:buNone/>
+              <a:buFont typeface="Arial" panose="020B0604020202020204" pitchFamily="34" charset="0"/>
+              <a:buChar char="•"/>
             </a:pPr>
             <a:r>
-              <a:rPr lang="ko-KR" altLang="en-US" sz="1600" dirty="0" err="1"/>
-              <a:t>지니계수</a:t>
+              <a:rPr lang="ko-KR" altLang="en-US" sz="1600" dirty="0"/>
+              <a:t>추론과정 이해용이</a:t>
             </a:r>
             <a:endParaRPr lang="en-US" altLang="ko-KR" sz="1600" dirty="0"/>
           </a:p>
           <a:p>
-            <a:pPr marL="0" indent="0">
+            <a:pPr>
               <a:lnSpc>
                 <a:spcPct val="100000"/>
               </a:lnSpc>
@@ -7797,12 +8189,13 @@
               <a:spcAft>
                 <a:spcPts val="1200"/>
               </a:spcAft>
-              <a:buNone/>
+              <a:buFont typeface="Arial" panose="020B0604020202020204" pitchFamily="34" charset="0"/>
+              <a:buChar char="•"/>
             </a:pPr>
             <a:endParaRPr lang="en-US" altLang="ko-KR" sz="1600" dirty="0"/>
           </a:p>
           <a:p>
-            <a:pPr marL="0" indent="0">
+            <a:pPr>
               <a:lnSpc>
                 <a:spcPct val="100000"/>
               </a:lnSpc>
@@ -7812,11 +8205,16 @@
               <a:spcAft>
                 <a:spcPts val="1200"/>
               </a:spcAft>
-              <a:buNone/>
+              <a:buFont typeface="Arial" panose="020B0604020202020204" pitchFamily="34" charset="0"/>
+              <a:buChar char="•"/>
             </a:pPr>
             <a:r>
               <a:rPr lang="ko-KR" altLang="en-US" sz="1600" dirty="0" err="1"/>
               <a:t>과적합</a:t>
+            </a:r>
+            <a:r>
+              <a:rPr lang="ko-KR" altLang="en-US" sz="1600" dirty="0"/>
+              <a:t> 문제</a:t>
             </a:r>
             <a:endParaRPr lang="en-US" altLang="ko-KR" sz="1600" dirty="0"/>
           </a:p>
@@ -7854,7 +8252,7 @@
         <p:spPr>
           <a:xfrm>
             <a:off x="3543793" y="2536052"/>
-            <a:ext cx="2233714" cy="1446550"/>
+            <a:ext cx="2233714" cy="1692771"/>
           </a:xfrm>
           <a:prstGeom prst="rect">
             <a:avLst/>
@@ -8051,7 +8449,7 @@
             </a:lvl9pPr>
           </a:lstStyle>
           <a:p>
-            <a:pPr marL="0" indent="0">
+            <a:pPr>
               <a:lnSpc>
                 <a:spcPct val="100000"/>
               </a:lnSpc>
@@ -8061,16 +8459,17 @@
               <a:spcAft>
                 <a:spcPts val="1200"/>
               </a:spcAft>
-              <a:buNone/>
+              <a:buFont typeface="Arial" panose="020B0604020202020204" pitchFamily="34" charset="0"/>
+              <a:buChar char="•"/>
             </a:pPr>
             <a:r>
               <a:rPr lang="ko-KR" altLang="en-US" sz="1600" dirty="0"/>
-              <a:t>트리기반 앙상블모델</a:t>
+              <a:t>트리기반모델</a:t>
             </a:r>
             <a:endParaRPr lang="en-US" altLang="ko-KR" sz="1600" dirty="0"/>
           </a:p>
           <a:p>
-            <a:pPr marL="0" indent="0">
+            <a:pPr>
               <a:lnSpc>
                 <a:spcPct val="100000"/>
               </a:lnSpc>
@@ -8080,12 +8479,13 @@
               <a:spcAft>
                 <a:spcPts val="1200"/>
               </a:spcAft>
-              <a:buNone/>
+              <a:buFont typeface="Arial" panose="020B0604020202020204" pitchFamily="34" charset="0"/>
+              <a:buChar char="•"/>
             </a:pPr>
             <a:endParaRPr lang="en-US" altLang="ko-KR" sz="1600" dirty="0"/>
           </a:p>
           <a:p>
-            <a:pPr marL="0" indent="0">
+            <a:pPr>
               <a:lnSpc>
                 <a:spcPct val="100000"/>
               </a:lnSpc>
@@ -8095,7 +8495,8 @@
               <a:spcAft>
                 <a:spcPts val="1200"/>
               </a:spcAft>
-              <a:buNone/>
+              <a:buFont typeface="Arial" panose="020B0604020202020204" pitchFamily="34" charset="0"/>
+              <a:buChar char="•"/>
             </a:pPr>
             <a:r>
               <a:rPr lang="en-US" altLang="ko-KR" sz="1600" dirty="0"/>
@@ -8107,7 +8508,15 @@
             </a:r>
             <a:r>
               <a:rPr lang="en-US" altLang="ko-KR" sz="1600" dirty="0"/>
-              <a:t>Machine</a:t>
+              <a:t>Machine(</a:t>
+            </a:r>
+            <a:r>
+              <a:rPr lang="ko-KR" altLang="en-US" sz="1600" dirty="0"/>
+              <a:t>앙상블 모델</a:t>
+            </a:r>
+            <a:r>
+              <a:rPr lang="en-US" altLang="ko-KR" sz="1600" dirty="0"/>
+              <a:t>)</a:t>
             </a:r>
           </a:p>
           <a:p>
@@ -8144,7 +8553,7 @@
         <p:spPr>
           <a:xfrm>
             <a:off x="6395439" y="2536052"/>
-            <a:ext cx="2233714" cy="246221"/>
+            <a:ext cx="2233714" cy="1292662"/>
           </a:xfrm>
           <a:prstGeom prst="rect">
             <a:avLst/>
@@ -8341,7 +8750,7 @@
             </a:lvl9pPr>
           </a:lstStyle>
           <a:p>
-            <a:pPr marL="0" indent="0">
+            <a:pPr>
               <a:lnSpc>
                 <a:spcPct val="100000"/>
               </a:lnSpc>
@@ -8351,11 +8760,48 @@
               <a:spcAft>
                 <a:spcPts val="1200"/>
               </a:spcAft>
-              <a:buNone/>
+              <a:buFont typeface="Arial" panose="020B0604020202020204" pitchFamily="34" charset="0"/>
+              <a:buChar char="•"/>
             </a:pPr>
             <a:r>
               <a:rPr lang="ko-KR" altLang="en-US" sz="1600" dirty="0"/>
               <a:t>범주형 문제 회귀분석</a:t>
+            </a:r>
+            <a:endParaRPr lang="en-US" altLang="ko-KR" sz="1600" dirty="0"/>
+          </a:p>
+          <a:p>
+            <a:pPr>
+              <a:lnSpc>
+                <a:spcPct val="100000"/>
+              </a:lnSpc>
+              <a:spcBef>
+                <a:spcPts val="0"/>
+              </a:spcBef>
+              <a:spcAft>
+                <a:spcPts val="1200"/>
+              </a:spcAft>
+              <a:buFont typeface="Arial" panose="020B0604020202020204" pitchFamily="34" charset="0"/>
+              <a:buChar char="•"/>
+            </a:pPr>
+            <a:endParaRPr lang="en-US" sz="1600" dirty="0"/>
+          </a:p>
+          <a:p>
+            <a:pPr>
+              <a:lnSpc>
+                <a:spcPct val="100000"/>
+              </a:lnSpc>
+              <a:spcBef>
+                <a:spcPts val="0"/>
+              </a:spcBef>
+              <a:spcAft>
+                <a:spcPts val="1200"/>
+              </a:spcAft>
+              <a:buFont typeface="Arial" panose="020B0604020202020204" pitchFamily="34" charset="0"/>
+              <a:buChar char="•"/>
+            </a:pPr>
+            <a:r>
+              <a:rPr lang="ko-KR" altLang="en-US" sz="1600" dirty="0"/>
+              <a:t>설명변수의 선형성 가정</a:t>
             </a:r>
             <a:endParaRPr lang="en-US" sz="1600" dirty="0"/>
           </a:p>
@@ -8378,7 +8824,7 @@
         <p:spPr>
           <a:xfrm>
             <a:off x="9247086" y="2536052"/>
-            <a:ext cx="2233714" cy="646331"/>
+            <a:ext cx="2233714" cy="2246769"/>
           </a:xfrm>
           <a:prstGeom prst="rect">
             <a:avLst/>
@@ -8575,7 +9021,7 @@
             </a:lvl9pPr>
           </a:lstStyle>
           <a:p>
-            <a:pPr marL="0" indent="0">
+            <a:pPr>
               <a:lnSpc>
                 <a:spcPct val="100000"/>
               </a:lnSpc>
@@ -8585,11 +9031,56 @@
               <a:spcAft>
                 <a:spcPts val="1200"/>
               </a:spcAft>
-              <a:buNone/>
+              <a:buFont typeface="Arial" panose="020B0604020202020204" pitchFamily="34" charset="0"/>
+              <a:buChar char="•"/>
             </a:pPr>
             <a:r>
               <a:rPr lang="ko-KR" altLang="en-US" sz="1600" dirty="0"/>
               <a:t>인공신경망 모형</a:t>
+            </a:r>
+            <a:endParaRPr lang="en-US" altLang="ko-KR" sz="1600" dirty="0"/>
+          </a:p>
+          <a:p>
+            <a:pPr>
+              <a:lnSpc>
+                <a:spcPct val="100000"/>
+              </a:lnSpc>
+              <a:spcBef>
+                <a:spcPts val="0"/>
+              </a:spcBef>
+              <a:spcAft>
+                <a:spcPts val="1200"/>
+              </a:spcAft>
+              <a:buFont typeface="Arial" panose="020B0604020202020204" pitchFamily="34" charset="0"/>
+              <a:buChar char="•"/>
+            </a:pPr>
+            <a:endParaRPr lang="en-US" altLang="ko-KR" sz="1600" dirty="0"/>
+          </a:p>
+          <a:p>
+            <a:pPr>
+              <a:lnSpc>
+                <a:spcPct val="100000"/>
+              </a:lnSpc>
+              <a:spcBef>
+                <a:spcPts val="0"/>
+              </a:spcBef>
+              <a:spcAft>
+                <a:spcPts val="1200"/>
+              </a:spcAft>
+              <a:buFont typeface="Arial" panose="020B0604020202020204" pitchFamily="34" charset="0"/>
+              <a:buChar char="•"/>
+            </a:pPr>
+            <a:r>
+              <a:rPr lang="ko-KR" altLang="en-US" sz="1600" dirty="0"/>
+              <a:t>복잡한문제</a:t>
+            </a:r>
+            <a:r>
+              <a:rPr lang="en-US" altLang="ko-KR" sz="1600" dirty="0"/>
+              <a:t>, </a:t>
+            </a:r>
+            <a:r>
+              <a:rPr lang="ko-KR" altLang="en-US" sz="1600" dirty="0" err="1"/>
+              <a:t>좋은성능</a:t>
             </a:r>
             <a:endParaRPr lang="en-US" altLang="ko-KR" sz="1600" dirty="0"/>
           </a:p>
@@ -8605,6 +9096,42 @@
                 <a:spcPts val="1200"/>
               </a:spcAft>
               <a:buNone/>
+            </a:pPr>
+            <a:endParaRPr lang="en-US" altLang="ko-KR" sz="1600" dirty="0"/>
+          </a:p>
+          <a:p>
+            <a:pPr>
+              <a:lnSpc>
+                <a:spcPct val="100000"/>
+              </a:lnSpc>
+              <a:spcBef>
+                <a:spcPts val="0"/>
+              </a:spcBef>
+              <a:spcAft>
+                <a:spcPts val="1200"/>
+              </a:spcAft>
+              <a:buFont typeface="Arial" panose="020B0604020202020204" pitchFamily="34" charset="0"/>
+              <a:buChar char="•"/>
+            </a:pPr>
+            <a:r>
+              <a:rPr lang="ko-KR" altLang="en-US" sz="1600" dirty="0"/>
+              <a:t>설명력 약함</a:t>
+            </a:r>
+            <a:endParaRPr lang="en-US" altLang="ko-KR" sz="1600" dirty="0"/>
+          </a:p>
+          <a:p>
+            <a:pPr>
+              <a:lnSpc>
+                <a:spcPct val="100000"/>
+              </a:lnSpc>
+              <a:spcBef>
+                <a:spcPts val="0"/>
+              </a:spcBef>
+              <a:spcAft>
+                <a:spcPts val="1200"/>
+              </a:spcAft>
+              <a:buFont typeface="Arial" panose="020B0604020202020204" pitchFamily="34" charset="0"/>
+              <a:buChar char="•"/>
             </a:pPr>
             <a:endParaRPr lang="en-US" sz="1600" dirty="0"/>
           </a:p>
@@ -8624,8 +9151,8 @@
         </p:nvSpPr>
         <p:spPr>
           <a:xfrm>
-            <a:off x="613962" y="1717804"/>
-            <a:ext cx="1713602" cy="449256"/>
+            <a:off x="756625" y="1638031"/>
+            <a:ext cx="2160000" cy="540000"/>
           </a:xfrm>
           <a:prstGeom prst="rect">
             <a:avLst/>
@@ -8685,8 +9212,8 @@
         </p:nvSpPr>
         <p:spPr>
           <a:xfrm>
-            <a:off x="3525321" y="1717804"/>
-            <a:ext cx="1713602" cy="449256"/>
+            <a:off x="3575331" y="1630239"/>
+            <a:ext cx="2160000" cy="540000"/>
           </a:xfrm>
           <a:prstGeom prst="rect">
             <a:avLst/>
@@ -8746,8 +9273,8 @@
         </p:nvSpPr>
         <p:spPr>
           <a:xfrm>
-            <a:off x="6367717" y="1717804"/>
-            <a:ext cx="1713602" cy="449256"/>
+            <a:off x="6355808" y="1630239"/>
+            <a:ext cx="2160000" cy="540000"/>
           </a:xfrm>
           <a:prstGeom prst="rect">
             <a:avLst/>
@@ -8807,8 +9334,8 @@
         </p:nvSpPr>
         <p:spPr>
           <a:xfrm>
-            <a:off x="9228614" y="1717804"/>
-            <a:ext cx="1713602" cy="449256"/>
+            <a:off x="9283943" y="1638031"/>
+            <a:ext cx="2160000" cy="540000"/>
           </a:xfrm>
           <a:prstGeom prst="rect">
             <a:avLst/>
@@ -9120,9 +9647,9 @@
         <p:grpSpPr>
           <a:xfrm>
             <a:off x="7412845" y="2613090"/>
-            <a:ext cx="3693886" cy="2538527"/>
+            <a:ext cx="3693886" cy="3296042"/>
             <a:chOff x="6284976" y="1400628"/>
-            <a:chExt cx="5449824" cy="2538527"/>
+            <a:chExt cx="5449824" cy="3296042"/>
           </a:xfrm>
         </p:grpSpPr>
         <p:sp>
@@ -9142,7 +9669,7 @@
           <p:spPr>
             <a:xfrm>
               <a:off x="6284976" y="1930400"/>
-              <a:ext cx="5449824" cy="2008755"/>
+              <a:ext cx="5449824" cy="2766270"/>
             </a:xfrm>
             <a:prstGeom prst="rect">
               <a:avLst/>
@@ -9339,39 +9866,52 @@
               </a:lvl9pPr>
             </a:lstStyle>
             <a:p>
-              <a:pPr marL="0" indent="0">
-                <a:buNone/>
+              <a:pPr>
+                <a:buFont typeface="Arial" panose="020B0604020202020204" pitchFamily="34" charset="0"/>
+                <a:buChar char="•"/>
               </a:pPr>
               <a:r>
                 <a:rPr lang="ko-KR" altLang="en-US" sz="1800" dirty="0"/>
-                <a:t>교차검증과 함께 최적의 파라미터 적용</a:t>
+                <a:t>교차검증과 함께 최적의 </a:t>
+              </a:r>
+              <a:r>
+                <a:rPr lang="ko-KR" altLang="en-US" sz="1800" dirty="0" err="1"/>
+                <a:t>하이퍼</a:t>
+              </a:r>
+              <a:r>
+                <a:rPr lang="ko-KR" altLang="en-US" sz="1800" dirty="0"/>
+                <a:t> 파라미터 탐색</a:t>
               </a:r>
               <a:endParaRPr lang="en-US" altLang="ko-KR" sz="1800" dirty="0"/>
             </a:p>
             <a:p>
-              <a:pPr marL="0" indent="0">
-                <a:buNone/>
+              <a:pPr>
+                <a:buFont typeface="Arial" panose="020B0604020202020204" pitchFamily="34" charset="0"/>
+                <a:buChar char="•"/>
               </a:pPr>
               <a:endParaRPr lang="en-US" altLang="ko-KR" sz="1800" dirty="0"/>
             </a:p>
             <a:p>
-              <a:pPr marL="0" indent="0">
-                <a:buNone/>
+              <a:pPr>
+                <a:buFont typeface="Arial" panose="020B0604020202020204" pitchFamily="34" charset="0"/>
+                <a:buChar char="•"/>
               </a:pPr>
               <a:r>
                 <a:rPr lang="en-US" altLang="ko-KR" sz="1800" dirty="0"/>
-                <a:t>cv=10</a:t>
+                <a:t>CV(cross validation)=10</a:t>
               </a:r>
             </a:p>
             <a:p>
-              <a:pPr marL="0" indent="0">
-                <a:buNone/>
+              <a:pPr>
+                <a:buFont typeface="Arial" panose="020B0604020202020204" pitchFamily="34" charset="0"/>
+                <a:buChar char="•"/>
               </a:pPr>
               <a:endParaRPr lang="en-US" altLang="ko-KR" sz="1800" dirty="0"/>
             </a:p>
             <a:p>
-              <a:pPr marL="0" indent="0">
-                <a:buNone/>
+              <a:pPr>
+                <a:buFont typeface="Arial" panose="020B0604020202020204" pitchFamily="34" charset="0"/>
+                <a:buChar char="•"/>
               </a:pPr>
               <a:r>
                 <a:rPr lang="ko-KR" altLang="en-US" sz="1800" dirty="0" err="1"/>
@@ -9385,6 +9925,19 @@
                 <a:rPr lang="ko-KR" altLang="en-US" sz="1800" dirty="0"/>
                 <a:t> 기준</a:t>
               </a:r>
+            </a:p>
+            <a:p>
+              <a:pPr>
+                <a:buFont typeface="Arial" panose="020B0604020202020204" pitchFamily="34" charset="0"/>
+                <a:buChar char="•"/>
+              </a:pPr>
+              <a:endParaRPr lang="en-US" altLang="ko-KR" sz="1800" dirty="0"/>
+            </a:p>
+            <a:p>
+              <a:pPr marL="0" indent="0">
+                <a:buNone/>
+              </a:pPr>
+              <a:endParaRPr lang="en-US" altLang="ko-KR" sz="1800" dirty="0"/>
             </a:p>
           </p:txBody>
         </p:sp>
@@ -9700,7 +10253,7 @@
           <p:nvPr>
             <p:extLst>
               <p:ext uri="{D42A27DB-BD31-4B8C-83A1-F6EECF244321}">
-                <p14:modId xmlns:p14="http://schemas.microsoft.com/office/powerpoint/2010/main" val="2101873444"/>
+                <p14:modId xmlns:p14="http://schemas.microsoft.com/office/powerpoint/2010/main" val="4139484300"/>
               </p:ext>
             </p:extLst>
           </p:nvPr>
@@ -9938,7 +10491,7 @@
                       </a:r>
                       <a:r>
                         <a:rPr lang="en-US" altLang="ko-KR" sz="1600" dirty="0"/>
-                        <a:t>=4</a:t>
+                        <a:t>=6</a:t>
                       </a:r>
                     </a:p>
                     <a:p>
@@ -10086,7 +10639,7 @@
                       </a:r>
                       <a:r>
                         <a:rPr lang="en-US" altLang="ko-KR" sz="1600" dirty="0"/>
-                        <a:t>= 0.01</a:t>
+                        <a:t>= 0.1</a:t>
                       </a:r>
                     </a:p>
                     <a:p>
@@ -10101,7 +10654,7 @@
                       </a:r>
                       <a:r>
                         <a:rPr lang="en-US" altLang="ko-KR" sz="1600" dirty="0"/>
-                        <a:t>=5</a:t>
+                        <a:t>=7</a:t>
                       </a:r>
                       <a:endParaRPr lang="ko-KR" altLang="en-US" sz="1600" dirty="0"/>
                     </a:p>
@@ -12209,19 +12762,35 @@
               </a:pPr>
               <a:r>
                 <a:rPr lang="ko-KR" altLang="en-US" sz="1800" dirty="0"/>
-                <a:t>불균형한 데이터는 </a:t>
+                <a:t>현재 데이터는 </a:t>
               </a:r>
               <a:r>
-                <a:rPr lang="ko-KR" altLang="en-US" sz="1800" dirty="0" err="1"/>
-                <a:t>과적합</a:t>
+                <a:rPr lang="en-US" altLang="ko-KR" sz="1800" dirty="0"/>
+                <a:t>1(</a:t>
               </a:r>
               <a:r>
                 <a:rPr lang="ko-KR" altLang="en-US" sz="1800" dirty="0"/>
-                <a:t> 문제를 일으킨다</a:t>
+                <a:t>부실가계</a:t>
               </a:r>
               <a:r>
                 <a:rPr lang="en-US" altLang="ko-KR" sz="1800" dirty="0"/>
-                <a:t>.</a:t>
+                <a:t>)</a:t>
+              </a:r>
+              <a:r>
+                <a:rPr lang="ko-KR" altLang="en-US" sz="1800" dirty="0"/>
+                <a:t>의 </a:t>
+              </a:r>
+              <a:r>
+                <a:rPr lang="en-US" altLang="ko-KR" sz="1800" dirty="0"/>
+                <a:t>class</a:t>
+              </a:r>
+              <a:r>
+                <a:rPr lang="ko-KR" altLang="en-US" sz="1800" dirty="0"/>
+                <a:t>가 </a:t>
+              </a:r>
+              <a:r>
+                <a:rPr lang="en-US" altLang="ko-KR" sz="1800" dirty="0"/>
+                <a:t>7~8%</a:t>
               </a:r>
             </a:p>
             <a:p>
@@ -12256,48 +12825,23 @@
               </a:pPr>
               <a:r>
                 <a:rPr lang="ko-KR" altLang="en-US" sz="1800" dirty="0"/>
-                <a:t>현재 데이터는 </a:t>
+                <a:t>불균형한 데이터는 </a:t>
+              </a:r>
+              <a:r>
+                <a:rPr lang="ko-KR" altLang="en-US" sz="1800" dirty="0" err="1"/>
+                <a:t>과적합</a:t>
+              </a:r>
+              <a:r>
+                <a:rPr lang="ko-KR" altLang="en-US" sz="1800" dirty="0"/>
+                <a:t> 문제를 일으킨다</a:t>
               </a:r>
               <a:r>
                 <a:rPr lang="en-US" altLang="ko-KR" sz="1800" dirty="0"/>
-                <a:t>1(</a:t>
+                <a:t>.</a:t>
               </a:r>
-              <a:r>
-                <a:rPr lang="ko-KR" altLang="en-US" sz="1800" dirty="0"/>
-                <a:t>부실가계</a:t>
-              </a:r>
-              <a:r>
-                <a:rPr lang="en-US" altLang="ko-KR" sz="1800" dirty="0"/>
-                <a:t>)</a:t>
-              </a:r>
-              <a:r>
-                <a:rPr lang="ko-KR" altLang="en-US" sz="1800" dirty="0"/>
-                <a:t>의 </a:t>
-              </a:r>
-              <a:r>
-                <a:rPr lang="en-US" altLang="ko-KR" sz="1800" dirty="0"/>
-                <a:t>class</a:t>
-              </a:r>
-              <a:r>
-                <a:rPr lang="ko-KR" altLang="en-US" sz="1800" dirty="0"/>
-                <a:t>가 </a:t>
-              </a:r>
-              <a:r>
-                <a:rPr lang="en-US" altLang="ko-KR" sz="1800" dirty="0"/>
-                <a:t>7~8%</a:t>
-              </a:r>
-              <a:r>
-                <a:rPr lang="ko-KR" altLang="en-US" sz="1800" dirty="0"/>
-                <a:t>로 </a:t>
-              </a:r>
-              <a:r>
-                <a:rPr lang="ko-KR" altLang="en-US" sz="1800" dirty="0" err="1"/>
-                <a:t>작은편</a:t>
-              </a:r>
-              <a:endParaRPr lang="en-US" altLang="ko-KR" sz="1800" dirty="0"/>
             </a:p>
             <a:p>
-              <a:pPr>
+              <a:pPr marL="0" indent="0">
                 <a:lnSpc>
                   <a:spcPct val="100000"/>
                 </a:lnSpc>
@@ -12307,8 +12851,7 @@
                 <a:spcAft>
                   <a:spcPts val="1200"/>
                 </a:spcAft>
-                <a:buFont typeface="Arial" panose="020B0604020202020204" pitchFamily="34" charset="0"/>
-                <a:buChar char="•"/>
+                <a:buNone/>
               </a:pPr>
               <a:endParaRPr lang="en-US" altLang="ko-KR" sz="1800" dirty="0"/>
             </a:p>
@@ -12327,16 +12870,16 @@
                 <a:buChar char="•"/>
               </a:pPr>
               <a:r>
+                <a:rPr lang="en-US" altLang="ko-KR" sz="1800" dirty="0"/>
+                <a:t>SMOTE: </a:t>
+              </a:r>
+              <a:r>
                 <a:rPr lang="ko-KR" altLang="en-US" sz="1800" dirty="0"/>
                 <a:t>더 적은 표본의 데이터들을 비슷한 특징</a:t>
               </a:r>
               <a:r>
                 <a:rPr lang="en-US" altLang="ko-KR" sz="1800" dirty="0"/>
-                <a:t>(k-</a:t>
-              </a:r>
-              <a:r>
-                <a:rPr lang="en-US" altLang="ko-KR" sz="1800" dirty="0" err="1"/>
-                <a:t>nn</a:t>
+                <a:t>(K-NN</a:t>
               </a:r>
               <a:r>
                 <a:rPr lang="ko-KR" altLang="en-US" sz="1800" dirty="0"/>
@@ -12398,7 +12941,7 @@
         </p:nvSpPr>
         <p:spPr>
           <a:xfrm rot="16200000">
-            <a:off x="7733160" y="4791462"/>
+            <a:off x="8028718" y="4791462"/>
             <a:ext cx="655782" cy="611853"/>
           </a:xfrm>
           <a:prstGeom prst="downArrow">
@@ -12458,7 +13001,7 @@
         </p:blipFill>
         <p:spPr>
           <a:xfrm>
-            <a:off x="4591050" y="4658803"/>
+            <a:off x="4831190" y="4658803"/>
             <a:ext cx="3076575" cy="923925"/>
           </a:xfrm>
           <a:prstGeom prst="rect">
@@ -12488,7 +13031,7 @@
         </p:blipFill>
         <p:spPr>
           <a:xfrm>
-            <a:off x="8561820" y="4658803"/>
+            <a:off x="8801960" y="4658803"/>
             <a:ext cx="3067050" cy="971550"/>
           </a:xfrm>
           <a:prstGeom prst="rect">
@@ -12951,7 +13494,7 @@
                     <a:srgbClr val="102747"/>
                   </a:solidFill>
                 </a:rPr>
-                <a:t>ROC-AUC</a:t>
+                <a:t>AUC</a:t>
               </a:r>
             </a:p>
           </p:txBody>
@@ -13229,16 +13772,12 @@
                 <a:buNone/>
               </a:pPr>
               <a:r>
-                <a:rPr lang="ko-KR" altLang="en-US" sz="1400" dirty="0"/>
-                <a:t>민감도와 특이도를 통해 </a:t>
-              </a:r>
-              <a:r>
                 <a:rPr lang="en-US" altLang="ko-KR" sz="1400" dirty="0"/>
-                <a:t>ROC</a:t>
+                <a:t>2</a:t>
               </a:r>
               <a:r>
                 <a:rPr lang="ko-KR" altLang="en-US" sz="1400" dirty="0"/>
-                <a:t>계산</a:t>
+                <a:t>진분류에 많이 활용되는 지표</a:t>
               </a:r>
               <a:endParaRPr lang="en-US" altLang="ko-KR" sz="1400" dirty="0"/>
             </a:p>
@@ -13625,8 +14164,8 @@
             </a:fontRef>
           </p:style>
         </p:cxnSp>
-        <mc:AlternateContent xmlns:mc="http://schemas.openxmlformats.org/markup-compatibility/2006" xmlns:a14="http://schemas.microsoft.com/office/drawing/2010/main">
-          <mc:Choice Requires="a14">
+        <mc:AlternateContent xmlns:mc="http://schemas.openxmlformats.org/markup-compatibility/2006">
+          <mc:Choice xmlns:a14="http://schemas.microsoft.com/office/drawing/2010/main" Requires="a14">
             <p:sp>
               <p:nvSpPr>
                 <p:cNvPr id="80" name="Content Placeholder 2">
@@ -13859,7 +14398,7 @@
                         <m:rPr>
                           <m:nor/>
                         </m:rPr>
-                        <a:rPr lang="en-US" altLang="ko-KR" sz="1400" b="0" i="0" smtClean="0">
+                        <a:rPr lang="en-US" altLang="ko-KR" sz="1400" i="1" smtClean="0">
                           <a:latin typeface="Cambria Math" panose="02040503050406030204" pitchFamily="18" charset="0"/>
                         </a:rPr>
                         <m:t>                         </m:t>
@@ -13868,23 +14407,23 @@
                         <m:rPr>
                           <m:nor/>
                         </m:rPr>
-                        <a:rPr lang="en-US" altLang="ko-KR" sz="1400" smtClean="0">
+                        <a:rPr lang="en-US" altLang="ko-KR" sz="1400" i="1" smtClean="0">
                           <a:latin typeface="Cambria Math" panose="02040503050406030204" pitchFamily="18" charset="0"/>
                         </a:rPr>
-                        <m:t>Recall</m:t>
+                        <m:t>Precision</m:t>
                       </m:r>
                       <m:r>
                         <m:rPr>
                           <m:nor/>
                         </m:rPr>
-                        <a:rPr lang="ko-KR" altLang="en-US" sz="1400" smtClean="0"/>
+                        <a:rPr lang="ko-KR" altLang="en-US" sz="1400" i="1" smtClean="0"/>
                         <m:t> </m:t>
                       </m:r>
                       <m:r>
                         <m:rPr>
                           <m:nor/>
                         </m:rPr>
-                        <a:rPr lang="en-US" altLang="ko-KR" sz="1400" smtClean="0"/>
+                        <a:rPr lang="en-US" altLang="ko-KR" sz="1400" i="1" smtClean="0"/>
                         <m:t>= </m:t>
                       </m:r>
                       <m:f>
@@ -13903,14 +14442,14 @@
                             <m:rPr>
                               <m:nor/>
                             </m:rPr>
-                            <a:rPr lang="en-US" altLang="ko-KR" sz="1400"/>
+                            <a:rPr lang="en-US" altLang="ko-KR" sz="1400" i="1"/>
                             <m:t>TP</m:t>
                           </m:r>
                           <m:r>
                             <m:rPr>
                               <m:nor/>
                             </m:rPr>
-                            <a:rPr lang="en-US" altLang="ko-KR" sz="1400"/>
+                            <a:rPr lang="en-US" altLang="ko-KR" sz="1400" i="1"/>
                             <m:t> </m:t>
                           </m:r>
                         </m:num>
@@ -13919,7 +14458,7 @@
                             <m:rPr>
                               <m:nor/>
                             </m:rPr>
-                            <a:rPr lang="en-US" altLang="ko-KR" sz="1400">
+                            <a:rPr lang="en-US" altLang="ko-KR" sz="1400" i="1">
                               <a:latin typeface="Cambria Math" panose="02040503050406030204" pitchFamily="18" charset="0"/>
                             </a:rPr>
                             <m:t>TP</m:t>
@@ -13928,14 +14467,14 @@
                             <m:rPr>
                               <m:nor/>
                             </m:rPr>
-                            <a:rPr lang="en-US" altLang="ko-KR" sz="1400"/>
+                            <a:rPr lang="en-US" altLang="ko-KR" sz="1400" i="1"/>
                             <m:t>+ </m:t>
                           </m:r>
                           <m:r>
                             <m:rPr>
                               <m:nor/>
                             </m:rPr>
-                            <a:rPr lang="en-US" altLang="ko-KR" sz="1400"/>
+                            <a:rPr lang="en-US" altLang="ko-KR" sz="1400" i="1"/>
                             <m:t>FP</m:t>
                           </m:r>
                         </m:den>
@@ -13943,7 +14482,7 @@
                     </m:oMath>
                   </a14:m>
                   <a:r>
-                    <a:rPr lang="en-US" altLang="ko-KR" sz="1400" dirty="0"/>
+                    <a:rPr lang="en-US" altLang="ko-KR" sz="1400" i="1" dirty="0"/>
                     <a:t> </a:t>
                   </a:r>
                 </a:p>
@@ -13984,7 +14523,7 @@
               </p:txBody>
             </p:sp>
           </mc:Choice>
-          <mc:Fallback xmlns="">
+          <mc:Fallback>
             <p:sp>
               <p:nvSpPr>
                 <p:cNvPr id="80" name="Content Placeholder 2">
@@ -14008,9 +14547,9 @@
                   <a:avLst/>
                 </a:prstGeom>
                 <a:blipFill>
-                  <a:blip r:embed="rId2"/>
+                  <a:blip r:embed="rId3"/>
                   <a:stretch>
-                    <a:fillRect l="-3297" t="-1130"/>
+                    <a:fillRect l="-3297" t="-1695"/>
                   </a:stretch>
                 </a:blipFill>
               </p:spPr>
@@ -14354,8 +14893,8 @@
             </a:fontRef>
           </p:style>
         </p:cxnSp>
-        <mc:AlternateContent xmlns:mc="http://schemas.openxmlformats.org/markup-compatibility/2006" xmlns:a14="http://schemas.microsoft.com/office/drawing/2010/main">
-          <mc:Choice Requires="a14">
+        <mc:AlternateContent xmlns:mc="http://schemas.openxmlformats.org/markup-compatibility/2006">
+          <mc:Choice xmlns:a14="http://schemas.microsoft.com/office/drawing/2010/main" Requires="a14">
             <p:sp>
               <p:nvSpPr>
                 <p:cNvPr id="88" name="Content Placeholder 2">
@@ -14625,21 +15164,21 @@
                               <m:rPr>
                                 <m:nor/>
                               </m:rPr>
-                              <a:rPr lang="en-US" altLang="ko-KR" sz="1400"/>
+                              <a:rPr lang="en-US" altLang="ko-KR" sz="1400" i="1"/>
                               <m:t>TP</m:t>
                             </m:r>
                             <m:r>
                               <m:rPr>
                                 <m:nor/>
                               </m:rPr>
-                              <a:rPr lang="en-US" altLang="ko-KR" sz="1400"/>
+                              <a:rPr lang="en-US" altLang="ko-KR" sz="1400" i="1"/>
                               <m:t> + </m:t>
                             </m:r>
                             <m:r>
                               <m:rPr>
                                 <m:nor/>
                               </m:rPr>
-                              <a:rPr lang="en-US" altLang="ko-KR" sz="1400"/>
+                              <a:rPr lang="en-US" altLang="ko-KR" sz="1400" i="1"/>
                               <m:t>TN</m:t>
                             </m:r>
                           </m:num>
@@ -14761,7 +15300,7 @@
               </p:txBody>
             </p:sp>
           </mc:Choice>
-          <mc:Fallback xmlns="">
+          <mc:Fallback>
             <p:sp>
               <p:nvSpPr>
                 <p:cNvPr id="88" name="Content Placeholder 2">
@@ -14785,7 +15324,7 @@
                   <a:avLst/>
                 </a:prstGeom>
                 <a:blipFill>
-                  <a:blip r:embed="rId3"/>
+                  <a:blip r:embed="rId4"/>
                   <a:stretch>
                     <a:fillRect l="-2015" r="-3297"/>
                   </a:stretch>
@@ -15131,8 +15670,8 @@
             </a:fontRef>
           </p:style>
         </p:cxnSp>
-        <mc:AlternateContent xmlns:mc="http://schemas.openxmlformats.org/markup-compatibility/2006" xmlns:a14="http://schemas.microsoft.com/office/drawing/2010/main">
-          <mc:Choice Requires="a14">
+        <mc:AlternateContent xmlns:mc="http://schemas.openxmlformats.org/markup-compatibility/2006">
+          <mc:Choice xmlns:a14="http://schemas.microsoft.com/office/drawing/2010/main" Requires="a14">
             <p:sp>
               <p:nvSpPr>
                 <p:cNvPr id="92" name="Content Placeholder 2">
@@ -15369,19 +15908,10 @@
                           <m:rPr>
                             <m:nor/>
                           </m:rPr>
-                          <a:rPr lang="en-US" altLang="ko-KR" sz="1400" smtClean="0">
+                          <a:rPr lang="en-US" altLang="ko-KR" sz="1400" i="1" smtClean="0">
                             <a:latin typeface="Cambria Math" panose="02040503050406030204" pitchFamily="18" charset="0"/>
                           </a:rPr>
-                          <m:t>R</m:t>
-                        </m:r>
-                        <m:r>
-                          <m:rPr>
-                            <m:nor/>
-                          </m:rPr>
-                          <a:rPr lang="en-US" altLang="ko-KR" sz="1400" b="0" i="0" smtClean="0">
-                            <a:latin typeface="Cambria Math" panose="02040503050406030204" pitchFamily="18" charset="0"/>
-                          </a:rPr>
-                          <m:t>ecall</m:t>
+                          <m:t>Recall</m:t>
                         </m:r>
                         <m:r>
                           <m:rPr>
@@ -15413,14 +15943,14 @@
                               <m:rPr>
                                 <m:nor/>
                               </m:rPr>
-                              <a:rPr lang="en-US" altLang="ko-KR" sz="1400"/>
+                              <a:rPr lang="en-US" altLang="ko-KR" sz="1400" i="1"/>
                               <m:t>TP</m:t>
                             </m:r>
                             <m:r>
                               <m:rPr>
                                 <m:nor/>
                               </m:rPr>
-                              <a:rPr lang="en-US" altLang="ko-KR" sz="1400"/>
+                              <a:rPr lang="en-US" altLang="ko-KR" sz="1400" i="1"/>
                               <m:t> </m:t>
                             </m:r>
                           </m:num>
@@ -15429,7 +15959,7 @@
                               <m:rPr>
                                 <m:nor/>
                               </m:rPr>
-                              <a:rPr lang="en-US" altLang="ko-KR" sz="1400" b="0" i="0" smtClean="0">
+                              <a:rPr lang="en-US" altLang="ko-KR" sz="1400" i="1" smtClean="0">
                                 <a:latin typeface="Cambria Math" panose="02040503050406030204" pitchFamily="18" charset="0"/>
                               </a:rPr>
                               <m:t>TP</m:t>
@@ -15438,7 +15968,7 @@
                               <m:rPr>
                                 <m:nor/>
                               </m:rPr>
-                              <a:rPr lang="en-US" altLang="ko-KR" sz="1400" b="0" i="0" smtClean="0">
+                              <a:rPr lang="en-US" altLang="ko-KR" sz="1400" i="1" smtClean="0">
                                 <a:latin typeface="Cambria Math" panose="02040503050406030204" pitchFamily="18" charset="0"/>
                               </a:rPr>
                               <m:t>+</m:t>
@@ -15447,7 +15977,7 @@
                               <m:rPr>
                                 <m:nor/>
                               </m:rPr>
-                              <a:rPr lang="en-US" altLang="ko-KR" sz="1400" b="0" i="0" smtClean="0">
+                              <a:rPr lang="en-US" altLang="ko-KR" sz="1400" i="1" smtClean="0">
                                 <a:latin typeface="Cambria Math" panose="02040503050406030204" pitchFamily="18" charset="0"/>
                               </a:rPr>
                               <m:t>FN</m:t>
@@ -15457,7 +15987,7 @@
                       </m:oMath>
                     </m:oMathPara>
                   </a14:m>
-                  <a:endParaRPr lang="en-US" altLang="ko-KR" sz="1400" dirty="0"/>
+                  <a:endParaRPr lang="en-US" altLang="ko-KR" sz="1400" i="1" dirty="0"/>
                 </a:p>
                 <a:p>
                   <a:pPr marL="0" indent="0" algn="r">
@@ -15474,17 +16004,14 @@
                   </a:pPr>
                   <a:r>
                     <a:rPr lang="ko-KR" altLang="en-US" sz="1400" dirty="0"/>
-                    <a:t>실제 값들을 기계가 얼마나 잘 맞췄는가</a:t>
+                    <a:t>실제 값들을 기계가 얼마나 예측하였는가</a:t>
                   </a:r>
-                  <a:r>
-                    <a:rPr lang="en-US" altLang="ko-KR" sz="1400" dirty="0"/>
-                    <a:t> </a:t>
-                  </a:r>
+                  <a:endParaRPr lang="en-US" altLang="ko-KR" sz="1400" dirty="0"/>
                 </a:p>
               </p:txBody>
             </p:sp>
           </mc:Choice>
-          <mc:Fallback xmlns="">
+          <mc:Fallback>
             <p:sp>
               <p:nvSpPr>
                 <p:cNvPr id="92" name="Content Placeholder 2">
@@ -15508,7 +16035,7 @@
                   <a:avLst/>
                 </a:prstGeom>
                 <a:blipFill>
-                  <a:blip r:embed="rId4"/>
+                  <a:blip r:embed="rId5"/>
                   <a:stretch>
                     <a:fillRect r="-3297" b="-11024"/>
                   </a:stretch>
@@ -15602,14 +16129,14 @@
           <p:nvPr>
             <p:extLst>
               <p:ext uri="{D42A27DB-BD31-4B8C-83A1-F6EECF244321}">
-                <p14:modId xmlns:p14="http://schemas.microsoft.com/office/powerpoint/2010/main" val="1170340431"/>
+                <p14:modId xmlns:p14="http://schemas.microsoft.com/office/powerpoint/2010/main" val="3831133776"/>
               </p:ext>
             </p:extLst>
           </p:nvPr>
         </p:nvGraphicFramePr>
         <p:xfrm>
-          <a:off x="4082473" y="2546273"/>
-          <a:ext cx="3886196" cy="2004838"/>
+          <a:off x="4074853" y="2576753"/>
+          <a:ext cx="3886196" cy="1945097"/>
         </p:xfrm>
         <a:graphic>
           <a:graphicData uri="http://schemas.openxmlformats.org/drawingml/2006/table">
@@ -15618,14 +16145,14 @@
                 <a:tableStyleId>{5C22544A-7EE6-4342-B048-85BDC9FD1C3A}</a:tableStyleId>
               </a:tblPr>
               <a:tblGrid>
-                <a:gridCol w="971549">
+                <a:gridCol w="905163">
                   <a:extLst>
                     <a:ext uri="{9D8B030D-6E8A-4147-A177-3AD203B41FA5}">
                       <a16:colId xmlns:a16="http://schemas.microsoft.com/office/drawing/2014/main" val="4225973377"/>
                     </a:ext>
                   </a:extLst>
                 </a:gridCol>
-                <a:gridCol w="971549">
+                <a:gridCol w="1037935">
                   <a:extLst>
                     <a:ext uri="{9D8B030D-6E8A-4147-A177-3AD203B41FA5}">
                       <a16:colId xmlns:a16="http://schemas.microsoft.com/office/drawing/2014/main" val="1437423842"/>
@@ -15647,7 +16174,7 @@
                   </a:extLst>
                 </a:gridCol>
               </a:tblGrid>
-              <a:tr h="482578">
+              <a:tr h="482607">
                 <a:tc>
                   <a:txBody>
                     <a:bodyPr/>
@@ -15679,7 +16206,7 @@
                       <a:prstDash val="solid"/>
                     </a:lnBlToTr>
                     <a:solidFill>
-                      <a:srgbClr val="002060"/>
+                      <a:schemeClr val="bg1"/>
                     </a:solidFill>
                   </a:tcPr>
                 </a:tc>
@@ -15809,7 +16336,7 @@
                   </a:ext>
                 </a:extLst>
               </a:tr>
-              <a:tr h="419304">
+              <a:tr h="402840">
                 <a:tc rowSpan="3">
                   <a:txBody>
                     <a:bodyPr/>
@@ -16044,7 +16571,7 @@
                   </a:ext>
                 </a:extLst>
               </a:tr>
-              <a:tr h="419304">
+              <a:tr h="402840">
                 <a:tc vMerge="1">
                   <a:txBody>
                     <a:bodyPr/>
@@ -16260,7 +16787,7 @@
                   </a:ext>
                 </a:extLst>
               </a:tr>
-              <a:tr h="683652">
+              <a:tr h="656810">
                 <a:tc vMerge="1">
                   <a:txBody>
                     <a:bodyPr/>
@@ -16475,6 +17002,60 @@
           </a:graphicData>
         </a:graphic>
       </p:graphicFrame>
+      <p:sp>
+        <p:nvSpPr>
+          <p:cNvPr id="3" name="직사각형 2">
+            <a:extLst>
+              <a:ext uri="{FF2B5EF4-FFF2-40B4-BE49-F238E27FC236}">
+                <a16:creationId xmlns:a16="http://schemas.microsoft.com/office/drawing/2014/main" id="{20924916-AA1F-41A3-BDF1-DDEC66D32662}"/>
+              </a:ext>
+            </a:extLst>
+          </p:cNvPr>
+          <p:cNvSpPr/>
+          <p:nvPr/>
+        </p:nvSpPr>
+        <p:spPr>
+          <a:xfrm>
+            <a:off x="4074853" y="4257045"/>
+            <a:ext cx="3886196" cy="773021"/>
+          </a:xfrm>
+          <a:prstGeom prst="rect">
+            <a:avLst/>
+          </a:prstGeom>
+          <a:solidFill>
+            <a:schemeClr val="bg1"/>
+          </a:solidFill>
+          <a:ln>
+            <a:solidFill>
+              <a:schemeClr val="bg1"/>
+            </a:solidFill>
+          </a:ln>
+        </p:spPr>
+        <p:style>
+          <a:lnRef idx="2">
+            <a:schemeClr val="accent1">
+              <a:shade val="50000"/>
+            </a:schemeClr>
+          </a:lnRef>
+          <a:fillRef idx="1">
+            <a:schemeClr val="accent1"/>
+          </a:fillRef>
+          <a:effectRef idx="0">
+            <a:schemeClr val="accent1"/>
+          </a:effectRef>
+          <a:fontRef idx="minor">
+            <a:schemeClr val="lt1"/>
+          </a:fontRef>
+        </p:style>
+        <p:txBody>
+          <a:bodyPr rtlCol="0" anchor="ctr"/>
+          <a:lstStyle/>
+          <a:p>
+            <a:pPr algn="ctr"/>
+            <a:endParaRPr lang="ko-KR" altLang="en-US"/>
+          </a:p>
+        </p:txBody>
+      </p:sp>
     </p:spTree>
     <p:extLst>
       <p:ext uri="{BB962C8B-B14F-4D97-AF65-F5344CB8AC3E}">
@@ -16505,6 +17086,60 @@
           <a:chExt cx="0" cy="0"/>
         </a:xfrm>
       </p:grpSpPr>
+      <p:sp>
+        <p:nvSpPr>
+          <p:cNvPr id="11" name="Rectangle 10">
+            <a:extLst>
+              <a:ext uri="{FF2B5EF4-FFF2-40B4-BE49-F238E27FC236}">
+                <a16:creationId xmlns:a16="http://schemas.microsoft.com/office/drawing/2014/main" id="{E00F11F7-D2B8-4CF7-B528-F377BFEA3788}"/>
+              </a:ext>
+            </a:extLst>
+          </p:cNvPr>
+          <p:cNvSpPr/>
+          <p:nvPr/>
+        </p:nvSpPr>
+        <p:spPr>
+          <a:xfrm>
+            <a:off x="476250" y="1586104"/>
+            <a:ext cx="11107057" cy="4259256"/>
+          </a:xfrm>
+          <a:prstGeom prst="rect">
+            <a:avLst/>
+          </a:prstGeom>
+          <a:solidFill>
+            <a:schemeClr val="bg1">
+              <a:lumMod val="95000"/>
+            </a:schemeClr>
+          </a:solidFill>
+          <a:ln>
+            <a:noFill/>
+          </a:ln>
+        </p:spPr>
+        <p:style>
+          <a:lnRef idx="2">
+            <a:schemeClr val="accent1">
+              <a:shade val="50000"/>
+            </a:schemeClr>
+          </a:lnRef>
+          <a:fillRef idx="1">
+            <a:schemeClr val="accent1"/>
+          </a:fillRef>
+          <a:effectRef idx="0">
+            <a:schemeClr val="accent1"/>
+          </a:effectRef>
+          <a:fontRef idx="minor">
+            <a:schemeClr val="lt1"/>
+          </a:fontRef>
+        </p:style>
+        <p:txBody>
+          <a:bodyPr rtlCol="0" anchor="ctr"/>
+          <a:lstStyle/>
+          <a:p>
+            <a:pPr algn="ctr"/>
+            <a:endParaRPr lang="en-US" dirty="0"/>
+          </a:p>
+        </p:txBody>
+      </p:sp>
       <p:sp>
         <p:nvSpPr>
           <p:cNvPr id="2" name="Title 1">
@@ -16728,60 +17363,6 @@
       </p:cxnSp>
       <p:sp>
         <p:nvSpPr>
-          <p:cNvPr id="8" name="Rectangle 10">
-            <a:extLst>
-              <a:ext uri="{FF2B5EF4-FFF2-40B4-BE49-F238E27FC236}">
-                <a16:creationId xmlns:a16="http://schemas.microsoft.com/office/drawing/2014/main" id="{F6B6781C-4033-456E-BC59-E47C9FDCEE7D}"/>
-              </a:ext>
-            </a:extLst>
-          </p:cNvPr>
-          <p:cNvSpPr/>
-          <p:nvPr/>
-        </p:nvSpPr>
-        <p:spPr>
-          <a:xfrm>
-            <a:off x="476249" y="1632747"/>
-            <a:ext cx="10870037" cy="4259256"/>
-          </a:xfrm>
-          <a:prstGeom prst="rect">
-            <a:avLst/>
-          </a:prstGeom>
-          <a:solidFill>
-            <a:schemeClr val="bg1">
-              <a:lumMod val="95000"/>
-            </a:schemeClr>
-          </a:solidFill>
-          <a:ln>
-            <a:noFill/>
-          </a:ln>
-        </p:spPr>
-        <p:style>
-          <a:lnRef idx="2">
-            <a:schemeClr val="accent1">
-              <a:shade val="50000"/>
-            </a:schemeClr>
-          </a:lnRef>
-          <a:fillRef idx="1">
-            <a:schemeClr val="accent1"/>
-          </a:fillRef>
-          <a:effectRef idx="0">
-            <a:schemeClr val="accent1"/>
-          </a:effectRef>
-          <a:fontRef idx="minor">
-            <a:schemeClr val="lt1"/>
-          </a:fontRef>
-        </p:style>
-        <p:txBody>
-          <a:bodyPr rtlCol="0" anchor="ctr"/>
-          <a:lstStyle/>
-          <a:p>
-            <a:pPr algn="ctr"/>
-            <a:endParaRPr lang="en-US"/>
-          </a:p>
-        </p:txBody>
-      </p:sp>
-      <p:sp>
-        <p:nvSpPr>
           <p:cNvPr id="9" name="TextBox 8">
             <a:extLst>
               <a:ext uri="{FF2B5EF4-FFF2-40B4-BE49-F238E27FC236}">
@@ -16795,7 +17376,7 @@
         <p:spPr>
           <a:xfrm>
             <a:off x="766618" y="2562046"/>
-            <a:ext cx="8626764" cy="1754326"/>
+            <a:ext cx="8626764" cy="2031325"/>
           </a:xfrm>
           <a:prstGeom prst="rect">
             <a:avLst/>
@@ -16808,6 +17389,9 @@
           </a:bodyPr>
           <a:lstStyle/>
           <a:p>
+            <a:endParaRPr lang="en-US" altLang="ko-KR" dirty="0"/>
+          </a:p>
+          <a:p>
             <a:r>
               <a:rPr lang="ko-KR" altLang="en-US" dirty="0"/>
               <a:t>실제 부실가계를 부실가계로 정확하게 분류해내는 것이 중요</a:t>
@@ -16825,11 +17409,19 @@
               <a:rPr lang="en-US" altLang="ko-KR" dirty="0">
                 <a:sym typeface="Wingdings" panose="05000000000000000000" pitchFamily="2" charset="2"/>
               </a:rPr>
-              <a:t></a:t>
+              <a:t> </a:t>
+            </a:r>
+            <a:r>
+              <a:rPr lang="ko-KR" altLang="en-US" dirty="0" err="1"/>
+              <a:t>재현율</a:t>
+            </a:r>
+            <a:r>
+              <a:rPr lang="en-US" altLang="ko-KR" dirty="0"/>
+              <a:t>(Recall)</a:t>
             </a:r>
             <a:r>
               <a:rPr lang="ko-KR" altLang="en-US" dirty="0"/>
-              <a:t>재현율에 초점</a:t>
+              <a:t>에 초점</a:t>
             </a:r>
             <a:endParaRPr lang="en-US" altLang="ko-KR" dirty="0"/>
           </a:p>
@@ -17107,7 +17699,7 @@
           <p:nvPr>
             <p:extLst>
               <p:ext uri="{D42A27DB-BD31-4B8C-83A1-F6EECF244321}">
-                <p14:modId xmlns:p14="http://schemas.microsoft.com/office/powerpoint/2010/main" val="1454509713"/>
+                <p14:modId xmlns:p14="http://schemas.microsoft.com/office/powerpoint/2010/main" val="741186285"/>
               </p:ext>
             </p:extLst>
           </p:nvPr>
@@ -17130,31 +17722,59 @@
                     </a:ext>
                   </a:extLst>
                 </a:gridCol>
-                <a:gridCol w="2187666">
+                <a:gridCol w="1093833">
                   <a:extLst>
                     <a:ext uri="{9D8B030D-6E8A-4147-A177-3AD203B41FA5}">
                       <a16:colId xmlns:a16="http://schemas.microsoft.com/office/drawing/2014/main" val="4225973377"/>
                     </a:ext>
                   </a:extLst>
                 </a:gridCol>
-                <a:gridCol w="2187666">
+                <a:gridCol w="1093833">
+                  <a:extLst>
+                    <a:ext uri="{9D8B030D-6E8A-4147-A177-3AD203B41FA5}">
+                      <a16:colId xmlns:a16="http://schemas.microsoft.com/office/drawing/2014/main" val="1702887369"/>
+                    </a:ext>
+                  </a:extLst>
+                </a:gridCol>
+                <a:gridCol w="1093833">
                   <a:extLst>
                     <a:ext uri="{9D8B030D-6E8A-4147-A177-3AD203B41FA5}">
                       <a16:colId xmlns:a16="http://schemas.microsoft.com/office/drawing/2014/main" val="1437423842"/>
                     </a:ext>
                   </a:extLst>
                 </a:gridCol>
-                <a:gridCol w="2187666">
+                <a:gridCol w="1093833">
+                  <a:extLst>
+                    <a:ext uri="{9D8B030D-6E8A-4147-A177-3AD203B41FA5}">
+                      <a16:colId xmlns:a16="http://schemas.microsoft.com/office/drawing/2014/main" val="578994671"/>
+                    </a:ext>
+                  </a:extLst>
+                </a:gridCol>
+                <a:gridCol w="1093833">
                   <a:extLst>
                     <a:ext uri="{9D8B030D-6E8A-4147-A177-3AD203B41FA5}">
                       <a16:colId xmlns:a16="http://schemas.microsoft.com/office/drawing/2014/main" val="286330443"/>
                     </a:ext>
                   </a:extLst>
                 </a:gridCol>
-                <a:gridCol w="2187666">
+                <a:gridCol w="1093833">
+                  <a:extLst>
+                    <a:ext uri="{9D8B030D-6E8A-4147-A177-3AD203B41FA5}">
+                      <a16:colId xmlns:a16="http://schemas.microsoft.com/office/drawing/2014/main" val="2491874660"/>
+                    </a:ext>
+                  </a:extLst>
+                </a:gridCol>
+                <a:gridCol w="1093833">
                   <a:extLst>
                     <a:ext uri="{9D8B030D-6E8A-4147-A177-3AD203B41FA5}">
                       <a16:colId xmlns:a16="http://schemas.microsoft.com/office/drawing/2014/main" val="1072682000"/>
+                    </a:ext>
+                  </a:extLst>
+                </a:gridCol>
+                <a:gridCol w="1093833">
+                  <a:extLst>
+                    <a:ext uri="{9D8B030D-6E8A-4147-A177-3AD203B41FA5}">
+                      <a16:colId xmlns:a16="http://schemas.microsoft.com/office/drawing/2014/main" val="1181301540"/>
                     </a:ext>
                   </a:extLst>
                 </a:gridCol>
@@ -17200,7 +17820,7 @@
                     <a:noFill/>
                   </a:tcPr>
                 </a:tc>
-                <a:tc>
+                <a:tc gridSpan="2">
                   <a:txBody>
                     <a:bodyPr/>
                     <a:lstStyle/>
@@ -17242,7 +17862,18 @@
                     </a:solidFill>
                   </a:tcPr>
                 </a:tc>
-                <a:tc>
+                <a:tc hMerge="1">
+                  <a:txBody>
+                    <a:bodyPr/>
+                    <a:lstStyle/>
+                    <a:p>
+                      <a:pPr latinLnBrk="1"/>
+                      <a:endParaRPr lang="ko-KR" altLang="en-US"/>
+                    </a:p>
+                  </a:txBody>
+                  <a:tcPr/>
+                </a:tc>
+                <a:tc gridSpan="2">
                   <a:txBody>
                     <a:bodyPr/>
                     <a:lstStyle/>
@@ -17285,7 +17916,18 @@
                     </a:solidFill>
                   </a:tcPr>
                 </a:tc>
-                <a:tc>
+                <a:tc hMerge="1">
+                  <a:txBody>
+                    <a:bodyPr/>
+                    <a:lstStyle/>
+                    <a:p>
+                      <a:pPr latinLnBrk="1"/>
+                      <a:endParaRPr lang="ko-KR" altLang="en-US"/>
+                    </a:p>
+                  </a:txBody>
+                  <a:tcPr/>
+                </a:tc>
+                <a:tc gridSpan="2">
                   <a:txBody>
                     <a:bodyPr/>
                     <a:lstStyle/>
@@ -17324,7 +17966,18 @@
                     </a:solidFill>
                   </a:tcPr>
                 </a:tc>
-                <a:tc>
+                <a:tc hMerge="1">
+                  <a:txBody>
+                    <a:bodyPr/>
+                    <a:lstStyle/>
+                    <a:p>
+                      <a:pPr latinLnBrk="1"/>
+                      <a:endParaRPr lang="ko-KR" altLang="en-US"/>
+                    </a:p>
+                  </a:txBody>
+                  <a:tcPr/>
+                </a:tc>
+                <a:tc gridSpan="2">
                   <a:txBody>
                     <a:bodyPr/>
                     <a:lstStyle/>
@@ -17366,6 +18019,17 @@
                       <a:srgbClr val="102747"/>
                     </a:solidFill>
                   </a:tcPr>
+                </a:tc>
+                <a:tc hMerge="1">
+                  <a:txBody>
+                    <a:bodyPr/>
+                    <a:lstStyle/>
+                    <a:p>
+                      <a:pPr latinLnBrk="1"/>
+                      <a:endParaRPr lang="ko-KR" altLang="en-US"/>
+                    </a:p>
+                  </a:txBody>
+                  <a:tcPr/>
                 </a:tc>
                 <a:extLst>
                   <a:ext uri="{0D108BD9-81ED-4DB2-BD59-A6C34878D82A}">
@@ -17465,10 +18129,80 @@
                         <a:rPr lang="en-US" altLang="ko-KR" dirty="0"/>
                         <a:t>88.65% </a:t>
                       </a:r>
-                      <a:r>
-                        <a:rPr lang="ko-KR" altLang="en-US" dirty="0"/>
-                        <a:t>→  </a:t>
-                      </a:r>
+                    </a:p>
+                  </a:txBody>
+                  <a:tcPr>
+                    <a:lnL w="12700" cmpd="sng">
+                      <a:noFill/>
+                    </a:lnL>
+                    <a:lnR w="12700" cmpd="sng">
+                      <a:noFill/>
+                    </a:lnR>
+                    <a:lnT w="38100" cmpd="sng">
+                      <a:noFill/>
+                    </a:lnT>
+                    <a:lnB w="6350" cap="flat" cmpd="sng" algn="ctr">
+                      <a:noFill/>
+                      <a:prstDash val="solid"/>
+                      <a:round/>
+                      <a:headEnd type="none" w="med" len="med"/>
+                      <a:tailEnd type="none" w="med" len="med"/>
+                    </a:lnB>
+                    <a:lnTlToBr w="12700" cmpd="sng">
+                      <a:noFill/>
+                      <a:prstDash val="solid"/>
+                    </a:lnTlToBr>
+                    <a:lnBlToTr w="12700" cmpd="sng">
+                      <a:noFill/>
+                      <a:prstDash val="solid"/>
+                    </a:lnBlToTr>
+                    <a:solidFill>
+                      <a:schemeClr val="bg1"/>
+                    </a:solidFill>
+                  </a:tcPr>
+                </a:tc>
+                <a:tc>
+                  <a:txBody>
+                    <a:bodyPr/>
+                    <a:lstStyle/>
+                    <a:p>
+                      <a:pPr marL="0" marR="0" lvl="0" indent="0" algn="ctr" defTabSz="914400" rtl="0" eaLnBrk="1" fontAlgn="auto" latinLnBrk="1" hangingPunct="1">
+                        <a:lnSpc>
+                          <a:spcPct val="100000"/>
+                        </a:lnSpc>
+                        <a:spcBef>
+                          <a:spcPts val="0"/>
+                        </a:spcBef>
+                        <a:spcAft>
+                          <a:spcPts val="0"/>
+                        </a:spcAft>
+                        <a:buClrTx/>
+                        <a:buSzTx/>
+                        <a:buFontTx/>
+                        <a:buNone/>
+                        <a:tabLst/>
+                        <a:defRPr/>
+                      </a:pPr>
+                      <a:endParaRPr lang="en-US" altLang="ko-KR" dirty="0"/>
+                    </a:p>
+                    <a:p>
+                      <a:pPr marL="0" marR="0" lvl="0" indent="0" algn="ctr" defTabSz="914400" rtl="0" eaLnBrk="1" fontAlgn="auto" latinLnBrk="1" hangingPunct="1">
+                        <a:lnSpc>
+                          <a:spcPct val="100000"/>
+                        </a:lnSpc>
+                        <a:spcBef>
+                          <a:spcPts val="0"/>
+                        </a:spcBef>
+                        <a:spcAft>
+                          <a:spcPts val="0"/>
+                        </a:spcAft>
+                        <a:buClrTx/>
+                        <a:buSzTx/>
+                        <a:buFontTx/>
+                        <a:buNone/>
+                        <a:tabLst/>
+                        <a:defRPr/>
+                      </a:pPr>
                       <a:r>
                         <a:rPr lang="en-US" altLang="ko-KR" dirty="0"/>
                         <a:t>82.69%</a:t>
@@ -17504,7 +18238,12 @@
                       <a:noFill/>
                       <a:prstDash val="solid"/>
                     </a:lnBlToTr>
-                    <a:noFill/>
+                    <a:solidFill>
+                      <a:schemeClr val="accent5">
+                        <a:lumMod val="20000"/>
+                        <a:lumOff val="80000"/>
+                      </a:schemeClr>
+                    </a:solidFill>
                   </a:tcPr>
                 </a:tc>
                 <a:tc>
@@ -17521,10 +18260,48 @@
                         <a:rPr lang="en-US" altLang="ko-KR" dirty="0"/>
                         <a:t>91.09% </a:t>
                       </a:r>
-                      <a:r>
-                        <a:rPr lang="ko-KR" altLang="en-US" dirty="0"/>
-                        <a:t>→  </a:t>
-                      </a:r>
+                    </a:p>
+                  </a:txBody>
+                  <a:tcPr>
+                    <a:lnL w="12700" cmpd="sng">
+                      <a:noFill/>
+                    </a:lnL>
+                    <a:lnR w="12700" cmpd="sng">
+                      <a:noFill/>
+                    </a:lnR>
+                    <a:lnT w="38100" cmpd="sng">
+                      <a:noFill/>
+                    </a:lnT>
+                    <a:lnB w="6350" cap="flat" cmpd="sng" algn="ctr">
+                      <a:noFill/>
+                      <a:prstDash val="solid"/>
+                      <a:round/>
+                      <a:headEnd type="none" w="med" len="med"/>
+                      <a:tailEnd type="none" w="med" len="med"/>
+                    </a:lnB>
+                    <a:lnTlToBr w="12700" cmpd="sng">
+                      <a:noFill/>
+                      <a:prstDash val="solid"/>
+                    </a:lnTlToBr>
+                    <a:lnBlToTr w="12700" cmpd="sng">
+                      <a:noFill/>
+                      <a:prstDash val="solid"/>
+                    </a:lnBlToTr>
+                    <a:solidFill>
+                      <a:schemeClr val="bg1"/>
+                    </a:solidFill>
+                  </a:tcPr>
+                </a:tc>
+                <a:tc>
+                  <a:txBody>
+                    <a:bodyPr/>
+                    <a:lstStyle/>
+                    <a:p>
+                      <a:pPr algn="ctr" latinLnBrk="1"/>
+                      <a:endParaRPr lang="en-US" altLang="ko-KR" dirty="0"/>
+                    </a:p>
+                    <a:p>
+                      <a:pPr algn="ctr" latinLnBrk="1"/>
                       <a:r>
                         <a:rPr lang="en-US" altLang="ko-KR" dirty="0"/>
                         <a:t>81.18%</a:t>
@@ -17556,7 +18333,12 @@
                       <a:noFill/>
                       <a:prstDash val="solid"/>
                     </a:lnBlToTr>
-                    <a:noFill/>
+                    <a:solidFill>
+                      <a:schemeClr val="accent5">
+                        <a:lumMod val="20000"/>
+                        <a:lumOff val="80000"/>
+                      </a:schemeClr>
+                    </a:solidFill>
                   </a:tcPr>
                 </a:tc>
                 <a:tc>
@@ -17573,14 +18355,6 @@
                         <a:rPr lang="en-US" altLang="ko-KR" dirty="0"/>
                         <a:t>92.14% </a:t>
                       </a:r>
-                      <a:r>
-                        <a:rPr lang="ko-KR" altLang="en-US" dirty="0"/>
-                        <a:t>→  </a:t>
-                      </a:r>
-                      <a:r>
-                        <a:rPr lang="en-US" altLang="ko-KR" dirty="0"/>
-                        <a:t>80.85%</a:t>
-                      </a:r>
                     </a:p>
                   </a:txBody>
                   <a:tcPr>
@@ -17608,7 +18382,9 @@
                       <a:noFill/>
                       <a:prstDash val="solid"/>
                     </a:lnBlToTr>
-                    <a:noFill/>
+                    <a:solidFill>
+                      <a:schemeClr val="bg1"/>
+                    </a:solidFill>
                   </a:tcPr>
                 </a:tc>
                 <a:tc>
@@ -17623,15 +18399,7 @@
                       <a:pPr algn="ctr" latinLnBrk="1"/>
                       <a:r>
                         <a:rPr lang="en-US" altLang="ko-KR" dirty="0"/>
-                        <a:t>92.42% </a:t>
-                      </a:r>
-                      <a:r>
-                        <a:rPr lang="ko-KR" altLang="en-US" dirty="0"/>
-                        <a:t>→  </a:t>
-                      </a:r>
-                      <a:r>
-                        <a:rPr lang="en-US" altLang="ko-KR" dirty="0"/>
-                        <a:t>76.96%</a:t>
+                        <a:t>80.85%</a:t>
                       </a:r>
                     </a:p>
                   </a:txBody>
@@ -17660,7 +18428,107 @@
                       <a:noFill/>
                       <a:prstDash val="solid"/>
                     </a:lnBlToTr>
-                    <a:noFill/>
+                    <a:solidFill>
+                      <a:schemeClr val="accent5">
+                        <a:lumMod val="20000"/>
+                        <a:lumOff val="80000"/>
+                      </a:schemeClr>
+                    </a:solidFill>
+                  </a:tcPr>
+                </a:tc>
+                <a:tc>
+                  <a:txBody>
+                    <a:bodyPr/>
+                    <a:lstStyle/>
+                    <a:p>
+                      <a:pPr algn="ctr" latinLnBrk="1"/>
+                      <a:endParaRPr lang="en-US" altLang="ko-KR" dirty="0"/>
+                    </a:p>
+                    <a:p>
+                      <a:pPr algn="ctr" latinLnBrk="1"/>
+                      <a:r>
+                        <a:rPr lang="en-US" altLang="ko-KR" dirty="0"/>
+                        <a:t>92.21% </a:t>
+                      </a:r>
+                    </a:p>
+                  </a:txBody>
+                  <a:tcPr>
+                    <a:lnL w="12700" cmpd="sng">
+                      <a:noFill/>
+                    </a:lnL>
+                    <a:lnR w="12700" cmpd="sng">
+                      <a:noFill/>
+                    </a:lnR>
+                    <a:lnT w="38100" cmpd="sng">
+                      <a:noFill/>
+                    </a:lnT>
+                    <a:lnB w="6350" cap="flat" cmpd="sng" algn="ctr">
+                      <a:noFill/>
+                      <a:prstDash val="solid"/>
+                      <a:round/>
+                      <a:headEnd type="none" w="med" len="med"/>
+                      <a:tailEnd type="none" w="med" len="med"/>
+                    </a:lnB>
+                    <a:lnTlToBr w="12700" cmpd="sng">
+                      <a:noFill/>
+                      <a:prstDash val="solid"/>
+                    </a:lnTlToBr>
+                    <a:lnBlToTr w="12700" cmpd="sng">
+                      <a:noFill/>
+                      <a:prstDash val="solid"/>
+                    </a:lnBlToTr>
+                    <a:solidFill>
+                      <a:schemeClr val="bg1"/>
+                    </a:solidFill>
+                  </a:tcPr>
+                </a:tc>
+                <a:tc>
+                  <a:txBody>
+                    <a:bodyPr/>
+                    <a:lstStyle/>
+                    <a:p>
+                      <a:pPr algn="ctr" latinLnBrk="1"/>
+                      <a:endParaRPr lang="en-US" altLang="ko-KR" dirty="0"/>
+                    </a:p>
+                    <a:p>
+                      <a:pPr algn="ctr" latinLnBrk="1"/>
+                      <a:r>
+                        <a:rPr lang="en-US" altLang="ko-KR" dirty="0"/>
+                        <a:t>79.26%</a:t>
+                      </a:r>
+                    </a:p>
+                  </a:txBody>
+                  <a:tcPr>
+                    <a:lnL w="12700" cmpd="sng">
+                      <a:noFill/>
+                    </a:lnL>
+                    <a:lnR w="12700" cmpd="sng">
+                      <a:noFill/>
+                    </a:lnR>
+                    <a:lnT w="38100" cmpd="sng">
+                      <a:noFill/>
+                    </a:lnT>
+                    <a:lnB w="6350" cap="flat" cmpd="sng" algn="ctr">
+                      <a:noFill/>
+                      <a:prstDash val="solid"/>
+                      <a:round/>
+                      <a:headEnd type="none" w="med" len="med"/>
+                      <a:tailEnd type="none" w="med" len="med"/>
+                    </a:lnB>
+                    <a:lnTlToBr w="12700" cmpd="sng">
+                      <a:noFill/>
+                      <a:prstDash val="solid"/>
+                    </a:lnTlToBr>
+                    <a:lnBlToTr w="12700" cmpd="sng">
+                      <a:noFill/>
+                      <a:prstDash val="solid"/>
+                    </a:lnBlToTr>
+                    <a:solidFill>
+                      <a:schemeClr val="accent5">
+                        <a:lumMod val="20000"/>
+                        <a:lumOff val="80000"/>
+                      </a:schemeClr>
+                    </a:solidFill>
                   </a:tcPr>
                 </a:tc>
                 <a:extLst>
@@ -17737,10 +18605,52 @@
                         <a:rPr lang="en-US" altLang="ko-KR" dirty="0"/>
                         <a:t>28.51% </a:t>
                       </a:r>
-                      <a:r>
-                        <a:rPr lang="ko-KR" altLang="en-US" dirty="0"/>
-                        <a:t>→  </a:t>
-                      </a:r>
+                    </a:p>
+                  </a:txBody>
+                  <a:tcPr>
+                    <a:lnL w="12700" cmpd="sng">
+                      <a:noFill/>
+                    </a:lnL>
+                    <a:lnR w="12700" cmpd="sng">
+                      <a:noFill/>
+                    </a:lnR>
+                    <a:lnT w="6350" cap="flat" cmpd="sng" algn="ctr">
+                      <a:noFill/>
+                      <a:prstDash val="solid"/>
+                      <a:round/>
+                      <a:headEnd type="none" w="med" len="med"/>
+                      <a:tailEnd type="none" w="med" len="med"/>
+                    </a:lnT>
+                    <a:lnB w="6350" cap="flat" cmpd="sng" algn="ctr">
+                      <a:noFill/>
+                      <a:prstDash val="solid"/>
+                      <a:round/>
+                      <a:headEnd type="none" w="med" len="med"/>
+                      <a:tailEnd type="none" w="med" len="med"/>
+                    </a:lnB>
+                    <a:lnTlToBr w="12700" cmpd="sng">
+                      <a:noFill/>
+                      <a:prstDash val="solid"/>
+                    </a:lnTlToBr>
+                    <a:lnBlToTr w="12700" cmpd="sng">
+                      <a:noFill/>
+                      <a:prstDash val="solid"/>
+                    </a:lnBlToTr>
+                    <a:solidFill>
+                      <a:schemeClr val="bg1"/>
+                    </a:solidFill>
+                  </a:tcPr>
+                </a:tc>
+                <a:tc>
+                  <a:txBody>
+                    <a:bodyPr/>
+                    <a:lstStyle/>
+                    <a:p>
+                      <a:pPr algn="ctr" latinLnBrk="1"/>
+                      <a:endParaRPr lang="en-US" altLang="ko-KR" dirty="0"/>
+                    </a:p>
+                    <a:p>
+                      <a:pPr algn="ctr" latinLnBrk="1"/>
                       <a:r>
                         <a:rPr lang="en-US" altLang="ko-KR" dirty="0"/>
                         <a:t>25.40%</a:t>
@@ -17776,7 +18686,12 @@
                       <a:noFill/>
                       <a:prstDash val="solid"/>
                     </a:lnBlToTr>
-                    <a:noFill/>
+                    <a:solidFill>
+                      <a:schemeClr val="accent5">
+                        <a:lumMod val="20000"/>
+                        <a:lumOff val="80000"/>
+                      </a:schemeClr>
+                    </a:solidFill>
                   </a:tcPr>
                 </a:tc>
                 <a:tc>
@@ -17793,10 +18708,52 @@
                         <a:rPr lang="en-US" altLang="ko-KR" dirty="0"/>
                         <a:t>37.97% </a:t>
                       </a:r>
-                      <a:r>
-                        <a:rPr lang="ko-KR" altLang="en-US" dirty="0"/>
-                        <a:t>→  </a:t>
-                      </a:r>
+                    </a:p>
+                  </a:txBody>
+                  <a:tcPr>
+                    <a:lnL w="12700" cmpd="sng">
+                      <a:noFill/>
+                    </a:lnL>
+                    <a:lnR w="12700" cmpd="sng">
+                      <a:noFill/>
+                    </a:lnR>
+                    <a:lnT w="6350" cap="flat" cmpd="sng" algn="ctr">
+                      <a:noFill/>
+                      <a:prstDash val="solid"/>
+                      <a:round/>
+                      <a:headEnd type="none" w="med" len="med"/>
+                      <a:tailEnd type="none" w="med" len="med"/>
+                    </a:lnT>
+                    <a:lnB w="6350" cap="flat" cmpd="sng" algn="ctr">
+                      <a:noFill/>
+                      <a:prstDash val="solid"/>
+                      <a:round/>
+                      <a:headEnd type="none" w="med" len="med"/>
+                      <a:tailEnd type="none" w="med" len="med"/>
+                    </a:lnB>
+                    <a:lnTlToBr w="12700" cmpd="sng">
+                      <a:noFill/>
+                      <a:prstDash val="solid"/>
+                    </a:lnTlToBr>
+                    <a:lnBlToTr w="12700" cmpd="sng">
+                      <a:noFill/>
+                      <a:prstDash val="solid"/>
+                    </a:lnBlToTr>
+                    <a:solidFill>
+                      <a:schemeClr val="bg1"/>
+                    </a:solidFill>
+                  </a:tcPr>
+                </a:tc>
+                <a:tc>
+                  <a:txBody>
+                    <a:bodyPr/>
+                    <a:lstStyle/>
+                    <a:p>
+                      <a:pPr algn="ctr" latinLnBrk="1"/>
+                      <a:endParaRPr lang="en-US" altLang="ko-KR" dirty="0"/>
+                    </a:p>
+                    <a:p>
+                      <a:pPr algn="ctr" latinLnBrk="1"/>
                       <a:r>
                         <a:rPr lang="en-US" altLang="ko-KR" dirty="0"/>
                         <a:t>24.73%</a:t>
@@ -17832,7 +18789,12 @@
                       <a:noFill/>
                       <a:prstDash val="solid"/>
                     </a:lnBlToTr>
-                    <a:noFill/>
+                    <a:solidFill>
+                      <a:schemeClr val="accent5">
+                        <a:lumMod val="20000"/>
+                        <a:lumOff val="80000"/>
+                      </a:schemeClr>
+                    </a:solidFill>
                   </a:tcPr>
                 </a:tc>
                 <a:tc>
@@ -17853,14 +18815,6 @@
                         <a:rPr lang="en-US" altLang="ko-KR" dirty="0"/>
                         <a:t>46.32% </a:t>
                       </a:r>
-                      <a:r>
-                        <a:rPr lang="ko-KR" altLang="en-US" dirty="0"/>
-                        <a:t>→  </a:t>
-                      </a:r>
-                      <a:r>
-                        <a:rPr lang="en-US" altLang="ko-KR" dirty="0"/>
-                        <a:t>26.03%</a:t>
-                      </a:r>
                     </a:p>
                   </a:txBody>
                   <a:tcPr>
@@ -17892,7 +18846,9 @@
                       <a:noFill/>
                       <a:prstDash val="solid"/>
                     </a:lnBlToTr>
-                    <a:noFill/>
+                    <a:solidFill>
+                      <a:schemeClr val="bg1"/>
+                    </a:solidFill>
                   </a:tcPr>
                 </a:tc>
                 <a:tc>
@@ -17907,15 +18863,7 @@
                       <a:pPr algn="ctr" latinLnBrk="1"/>
                       <a:r>
                         <a:rPr lang="en-US" altLang="ko-KR" dirty="0"/>
-                        <a:t>54.00% </a:t>
-                      </a:r>
-                      <a:r>
-                        <a:rPr lang="ko-KR" altLang="en-US" dirty="0"/>
-                        <a:t>→  </a:t>
-                      </a:r>
-                      <a:r>
-                        <a:rPr lang="en-US" altLang="ko-KR" dirty="0"/>
-                        <a:t>21.50%</a:t>
+                        <a:t>26.03%</a:t>
                       </a:r>
                     </a:p>
                   </a:txBody>
@@ -17948,7 +18896,115 @@
                       <a:noFill/>
                       <a:prstDash val="solid"/>
                     </a:lnBlToTr>
-                    <a:noFill/>
+                    <a:solidFill>
+                      <a:schemeClr val="accent5">
+                        <a:lumMod val="20000"/>
+                        <a:lumOff val="80000"/>
+                      </a:schemeClr>
+                    </a:solidFill>
+                  </a:tcPr>
+                </a:tc>
+                <a:tc>
+                  <a:txBody>
+                    <a:bodyPr/>
+                    <a:lstStyle/>
+                    <a:p>
+                      <a:pPr algn="ctr" latinLnBrk="1"/>
+                      <a:endParaRPr lang="en-US" altLang="ko-KR" dirty="0"/>
+                    </a:p>
+                    <a:p>
+                      <a:pPr algn="ctr" latinLnBrk="1"/>
+                      <a:r>
+                        <a:rPr lang="en-US" altLang="ko-KR" dirty="0"/>
+                        <a:t>48.10% </a:t>
+                      </a:r>
+                    </a:p>
+                  </a:txBody>
+                  <a:tcPr>
+                    <a:lnL w="12700" cmpd="sng">
+                      <a:noFill/>
+                    </a:lnL>
+                    <a:lnR w="12700" cmpd="sng">
+                      <a:noFill/>
+                    </a:lnR>
+                    <a:lnT w="6350" cap="flat" cmpd="sng" algn="ctr">
+                      <a:noFill/>
+                      <a:prstDash val="solid"/>
+                      <a:round/>
+                      <a:headEnd type="none" w="med" len="med"/>
+                      <a:tailEnd type="none" w="med" len="med"/>
+                    </a:lnT>
+                    <a:lnB w="6350" cap="flat" cmpd="sng" algn="ctr">
+                      <a:noFill/>
+                      <a:prstDash val="solid"/>
+                      <a:round/>
+                      <a:headEnd type="none" w="med" len="med"/>
+                      <a:tailEnd type="none" w="med" len="med"/>
+                    </a:lnB>
+                    <a:lnTlToBr w="12700" cmpd="sng">
+                      <a:noFill/>
+                      <a:prstDash val="solid"/>
+                    </a:lnTlToBr>
+                    <a:lnBlToTr w="12700" cmpd="sng">
+                      <a:noFill/>
+                      <a:prstDash val="solid"/>
+                    </a:lnBlToTr>
+                    <a:solidFill>
+                      <a:schemeClr val="bg1"/>
+                    </a:solidFill>
+                  </a:tcPr>
+                </a:tc>
+                <a:tc>
+                  <a:txBody>
+                    <a:bodyPr/>
+                    <a:lstStyle/>
+                    <a:p>
+                      <a:pPr algn="ctr" latinLnBrk="1"/>
+                      <a:endParaRPr lang="en-US" altLang="ko-KR" dirty="0"/>
+                    </a:p>
+                    <a:p>
+                      <a:pPr algn="ctr" latinLnBrk="1"/>
+                      <a:r>
+                        <a:rPr lang="en-US" altLang="ko-KR" dirty="0"/>
+                        <a:t>23.36%</a:t>
+                      </a:r>
+                    </a:p>
+                  </a:txBody>
+                  <a:tcPr>
+                    <a:lnL w="12700" cmpd="sng">
+                      <a:noFill/>
+                    </a:lnL>
+                    <a:lnR w="12700" cmpd="sng">
+                      <a:noFill/>
+                    </a:lnR>
+                    <a:lnT w="6350" cap="flat" cmpd="sng" algn="ctr">
+                      <a:noFill/>
+                      <a:prstDash val="solid"/>
+                      <a:round/>
+                      <a:headEnd type="none" w="med" len="med"/>
+                      <a:tailEnd type="none" w="med" len="med"/>
+                    </a:lnT>
+                    <a:lnB w="6350" cap="flat" cmpd="sng" algn="ctr">
+                      <a:noFill/>
+                      <a:prstDash val="solid"/>
+                      <a:round/>
+                      <a:headEnd type="none" w="med" len="med"/>
+                      <a:tailEnd type="none" w="med" len="med"/>
+                    </a:lnB>
+                    <a:lnTlToBr w="12700" cmpd="sng">
+                      <a:noFill/>
+                      <a:prstDash val="solid"/>
+                    </a:lnTlToBr>
+                    <a:lnBlToTr w="12700" cmpd="sng">
+                      <a:noFill/>
+                      <a:prstDash val="solid"/>
+                    </a:lnBlToTr>
+                    <a:solidFill>
+                      <a:schemeClr val="accent5">
+                        <a:lumMod val="20000"/>
+                        <a:lumOff val="80000"/>
+                      </a:schemeClr>
+                    </a:solidFill>
                   </a:tcPr>
                 </a:tc>
                 <a:extLst>
@@ -18025,14 +19081,6 @@
                         <a:rPr lang="en-US" altLang="ko-KR" dirty="0"/>
                         <a:t>31.03% </a:t>
                       </a:r>
-                      <a:r>
-                        <a:rPr lang="ko-KR" altLang="en-US" dirty="0"/>
-                        <a:t>→  </a:t>
-                      </a:r>
-                      <a:r>
-                        <a:rPr lang="en-US" altLang="ko-KR" dirty="0"/>
-                        <a:t>63.96%</a:t>
-                      </a:r>
                     </a:p>
                   </a:txBody>
                   <a:tcPr>
@@ -18064,7 +19112,9 @@
                       <a:noFill/>
                       <a:prstDash val="solid"/>
                     </a:lnBlToTr>
-                    <a:noFill/>
+                    <a:solidFill>
+                      <a:schemeClr val="bg1"/>
+                    </a:solidFill>
                   </a:tcPr>
                 </a:tc>
                 <a:tc>
@@ -18079,12 +19129,107 @@
                       <a:pPr algn="ctr" latinLnBrk="1"/>
                       <a:r>
                         <a:rPr lang="en-US" altLang="ko-KR" dirty="0"/>
-                        <a:t>24..11% </a:t>
+                        <a:t>63.96%</a:t>
                       </a:r>
+                    </a:p>
+                  </a:txBody>
+                  <a:tcPr>
+                    <a:lnL w="12700" cmpd="sng">
+                      <a:noFill/>
+                    </a:lnL>
+                    <a:lnR w="12700" cmpd="sng">
+                      <a:noFill/>
+                    </a:lnR>
+                    <a:lnT w="6350" cap="flat" cmpd="sng" algn="ctr">
+                      <a:noFill/>
+                      <a:prstDash val="solid"/>
+                      <a:round/>
+                      <a:headEnd type="none" w="med" len="med"/>
+                      <a:tailEnd type="none" w="med" len="med"/>
+                    </a:lnT>
+                    <a:lnB w="6350" cap="flat" cmpd="sng" algn="ctr">
+                      <a:noFill/>
+                      <a:prstDash val="solid"/>
+                      <a:round/>
+                      <a:headEnd type="none" w="med" len="med"/>
+                      <a:tailEnd type="none" w="med" len="med"/>
+                    </a:lnB>
+                    <a:lnTlToBr w="12700" cmpd="sng">
+                      <a:noFill/>
+                      <a:prstDash val="solid"/>
+                    </a:lnTlToBr>
+                    <a:lnBlToTr w="12700" cmpd="sng">
+                      <a:noFill/>
+                      <a:prstDash val="solid"/>
+                    </a:lnBlToTr>
+                    <a:solidFill>
+                      <a:schemeClr val="accent5">
+                        <a:lumMod val="20000"/>
+                        <a:lumOff val="80000"/>
+                      </a:schemeClr>
+                    </a:solidFill>
+                  </a:tcPr>
+                </a:tc>
+                <a:tc>
+                  <a:txBody>
+                    <a:bodyPr/>
+                    <a:lstStyle/>
+                    <a:p>
+                      <a:pPr algn="ctr" latinLnBrk="1"/>
+                      <a:endParaRPr lang="en-US" altLang="ko-KR" dirty="0"/>
+                    </a:p>
+                    <a:p>
+                      <a:pPr algn="ctr" latinLnBrk="1"/>
                       <a:r>
-                        <a:rPr lang="ko-KR" altLang="en-US" dirty="0"/>
-                        <a:t>→  </a:t>
+                        <a:rPr lang="en-US" altLang="ko-KR" dirty="0"/>
+                        <a:t>24.11% </a:t>
                       </a:r>
+                    </a:p>
+                  </a:txBody>
+                  <a:tcPr>
+                    <a:lnL w="12700" cmpd="sng">
+                      <a:noFill/>
+                    </a:lnL>
+                    <a:lnR w="12700" cmpd="sng">
+                      <a:noFill/>
+                    </a:lnR>
+                    <a:lnT w="6350" cap="flat" cmpd="sng" algn="ctr">
+                      <a:noFill/>
+                      <a:prstDash val="solid"/>
+                      <a:round/>
+                      <a:headEnd type="none" w="med" len="med"/>
+                      <a:tailEnd type="none" w="med" len="med"/>
+                    </a:lnT>
+                    <a:lnB w="6350" cap="flat" cmpd="sng" algn="ctr">
+                      <a:noFill/>
+                      <a:prstDash val="solid"/>
+                      <a:round/>
+                      <a:headEnd type="none" w="med" len="med"/>
+                      <a:tailEnd type="none" w="med" len="med"/>
+                    </a:lnB>
+                    <a:lnTlToBr w="12700" cmpd="sng">
+                      <a:noFill/>
+                      <a:prstDash val="solid"/>
+                    </a:lnTlToBr>
+                    <a:lnBlToTr w="12700" cmpd="sng">
+                      <a:noFill/>
+                      <a:prstDash val="solid"/>
+                    </a:lnBlToTr>
+                    <a:solidFill>
+                      <a:schemeClr val="bg1"/>
+                    </a:solidFill>
+                  </a:tcPr>
+                </a:tc>
+                <a:tc>
+                  <a:txBody>
+                    <a:bodyPr/>
+                    <a:lstStyle/>
+                    <a:p>
+                      <a:pPr algn="ctr" latinLnBrk="1"/>
+                      <a:endParaRPr lang="en-US" altLang="ko-KR" dirty="0"/>
+                    </a:p>
+                    <a:p>
+                      <a:pPr algn="ctr" latinLnBrk="1"/>
                       <a:r>
                         <a:rPr lang="en-US" altLang="ko-KR" dirty="0"/>
                         <a:t>70.17%</a:t>
@@ -18120,7 +19265,12 @@
                       <a:noFill/>
                       <a:prstDash val="solid"/>
                     </a:lnBlToTr>
-                    <a:noFill/>
+                    <a:solidFill>
+                      <a:schemeClr val="accent5">
+                        <a:lumMod val="20000"/>
+                        <a:lumOff val="80000"/>
+                      </a:schemeClr>
+                    </a:solidFill>
                   </a:tcPr>
                 </a:tc>
                 <a:tc>
@@ -18137,14 +19287,6 @@
                         <a:rPr lang="en-US" altLang="ko-KR" dirty="0"/>
                         <a:t>10.50% </a:t>
                       </a:r>
-                      <a:r>
-                        <a:rPr lang="ko-KR" altLang="en-US" dirty="0"/>
-                        <a:t>→  </a:t>
-                      </a:r>
-                      <a:r>
-                        <a:rPr lang="en-US" altLang="ko-KR" dirty="0"/>
-                        <a:t>80.19%</a:t>
-                      </a:r>
                     </a:p>
                   </a:txBody>
                   <a:tcPr>
@@ -18176,7 +19318,9 @@
                       <a:noFill/>
                       <a:prstDash val="solid"/>
                     </a:lnBlToTr>
-                    <a:noFill/>
+                    <a:solidFill>
+                      <a:schemeClr val="bg1"/>
+                    </a:solidFill>
                   </a:tcPr>
                 </a:tc>
                 <a:tc>
@@ -18191,15 +19335,7 @@
                       <a:pPr algn="ctr" latinLnBrk="1"/>
                       <a:r>
                         <a:rPr lang="en-US" altLang="ko-KR" dirty="0"/>
-                        <a:t>12.89% </a:t>
-                      </a:r>
-                      <a:r>
-                        <a:rPr lang="ko-KR" altLang="en-US" dirty="0"/>
-                        <a:t>→  </a:t>
-                      </a:r>
-                      <a:r>
-                        <a:rPr lang="en-US" altLang="ko-KR" dirty="0"/>
-                        <a:t>74.70%</a:t>
+                        <a:t>80.19%</a:t>
                       </a:r>
                     </a:p>
                   </a:txBody>
@@ -18232,7 +19368,115 @@
                       <a:noFill/>
                       <a:prstDash val="solid"/>
                     </a:lnBlToTr>
-                    <a:noFill/>
+                    <a:solidFill>
+                      <a:schemeClr val="accent5">
+                        <a:lumMod val="20000"/>
+                        <a:lumOff val="80000"/>
+                      </a:schemeClr>
+                    </a:solidFill>
+                  </a:tcPr>
+                </a:tc>
+                <a:tc>
+                  <a:txBody>
+                    <a:bodyPr/>
+                    <a:lstStyle/>
+                    <a:p>
+                      <a:pPr algn="ctr" latinLnBrk="1"/>
+                      <a:endParaRPr lang="en-US" altLang="ko-KR" dirty="0"/>
+                    </a:p>
+                    <a:p>
+                      <a:pPr algn="ctr" latinLnBrk="1"/>
+                      <a:r>
+                        <a:rPr lang="en-US" altLang="ko-KR" dirty="0"/>
+                        <a:t>9.07% </a:t>
+                      </a:r>
+                    </a:p>
+                  </a:txBody>
+                  <a:tcPr>
+                    <a:lnL w="12700" cmpd="sng">
+                      <a:noFill/>
+                    </a:lnL>
+                    <a:lnR w="12700" cmpd="sng">
+                      <a:noFill/>
+                    </a:lnR>
+                    <a:lnT w="6350" cap="flat" cmpd="sng" algn="ctr">
+                      <a:noFill/>
+                      <a:prstDash val="solid"/>
+                      <a:round/>
+                      <a:headEnd type="none" w="med" len="med"/>
+                      <a:tailEnd type="none" w="med" len="med"/>
+                    </a:lnT>
+                    <a:lnB w="6350" cap="flat" cmpd="sng" algn="ctr">
+                      <a:noFill/>
+                      <a:prstDash val="solid"/>
+                      <a:round/>
+                      <a:headEnd type="none" w="med" len="med"/>
+                      <a:tailEnd type="none" w="med" len="med"/>
+                    </a:lnB>
+                    <a:lnTlToBr w="12700" cmpd="sng">
+                      <a:noFill/>
+                      <a:prstDash val="solid"/>
+                    </a:lnTlToBr>
+                    <a:lnBlToTr w="12700" cmpd="sng">
+                      <a:noFill/>
+                      <a:prstDash val="solid"/>
+                    </a:lnBlToTr>
+                    <a:solidFill>
+                      <a:schemeClr val="bg1"/>
+                    </a:solidFill>
+                  </a:tcPr>
+                </a:tc>
+                <a:tc>
+                  <a:txBody>
+                    <a:bodyPr/>
+                    <a:lstStyle/>
+                    <a:p>
+                      <a:pPr algn="ctr" latinLnBrk="1"/>
+                      <a:endParaRPr lang="en-US" altLang="ko-KR" dirty="0"/>
+                    </a:p>
+                    <a:p>
+                      <a:pPr algn="ctr" latinLnBrk="1"/>
+                      <a:r>
+                        <a:rPr lang="en-US" altLang="ko-KR" dirty="0"/>
+                        <a:t>73.75%</a:t>
+                      </a:r>
+                    </a:p>
+                  </a:txBody>
+                  <a:tcPr>
+                    <a:lnL w="12700" cmpd="sng">
+                      <a:noFill/>
+                    </a:lnL>
+                    <a:lnR w="12700" cmpd="sng">
+                      <a:noFill/>
+                    </a:lnR>
+                    <a:lnT w="6350" cap="flat" cmpd="sng" algn="ctr">
+                      <a:noFill/>
+                      <a:prstDash val="solid"/>
+                      <a:round/>
+                      <a:headEnd type="none" w="med" len="med"/>
+                      <a:tailEnd type="none" w="med" len="med"/>
+                    </a:lnT>
+                    <a:lnB w="6350" cap="flat" cmpd="sng" algn="ctr">
+                      <a:noFill/>
+                      <a:prstDash val="solid"/>
+                      <a:round/>
+                      <a:headEnd type="none" w="med" len="med"/>
+                      <a:tailEnd type="none" w="med" len="med"/>
+                    </a:lnB>
+                    <a:lnTlToBr w="12700" cmpd="sng">
+                      <a:noFill/>
+                      <a:prstDash val="solid"/>
+                    </a:lnTlToBr>
+                    <a:lnBlToTr w="12700" cmpd="sng">
+                      <a:noFill/>
+                      <a:prstDash val="solid"/>
+                    </a:lnBlToTr>
+                    <a:solidFill>
+                      <a:schemeClr val="accent5">
+                        <a:lumMod val="20000"/>
+                        <a:lumOff val="80000"/>
+                      </a:schemeClr>
+                    </a:solidFill>
                   </a:tcPr>
                 </a:tc>
                 <a:extLst>
@@ -18305,10 +19549,52 @@
                         <a:rPr lang="en-US" altLang="ko-KR" dirty="0"/>
                         <a:t>62.26% </a:t>
                       </a:r>
-                      <a:r>
-                        <a:rPr lang="ko-KR" altLang="en-US" dirty="0"/>
-                        <a:t>→  </a:t>
-                      </a:r>
+                    </a:p>
+                  </a:txBody>
+                  <a:tcPr>
+                    <a:lnL w="12700" cmpd="sng">
+                      <a:noFill/>
+                    </a:lnL>
+                    <a:lnR w="12700" cmpd="sng">
+                      <a:noFill/>
+                    </a:lnR>
+                    <a:lnT w="6350" cap="flat" cmpd="sng" algn="ctr">
+                      <a:noFill/>
+                      <a:prstDash val="solid"/>
+                      <a:round/>
+                      <a:headEnd type="none" w="med" len="med"/>
+                      <a:tailEnd type="none" w="med" len="med"/>
+                    </a:lnT>
+                    <a:lnB w="6350" cap="flat" cmpd="sng" algn="ctr">
+                      <a:noFill/>
+                      <a:prstDash val="solid"/>
+                      <a:round/>
+                      <a:headEnd type="none" w="med" len="med"/>
+                      <a:tailEnd type="none" w="med" len="med"/>
+                    </a:lnB>
+                    <a:lnTlToBr w="12700" cmpd="sng">
+                      <a:noFill/>
+                      <a:prstDash val="solid"/>
+                    </a:lnTlToBr>
+                    <a:lnBlToTr w="12700" cmpd="sng">
+                      <a:noFill/>
+                      <a:prstDash val="solid"/>
+                    </a:lnBlToTr>
+                    <a:solidFill>
+                      <a:schemeClr val="bg1"/>
+                    </a:solidFill>
+                  </a:tcPr>
+                </a:tc>
+                <a:tc>
+                  <a:txBody>
+                    <a:bodyPr/>
+                    <a:lstStyle/>
+                    <a:p>
+                      <a:pPr algn="ctr" latinLnBrk="1"/>
+                      <a:endParaRPr lang="en-US" altLang="ko-KR" dirty="0"/>
+                    </a:p>
+                    <a:p>
+                      <a:pPr algn="ctr" latinLnBrk="1"/>
                       <a:r>
                         <a:rPr lang="en-US" altLang="ko-KR" dirty="0"/>
                         <a:t>74.11%</a:t>
@@ -18344,7 +19630,12 @@
                       <a:noFill/>
                       <a:prstDash val="solid"/>
                     </a:lnBlToTr>
-                    <a:noFill/>
+                    <a:solidFill>
+                      <a:schemeClr val="accent5">
+                        <a:lumMod val="20000"/>
+                        <a:lumOff val="80000"/>
+                      </a:schemeClr>
+                    </a:solidFill>
                   </a:tcPr>
                 </a:tc>
                 <a:tc>
@@ -18361,10 +19652,52 @@
                         <a:rPr lang="en-US" altLang="ko-KR" dirty="0"/>
                         <a:t>60.50% </a:t>
                       </a:r>
-                      <a:r>
-                        <a:rPr lang="ko-KR" altLang="en-US" dirty="0"/>
-                        <a:t>→  </a:t>
-                      </a:r>
+                    </a:p>
+                  </a:txBody>
+                  <a:tcPr>
+                    <a:lnL w="12700" cmpd="sng">
+                      <a:noFill/>
+                    </a:lnL>
+                    <a:lnR w="12700" cmpd="sng">
+                      <a:noFill/>
+                    </a:lnR>
+                    <a:lnT w="6350" cap="flat" cmpd="sng" algn="ctr">
+                      <a:noFill/>
+                      <a:prstDash val="solid"/>
+                      <a:round/>
+                      <a:headEnd type="none" w="med" len="med"/>
+                      <a:tailEnd type="none" w="med" len="med"/>
+                    </a:lnT>
+                    <a:lnB w="6350" cap="flat" cmpd="sng" algn="ctr">
+                      <a:noFill/>
+                      <a:prstDash val="solid"/>
+                      <a:round/>
+                      <a:headEnd type="none" w="med" len="med"/>
+                      <a:tailEnd type="none" w="med" len="med"/>
+                    </a:lnB>
+                    <a:lnTlToBr w="12700" cmpd="sng">
+                      <a:noFill/>
+                      <a:prstDash val="solid"/>
+                    </a:lnTlToBr>
+                    <a:lnBlToTr w="12700" cmpd="sng">
+                      <a:noFill/>
+                      <a:prstDash val="solid"/>
+                    </a:lnBlToTr>
+                    <a:solidFill>
+                      <a:schemeClr val="bg1"/>
+                    </a:solidFill>
+                  </a:tcPr>
+                </a:tc>
+                <a:tc>
+                  <a:txBody>
+                    <a:bodyPr/>
+                    <a:lstStyle/>
+                    <a:p>
+                      <a:pPr algn="ctr" latinLnBrk="1"/>
+                      <a:endParaRPr lang="en-US" altLang="ko-KR" dirty="0"/>
+                    </a:p>
+                    <a:p>
+                      <a:pPr algn="ctr" latinLnBrk="1"/>
                       <a:r>
                         <a:rPr lang="en-US" altLang="ko-KR" dirty="0"/>
                         <a:t>76.14%</a:t>
@@ -18400,7 +19733,12 @@
                       <a:noFill/>
                       <a:prstDash val="solid"/>
                     </a:lnBlToTr>
-                    <a:noFill/>
+                    <a:solidFill>
+                      <a:schemeClr val="accent5">
+                        <a:lumMod val="20000"/>
+                        <a:lumOff val="80000"/>
+                      </a:schemeClr>
+                    </a:solidFill>
                   </a:tcPr>
                 </a:tc>
                 <a:tc>
@@ -18417,14 +19755,6 @@
                         <a:rPr lang="en-US" altLang="ko-KR" dirty="0"/>
                         <a:t>54.74% </a:t>
                       </a:r>
-                      <a:r>
-                        <a:rPr lang="ko-KR" altLang="en-US" dirty="0"/>
-                        <a:t>→  </a:t>
-                      </a:r>
-                      <a:r>
-                        <a:rPr lang="en-US" altLang="ko-KR" dirty="0"/>
-                        <a:t>80.55%</a:t>
-                      </a:r>
                     </a:p>
                   </a:txBody>
                   <a:tcPr>
@@ -18456,7 +19786,9 @@
                       <a:noFill/>
                       <a:prstDash val="solid"/>
                     </a:lnBlToTr>
-                    <a:noFill/>
+                    <a:solidFill>
+                      <a:schemeClr val="bg1"/>
+                    </a:solidFill>
                   </a:tcPr>
                 </a:tc>
                 <a:tc>
@@ -18471,15 +19803,7 @@
                       <a:pPr algn="ctr" latinLnBrk="1"/>
                       <a:r>
                         <a:rPr lang="en-US" altLang="ko-KR" dirty="0"/>
-                        <a:t>55.98% </a:t>
-                      </a:r>
-                      <a:r>
-                        <a:rPr lang="ko-KR" altLang="en-US" dirty="0"/>
-                        <a:t>→  </a:t>
-                      </a:r>
-                      <a:r>
-                        <a:rPr lang="en-US" altLang="ko-KR" dirty="0"/>
-                        <a:t>75.92%</a:t>
+                        <a:t>80.55%</a:t>
                       </a:r>
                     </a:p>
                   </a:txBody>
@@ -18512,7 +19836,115 @@
                       <a:noFill/>
                       <a:prstDash val="solid"/>
                     </a:lnBlToTr>
-                    <a:noFill/>
+                    <a:solidFill>
+                      <a:schemeClr val="accent5">
+                        <a:lumMod val="20000"/>
+                        <a:lumOff val="80000"/>
+                      </a:schemeClr>
+                    </a:solidFill>
+                  </a:tcPr>
+                </a:tc>
+                <a:tc>
+                  <a:txBody>
+                    <a:bodyPr/>
+                    <a:lstStyle/>
+                    <a:p>
+                      <a:pPr algn="ctr" latinLnBrk="1"/>
+                      <a:endParaRPr lang="en-US" altLang="ko-KR" dirty="0"/>
+                    </a:p>
+                    <a:p>
+                      <a:pPr algn="ctr" latinLnBrk="1"/>
+                      <a:r>
+                        <a:rPr lang="en-US" altLang="ko-KR" dirty="0"/>
+                        <a:t>54.12% </a:t>
+                      </a:r>
+                    </a:p>
+                  </a:txBody>
+                  <a:tcPr>
+                    <a:lnL w="12700" cmpd="sng">
+                      <a:noFill/>
+                    </a:lnL>
+                    <a:lnR w="12700" cmpd="sng">
+                      <a:noFill/>
+                    </a:lnR>
+                    <a:lnT w="6350" cap="flat" cmpd="sng" algn="ctr">
+                      <a:noFill/>
+                      <a:prstDash val="solid"/>
+                      <a:round/>
+                      <a:headEnd type="none" w="med" len="med"/>
+                      <a:tailEnd type="none" w="med" len="med"/>
+                    </a:lnT>
+                    <a:lnB w="6350" cap="flat" cmpd="sng" algn="ctr">
+                      <a:noFill/>
+                      <a:prstDash val="solid"/>
+                      <a:round/>
+                      <a:headEnd type="none" w="med" len="med"/>
+                      <a:tailEnd type="none" w="med" len="med"/>
+                    </a:lnB>
+                    <a:lnTlToBr w="12700" cmpd="sng">
+                      <a:noFill/>
+                      <a:prstDash val="solid"/>
+                    </a:lnTlToBr>
+                    <a:lnBlToTr w="12700" cmpd="sng">
+                      <a:noFill/>
+                      <a:prstDash val="solid"/>
+                    </a:lnBlToTr>
+                    <a:solidFill>
+                      <a:schemeClr val="bg1"/>
+                    </a:solidFill>
+                  </a:tcPr>
+                </a:tc>
+                <a:tc>
+                  <a:txBody>
+                    <a:bodyPr/>
+                    <a:lstStyle/>
+                    <a:p>
+                      <a:pPr algn="ctr" latinLnBrk="1"/>
+                      <a:endParaRPr lang="en-US" altLang="ko-KR" dirty="0"/>
+                    </a:p>
+                    <a:p>
+                      <a:pPr algn="ctr" latinLnBrk="1"/>
+                      <a:r>
+                        <a:rPr lang="en-US" altLang="ko-KR" dirty="0"/>
+                        <a:t>76.74%</a:t>
+                      </a:r>
+                    </a:p>
+                  </a:txBody>
+                  <a:tcPr>
+                    <a:lnL w="12700" cmpd="sng">
+                      <a:noFill/>
+                    </a:lnL>
+                    <a:lnR w="12700" cmpd="sng">
+                      <a:noFill/>
+                    </a:lnR>
+                    <a:lnT w="6350" cap="flat" cmpd="sng" algn="ctr">
+                      <a:noFill/>
+                      <a:prstDash val="solid"/>
+                      <a:round/>
+                      <a:headEnd type="none" w="med" len="med"/>
+                      <a:tailEnd type="none" w="med" len="med"/>
+                    </a:lnT>
+                    <a:lnB w="6350" cap="flat" cmpd="sng" algn="ctr">
+                      <a:noFill/>
+                      <a:prstDash val="solid"/>
+                      <a:round/>
+                      <a:headEnd type="none" w="med" len="med"/>
+                      <a:tailEnd type="none" w="med" len="med"/>
+                    </a:lnB>
+                    <a:lnTlToBr w="12700" cmpd="sng">
+                      <a:noFill/>
+                      <a:prstDash val="solid"/>
+                    </a:lnTlToBr>
+                    <a:lnBlToTr w="12700" cmpd="sng">
+                      <a:noFill/>
+                      <a:prstDash val="solid"/>
+                    </a:lnBlToTr>
+                    <a:solidFill>
+                      <a:schemeClr val="accent5">
+                        <a:lumMod val="20000"/>
+                        <a:lumOff val="80000"/>
+                      </a:schemeClr>
+                    </a:solidFill>
                   </a:tcPr>
                 </a:tc>
                 <a:extLst>
@@ -18525,6 +19957,742 @@
           </a:graphicData>
         </a:graphic>
       </p:graphicFrame>
+      <p:sp>
+        <p:nvSpPr>
+          <p:cNvPr id="3" name="화살표: 오른쪽 2">
+            <a:extLst>
+              <a:ext uri="{FF2B5EF4-FFF2-40B4-BE49-F238E27FC236}">
+                <a16:creationId xmlns:a16="http://schemas.microsoft.com/office/drawing/2014/main" id="{2CA844D4-C363-4288-86DD-5E3CA142603C}"/>
+              </a:ext>
+            </a:extLst>
+          </p:cNvPr>
+          <p:cNvSpPr/>
+          <p:nvPr/>
+        </p:nvSpPr>
+        <p:spPr>
+          <a:xfrm>
+            <a:off x="3463637" y="2512291"/>
+            <a:ext cx="240146" cy="249381"/>
+          </a:xfrm>
+          <a:prstGeom prst="rightArrow">
+            <a:avLst/>
+          </a:prstGeom>
+        </p:spPr>
+        <p:style>
+          <a:lnRef idx="2">
+            <a:schemeClr val="accent1">
+              <a:shade val="50000"/>
+            </a:schemeClr>
+          </a:lnRef>
+          <a:fillRef idx="1">
+            <a:schemeClr val="accent1"/>
+          </a:fillRef>
+          <a:effectRef idx="0">
+            <a:schemeClr val="accent1"/>
+          </a:effectRef>
+          <a:fontRef idx="minor">
+            <a:schemeClr val="lt1"/>
+          </a:fontRef>
+        </p:style>
+        <p:txBody>
+          <a:bodyPr rtlCol="0" anchor="ctr"/>
+          <a:lstStyle/>
+          <a:p>
+            <a:pPr algn="ctr"/>
+            <a:endParaRPr lang="ko-KR" altLang="en-US"/>
+          </a:p>
+        </p:txBody>
+      </p:sp>
+      <p:sp>
+        <p:nvSpPr>
+          <p:cNvPr id="9" name="화살표: 오른쪽 8">
+            <a:extLst>
+              <a:ext uri="{FF2B5EF4-FFF2-40B4-BE49-F238E27FC236}">
+                <a16:creationId xmlns:a16="http://schemas.microsoft.com/office/drawing/2014/main" id="{1ECEEE62-EFF9-4F6A-AF29-B6D8AA83CC40}"/>
+              </a:ext>
+            </a:extLst>
+          </p:cNvPr>
+          <p:cNvSpPr/>
+          <p:nvPr/>
+        </p:nvSpPr>
+        <p:spPr>
+          <a:xfrm>
+            <a:off x="3463637" y="3485671"/>
+            <a:ext cx="240146" cy="249381"/>
+          </a:xfrm>
+          <a:prstGeom prst="rightArrow">
+            <a:avLst/>
+          </a:prstGeom>
+        </p:spPr>
+        <p:style>
+          <a:lnRef idx="2">
+            <a:schemeClr val="accent1">
+              <a:shade val="50000"/>
+            </a:schemeClr>
+          </a:lnRef>
+          <a:fillRef idx="1">
+            <a:schemeClr val="accent1"/>
+          </a:fillRef>
+          <a:effectRef idx="0">
+            <a:schemeClr val="accent1"/>
+          </a:effectRef>
+          <a:fontRef idx="minor">
+            <a:schemeClr val="lt1"/>
+          </a:fontRef>
+        </p:style>
+        <p:txBody>
+          <a:bodyPr rtlCol="0" anchor="ctr"/>
+          <a:lstStyle/>
+          <a:p>
+            <a:pPr algn="ctr"/>
+            <a:endParaRPr lang="ko-KR" altLang="en-US"/>
+          </a:p>
+        </p:txBody>
+      </p:sp>
+      <p:sp>
+        <p:nvSpPr>
+          <p:cNvPr id="13" name="화살표: 오른쪽 12">
+            <a:extLst>
+              <a:ext uri="{FF2B5EF4-FFF2-40B4-BE49-F238E27FC236}">
+                <a16:creationId xmlns:a16="http://schemas.microsoft.com/office/drawing/2014/main" id="{158EEC28-78BD-49AB-B25E-2765D3CC0509}"/>
+              </a:ext>
+            </a:extLst>
+          </p:cNvPr>
+          <p:cNvSpPr/>
+          <p:nvPr/>
+        </p:nvSpPr>
+        <p:spPr>
+          <a:xfrm>
+            <a:off x="3463637" y="4438797"/>
+            <a:ext cx="240146" cy="249381"/>
+          </a:xfrm>
+          <a:prstGeom prst="rightArrow">
+            <a:avLst/>
+          </a:prstGeom>
+        </p:spPr>
+        <p:style>
+          <a:lnRef idx="2">
+            <a:schemeClr val="accent1">
+              <a:shade val="50000"/>
+            </a:schemeClr>
+          </a:lnRef>
+          <a:fillRef idx="1">
+            <a:schemeClr val="accent1"/>
+          </a:fillRef>
+          <a:effectRef idx="0">
+            <a:schemeClr val="accent1"/>
+          </a:effectRef>
+          <a:fontRef idx="minor">
+            <a:schemeClr val="lt1"/>
+          </a:fontRef>
+        </p:style>
+        <p:txBody>
+          <a:bodyPr rtlCol="0" anchor="ctr"/>
+          <a:lstStyle/>
+          <a:p>
+            <a:pPr algn="ctr"/>
+            <a:endParaRPr lang="ko-KR" altLang="en-US"/>
+          </a:p>
+        </p:txBody>
+      </p:sp>
+      <p:sp>
+        <p:nvSpPr>
+          <p:cNvPr id="14" name="화살표: 오른쪽 13">
+            <a:extLst>
+              <a:ext uri="{FF2B5EF4-FFF2-40B4-BE49-F238E27FC236}">
+                <a16:creationId xmlns:a16="http://schemas.microsoft.com/office/drawing/2014/main" id="{9D465016-F157-4311-8E2B-C6D9304AC983}"/>
+              </a:ext>
+            </a:extLst>
+          </p:cNvPr>
+          <p:cNvSpPr/>
+          <p:nvPr/>
+        </p:nvSpPr>
+        <p:spPr>
+          <a:xfrm>
+            <a:off x="3463638" y="5375730"/>
+            <a:ext cx="240146" cy="249381"/>
+          </a:xfrm>
+          <a:prstGeom prst="rightArrow">
+            <a:avLst/>
+          </a:prstGeom>
+        </p:spPr>
+        <p:style>
+          <a:lnRef idx="2">
+            <a:schemeClr val="accent1">
+              <a:shade val="50000"/>
+            </a:schemeClr>
+          </a:lnRef>
+          <a:fillRef idx="1">
+            <a:schemeClr val="accent1"/>
+          </a:fillRef>
+          <a:effectRef idx="0">
+            <a:schemeClr val="accent1"/>
+          </a:effectRef>
+          <a:fontRef idx="minor">
+            <a:schemeClr val="lt1"/>
+          </a:fontRef>
+        </p:style>
+        <p:txBody>
+          <a:bodyPr rtlCol="0" anchor="ctr"/>
+          <a:lstStyle/>
+          <a:p>
+            <a:pPr algn="ctr"/>
+            <a:endParaRPr lang="ko-KR" altLang="en-US"/>
+          </a:p>
+        </p:txBody>
+      </p:sp>
+      <p:sp>
+        <p:nvSpPr>
+          <p:cNvPr id="15" name="화살표: 오른쪽 14">
+            <a:extLst>
+              <a:ext uri="{FF2B5EF4-FFF2-40B4-BE49-F238E27FC236}">
+                <a16:creationId xmlns:a16="http://schemas.microsoft.com/office/drawing/2014/main" id="{804A9578-D0A7-4992-8079-5D731B390036}"/>
+              </a:ext>
+            </a:extLst>
+          </p:cNvPr>
+          <p:cNvSpPr/>
+          <p:nvPr/>
+        </p:nvSpPr>
+        <p:spPr>
+          <a:xfrm>
+            <a:off x="5657273" y="2512291"/>
+            <a:ext cx="240146" cy="249381"/>
+          </a:xfrm>
+          <a:prstGeom prst="rightArrow">
+            <a:avLst/>
+          </a:prstGeom>
+        </p:spPr>
+        <p:style>
+          <a:lnRef idx="2">
+            <a:schemeClr val="accent1">
+              <a:shade val="50000"/>
+            </a:schemeClr>
+          </a:lnRef>
+          <a:fillRef idx="1">
+            <a:schemeClr val="accent1"/>
+          </a:fillRef>
+          <a:effectRef idx="0">
+            <a:schemeClr val="accent1"/>
+          </a:effectRef>
+          <a:fontRef idx="minor">
+            <a:schemeClr val="lt1"/>
+          </a:fontRef>
+        </p:style>
+        <p:txBody>
+          <a:bodyPr rtlCol="0" anchor="ctr"/>
+          <a:lstStyle/>
+          <a:p>
+            <a:pPr algn="ctr"/>
+            <a:endParaRPr lang="ko-KR" altLang="en-US"/>
+          </a:p>
+        </p:txBody>
+      </p:sp>
+      <p:sp>
+        <p:nvSpPr>
+          <p:cNvPr id="16" name="화살표: 오른쪽 15">
+            <a:extLst>
+              <a:ext uri="{FF2B5EF4-FFF2-40B4-BE49-F238E27FC236}">
+                <a16:creationId xmlns:a16="http://schemas.microsoft.com/office/drawing/2014/main" id="{EAB7DCC2-A87D-49DA-B5C4-25B23DB01086}"/>
+              </a:ext>
+            </a:extLst>
+          </p:cNvPr>
+          <p:cNvSpPr/>
+          <p:nvPr/>
+        </p:nvSpPr>
+        <p:spPr>
+          <a:xfrm>
+            <a:off x="5657273" y="3485671"/>
+            <a:ext cx="240146" cy="249381"/>
+          </a:xfrm>
+          <a:prstGeom prst="rightArrow">
+            <a:avLst/>
+          </a:prstGeom>
+        </p:spPr>
+        <p:style>
+          <a:lnRef idx="2">
+            <a:schemeClr val="accent1">
+              <a:shade val="50000"/>
+            </a:schemeClr>
+          </a:lnRef>
+          <a:fillRef idx="1">
+            <a:schemeClr val="accent1"/>
+          </a:fillRef>
+          <a:effectRef idx="0">
+            <a:schemeClr val="accent1"/>
+          </a:effectRef>
+          <a:fontRef idx="minor">
+            <a:schemeClr val="lt1"/>
+          </a:fontRef>
+        </p:style>
+        <p:txBody>
+          <a:bodyPr rtlCol="0" anchor="ctr"/>
+          <a:lstStyle/>
+          <a:p>
+            <a:pPr algn="ctr"/>
+            <a:endParaRPr lang="ko-KR" altLang="en-US"/>
+          </a:p>
+        </p:txBody>
+      </p:sp>
+      <p:sp>
+        <p:nvSpPr>
+          <p:cNvPr id="17" name="화살표: 오른쪽 16">
+            <a:extLst>
+              <a:ext uri="{FF2B5EF4-FFF2-40B4-BE49-F238E27FC236}">
+                <a16:creationId xmlns:a16="http://schemas.microsoft.com/office/drawing/2014/main" id="{DE90E38D-6DBA-45E1-857A-1D7EE369852A}"/>
+              </a:ext>
+            </a:extLst>
+          </p:cNvPr>
+          <p:cNvSpPr/>
+          <p:nvPr/>
+        </p:nvSpPr>
+        <p:spPr>
+          <a:xfrm>
+            <a:off x="5657273" y="4438797"/>
+            <a:ext cx="240146" cy="249381"/>
+          </a:xfrm>
+          <a:prstGeom prst="rightArrow">
+            <a:avLst/>
+          </a:prstGeom>
+        </p:spPr>
+        <p:style>
+          <a:lnRef idx="2">
+            <a:schemeClr val="accent1">
+              <a:shade val="50000"/>
+            </a:schemeClr>
+          </a:lnRef>
+          <a:fillRef idx="1">
+            <a:schemeClr val="accent1"/>
+          </a:fillRef>
+          <a:effectRef idx="0">
+            <a:schemeClr val="accent1"/>
+          </a:effectRef>
+          <a:fontRef idx="minor">
+            <a:schemeClr val="lt1"/>
+          </a:fontRef>
+        </p:style>
+        <p:txBody>
+          <a:bodyPr rtlCol="0" anchor="ctr"/>
+          <a:lstStyle/>
+          <a:p>
+            <a:pPr algn="ctr"/>
+            <a:endParaRPr lang="ko-KR" altLang="en-US"/>
+          </a:p>
+        </p:txBody>
+      </p:sp>
+      <p:sp>
+        <p:nvSpPr>
+          <p:cNvPr id="18" name="화살표: 오른쪽 17">
+            <a:extLst>
+              <a:ext uri="{FF2B5EF4-FFF2-40B4-BE49-F238E27FC236}">
+                <a16:creationId xmlns:a16="http://schemas.microsoft.com/office/drawing/2014/main" id="{5596D2B8-01F4-4383-9174-F4DF5B566397}"/>
+              </a:ext>
+            </a:extLst>
+          </p:cNvPr>
+          <p:cNvSpPr/>
+          <p:nvPr/>
+        </p:nvSpPr>
+        <p:spPr>
+          <a:xfrm>
+            <a:off x="5657274" y="5375730"/>
+            <a:ext cx="240146" cy="249381"/>
+          </a:xfrm>
+          <a:prstGeom prst="rightArrow">
+            <a:avLst/>
+          </a:prstGeom>
+        </p:spPr>
+        <p:style>
+          <a:lnRef idx="2">
+            <a:schemeClr val="accent1">
+              <a:shade val="50000"/>
+            </a:schemeClr>
+          </a:lnRef>
+          <a:fillRef idx="1">
+            <a:schemeClr val="accent1"/>
+          </a:fillRef>
+          <a:effectRef idx="0">
+            <a:schemeClr val="accent1"/>
+          </a:effectRef>
+          <a:fontRef idx="minor">
+            <a:schemeClr val="lt1"/>
+          </a:fontRef>
+        </p:style>
+        <p:txBody>
+          <a:bodyPr rtlCol="0" anchor="ctr"/>
+          <a:lstStyle/>
+          <a:p>
+            <a:pPr algn="ctr"/>
+            <a:endParaRPr lang="ko-KR" altLang="en-US"/>
+          </a:p>
+        </p:txBody>
+      </p:sp>
+      <p:sp>
+        <p:nvSpPr>
+          <p:cNvPr id="23" name="화살표: 오른쪽 22">
+            <a:extLst>
+              <a:ext uri="{FF2B5EF4-FFF2-40B4-BE49-F238E27FC236}">
+                <a16:creationId xmlns:a16="http://schemas.microsoft.com/office/drawing/2014/main" id="{D66BC3A5-05C2-4022-B4B1-7539854AF32A}"/>
+              </a:ext>
+            </a:extLst>
+          </p:cNvPr>
+          <p:cNvSpPr/>
+          <p:nvPr/>
+        </p:nvSpPr>
+        <p:spPr>
+          <a:xfrm>
+            <a:off x="7818583" y="2512291"/>
+            <a:ext cx="240146" cy="249381"/>
+          </a:xfrm>
+          <a:prstGeom prst="rightArrow">
+            <a:avLst/>
+          </a:prstGeom>
+        </p:spPr>
+        <p:style>
+          <a:lnRef idx="2">
+            <a:schemeClr val="accent1">
+              <a:shade val="50000"/>
+            </a:schemeClr>
+          </a:lnRef>
+          <a:fillRef idx="1">
+            <a:schemeClr val="accent1"/>
+          </a:fillRef>
+          <a:effectRef idx="0">
+            <a:schemeClr val="accent1"/>
+          </a:effectRef>
+          <a:fontRef idx="minor">
+            <a:schemeClr val="lt1"/>
+          </a:fontRef>
+        </p:style>
+        <p:txBody>
+          <a:bodyPr rtlCol="0" anchor="ctr"/>
+          <a:lstStyle/>
+          <a:p>
+            <a:pPr algn="ctr"/>
+            <a:endParaRPr lang="ko-KR" altLang="en-US"/>
+          </a:p>
+        </p:txBody>
+      </p:sp>
+      <p:sp>
+        <p:nvSpPr>
+          <p:cNvPr id="24" name="화살표: 오른쪽 23">
+            <a:extLst>
+              <a:ext uri="{FF2B5EF4-FFF2-40B4-BE49-F238E27FC236}">
+                <a16:creationId xmlns:a16="http://schemas.microsoft.com/office/drawing/2014/main" id="{62BAB3AA-FC08-4911-92BD-9BFAE0ADAAFE}"/>
+              </a:ext>
+            </a:extLst>
+          </p:cNvPr>
+          <p:cNvSpPr/>
+          <p:nvPr/>
+        </p:nvSpPr>
+        <p:spPr>
+          <a:xfrm>
+            <a:off x="7818583" y="3485671"/>
+            <a:ext cx="240146" cy="249381"/>
+          </a:xfrm>
+          <a:prstGeom prst="rightArrow">
+            <a:avLst/>
+          </a:prstGeom>
+        </p:spPr>
+        <p:style>
+          <a:lnRef idx="2">
+            <a:schemeClr val="accent1">
+              <a:shade val="50000"/>
+            </a:schemeClr>
+          </a:lnRef>
+          <a:fillRef idx="1">
+            <a:schemeClr val="accent1"/>
+          </a:fillRef>
+          <a:effectRef idx="0">
+            <a:schemeClr val="accent1"/>
+          </a:effectRef>
+          <a:fontRef idx="minor">
+            <a:schemeClr val="lt1"/>
+          </a:fontRef>
+        </p:style>
+        <p:txBody>
+          <a:bodyPr rtlCol="0" anchor="ctr"/>
+          <a:lstStyle/>
+          <a:p>
+            <a:pPr algn="ctr"/>
+            <a:endParaRPr lang="ko-KR" altLang="en-US"/>
+          </a:p>
+        </p:txBody>
+      </p:sp>
+      <p:sp>
+        <p:nvSpPr>
+          <p:cNvPr id="25" name="화살표: 오른쪽 24">
+            <a:extLst>
+              <a:ext uri="{FF2B5EF4-FFF2-40B4-BE49-F238E27FC236}">
+                <a16:creationId xmlns:a16="http://schemas.microsoft.com/office/drawing/2014/main" id="{1056578C-9A20-40A0-B820-751205C24ED7}"/>
+              </a:ext>
+            </a:extLst>
+          </p:cNvPr>
+          <p:cNvSpPr/>
+          <p:nvPr/>
+        </p:nvSpPr>
+        <p:spPr>
+          <a:xfrm>
+            <a:off x="7818583" y="4438797"/>
+            <a:ext cx="240146" cy="249381"/>
+          </a:xfrm>
+          <a:prstGeom prst="rightArrow">
+            <a:avLst/>
+          </a:prstGeom>
+        </p:spPr>
+        <p:style>
+          <a:lnRef idx="2">
+            <a:schemeClr val="accent1">
+              <a:shade val="50000"/>
+            </a:schemeClr>
+          </a:lnRef>
+          <a:fillRef idx="1">
+            <a:schemeClr val="accent1"/>
+          </a:fillRef>
+          <a:effectRef idx="0">
+            <a:schemeClr val="accent1"/>
+          </a:effectRef>
+          <a:fontRef idx="minor">
+            <a:schemeClr val="lt1"/>
+          </a:fontRef>
+        </p:style>
+        <p:txBody>
+          <a:bodyPr rtlCol="0" anchor="ctr"/>
+          <a:lstStyle/>
+          <a:p>
+            <a:pPr algn="ctr"/>
+            <a:endParaRPr lang="ko-KR" altLang="en-US"/>
+          </a:p>
+        </p:txBody>
+      </p:sp>
+      <p:sp>
+        <p:nvSpPr>
+          <p:cNvPr id="26" name="화살표: 오른쪽 25">
+            <a:extLst>
+              <a:ext uri="{FF2B5EF4-FFF2-40B4-BE49-F238E27FC236}">
+                <a16:creationId xmlns:a16="http://schemas.microsoft.com/office/drawing/2014/main" id="{8D06DFE4-4308-4FD4-AAF5-A22F68B5E032}"/>
+              </a:ext>
+            </a:extLst>
+          </p:cNvPr>
+          <p:cNvSpPr/>
+          <p:nvPr/>
+        </p:nvSpPr>
+        <p:spPr>
+          <a:xfrm>
+            <a:off x="7818584" y="5375730"/>
+            <a:ext cx="240146" cy="249381"/>
+          </a:xfrm>
+          <a:prstGeom prst="rightArrow">
+            <a:avLst/>
+          </a:prstGeom>
+        </p:spPr>
+        <p:style>
+          <a:lnRef idx="2">
+            <a:schemeClr val="accent1">
+              <a:shade val="50000"/>
+            </a:schemeClr>
+          </a:lnRef>
+          <a:fillRef idx="1">
+            <a:schemeClr val="accent1"/>
+          </a:fillRef>
+          <a:effectRef idx="0">
+            <a:schemeClr val="accent1"/>
+          </a:effectRef>
+          <a:fontRef idx="minor">
+            <a:schemeClr val="lt1"/>
+          </a:fontRef>
+        </p:style>
+        <p:txBody>
+          <a:bodyPr rtlCol="0" anchor="ctr"/>
+          <a:lstStyle/>
+          <a:p>
+            <a:pPr algn="ctr"/>
+            <a:endParaRPr lang="ko-KR" altLang="en-US"/>
+          </a:p>
+        </p:txBody>
+      </p:sp>
+      <p:sp>
+        <p:nvSpPr>
+          <p:cNvPr id="27" name="화살표: 오른쪽 26">
+            <a:extLst>
+              <a:ext uri="{FF2B5EF4-FFF2-40B4-BE49-F238E27FC236}">
+                <a16:creationId xmlns:a16="http://schemas.microsoft.com/office/drawing/2014/main" id="{9BA2942B-08B3-4998-99D2-F3CC2D2FE75E}"/>
+              </a:ext>
+            </a:extLst>
+          </p:cNvPr>
+          <p:cNvSpPr/>
+          <p:nvPr/>
+        </p:nvSpPr>
+        <p:spPr>
+          <a:xfrm>
+            <a:off x="9979893" y="2518855"/>
+            <a:ext cx="240146" cy="249381"/>
+          </a:xfrm>
+          <a:prstGeom prst="rightArrow">
+            <a:avLst/>
+          </a:prstGeom>
+        </p:spPr>
+        <p:style>
+          <a:lnRef idx="2">
+            <a:schemeClr val="accent1">
+              <a:shade val="50000"/>
+            </a:schemeClr>
+          </a:lnRef>
+          <a:fillRef idx="1">
+            <a:schemeClr val="accent1"/>
+          </a:fillRef>
+          <a:effectRef idx="0">
+            <a:schemeClr val="accent1"/>
+          </a:effectRef>
+          <a:fontRef idx="minor">
+            <a:schemeClr val="lt1"/>
+          </a:fontRef>
+        </p:style>
+        <p:txBody>
+          <a:bodyPr rtlCol="0" anchor="ctr"/>
+          <a:lstStyle/>
+          <a:p>
+            <a:pPr algn="ctr"/>
+            <a:endParaRPr lang="ko-KR" altLang="en-US"/>
+          </a:p>
+        </p:txBody>
+      </p:sp>
+      <p:sp>
+        <p:nvSpPr>
+          <p:cNvPr id="28" name="화살표: 오른쪽 27">
+            <a:extLst>
+              <a:ext uri="{FF2B5EF4-FFF2-40B4-BE49-F238E27FC236}">
+                <a16:creationId xmlns:a16="http://schemas.microsoft.com/office/drawing/2014/main" id="{5CD199B7-C9CF-4547-83E3-77D63A623F6C}"/>
+              </a:ext>
+            </a:extLst>
+          </p:cNvPr>
+          <p:cNvSpPr/>
+          <p:nvPr/>
+        </p:nvSpPr>
+        <p:spPr>
+          <a:xfrm>
+            <a:off x="9979893" y="3492235"/>
+            <a:ext cx="240146" cy="249381"/>
+          </a:xfrm>
+          <a:prstGeom prst="rightArrow">
+            <a:avLst/>
+          </a:prstGeom>
+        </p:spPr>
+        <p:style>
+          <a:lnRef idx="2">
+            <a:schemeClr val="accent1">
+              <a:shade val="50000"/>
+            </a:schemeClr>
+          </a:lnRef>
+          <a:fillRef idx="1">
+            <a:schemeClr val="accent1"/>
+          </a:fillRef>
+          <a:effectRef idx="0">
+            <a:schemeClr val="accent1"/>
+          </a:effectRef>
+          <a:fontRef idx="minor">
+            <a:schemeClr val="lt1"/>
+          </a:fontRef>
+        </p:style>
+        <p:txBody>
+          <a:bodyPr rtlCol="0" anchor="ctr"/>
+          <a:lstStyle/>
+          <a:p>
+            <a:pPr algn="ctr"/>
+            <a:endParaRPr lang="ko-KR" altLang="en-US"/>
+          </a:p>
+        </p:txBody>
+      </p:sp>
+      <p:sp>
+        <p:nvSpPr>
+          <p:cNvPr id="29" name="화살표: 오른쪽 28">
+            <a:extLst>
+              <a:ext uri="{FF2B5EF4-FFF2-40B4-BE49-F238E27FC236}">
+                <a16:creationId xmlns:a16="http://schemas.microsoft.com/office/drawing/2014/main" id="{813F7421-CF3C-4EF1-B6E4-94E140411272}"/>
+              </a:ext>
+            </a:extLst>
+          </p:cNvPr>
+          <p:cNvSpPr/>
+          <p:nvPr/>
+        </p:nvSpPr>
+        <p:spPr>
+          <a:xfrm>
+            <a:off x="9979893" y="4445361"/>
+            <a:ext cx="240146" cy="249381"/>
+          </a:xfrm>
+          <a:prstGeom prst="rightArrow">
+            <a:avLst/>
+          </a:prstGeom>
+        </p:spPr>
+        <p:style>
+          <a:lnRef idx="2">
+            <a:schemeClr val="accent1">
+              <a:shade val="50000"/>
+            </a:schemeClr>
+          </a:lnRef>
+          <a:fillRef idx="1">
+            <a:schemeClr val="accent1"/>
+          </a:fillRef>
+          <a:effectRef idx="0">
+            <a:schemeClr val="accent1"/>
+          </a:effectRef>
+          <a:fontRef idx="minor">
+            <a:schemeClr val="lt1"/>
+          </a:fontRef>
+        </p:style>
+        <p:txBody>
+          <a:bodyPr rtlCol="0" anchor="ctr"/>
+          <a:lstStyle/>
+          <a:p>
+            <a:pPr algn="ctr"/>
+            <a:endParaRPr lang="ko-KR" altLang="en-US"/>
+          </a:p>
+        </p:txBody>
+      </p:sp>
+      <p:sp>
+        <p:nvSpPr>
+          <p:cNvPr id="30" name="화살표: 오른쪽 29">
+            <a:extLst>
+              <a:ext uri="{FF2B5EF4-FFF2-40B4-BE49-F238E27FC236}">
+                <a16:creationId xmlns:a16="http://schemas.microsoft.com/office/drawing/2014/main" id="{1545D012-2AEA-40EC-825D-807B1B996308}"/>
+              </a:ext>
+            </a:extLst>
+          </p:cNvPr>
+          <p:cNvSpPr/>
+          <p:nvPr/>
+        </p:nvSpPr>
+        <p:spPr>
+          <a:xfrm>
+            <a:off x="9979894" y="5382294"/>
+            <a:ext cx="240146" cy="249381"/>
+          </a:xfrm>
+          <a:prstGeom prst="rightArrow">
+            <a:avLst/>
+          </a:prstGeom>
+        </p:spPr>
+        <p:style>
+          <a:lnRef idx="2">
+            <a:schemeClr val="accent1">
+              <a:shade val="50000"/>
+            </a:schemeClr>
+          </a:lnRef>
+          <a:fillRef idx="1">
+            <a:schemeClr val="accent1"/>
+          </a:fillRef>
+          <a:effectRef idx="0">
+            <a:schemeClr val="accent1"/>
+          </a:effectRef>
+          <a:fontRef idx="minor">
+            <a:schemeClr val="lt1"/>
+          </a:fontRef>
+        </p:style>
+        <p:txBody>
+          <a:bodyPr rtlCol="0" anchor="ctr"/>
+          <a:lstStyle/>
+          <a:p>
+            <a:pPr algn="ctr"/>
+            <a:endParaRPr lang="ko-KR" altLang="en-US"/>
+          </a:p>
+        </p:txBody>
+      </p:sp>
     </p:spTree>
     <p:extLst>
       <p:ext uri="{BB962C8B-B14F-4D97-AF65-F5344CB8AC3E}">
@@ -18724,7 +20892,7 @@
         </p:nvSpPr>
         <p:spPr>
           <a:xfrm>
-            <a:off x="758702" y="2203023"/>
+            <a:off x="758702" y="2364912"/>
             <a:ext cx="4405086" cy="2192395"/>
           </a:xfrm>
         </p:spPr>
@@ -18813,7 +20981,7 @@
             </a:r>
             <a:r>
               <a:rPr lang="ko-KR" altLang="en-US" sz="1800" dirty="0"/>
-              <a:t>상당히 상승</a:t>
+              <a:t>대폭 상승</a:t>
             </a:r>
           </a:p>
           <a:p>
@@ -18827,7 +20995,7 @@
             </a:r>
             <a:r>
               <a:rPr lang="ko-KR" altLang="en-US" sz="1800" dirty="0"/>
-              <a:t>전체적으로 상승</a:t>
+              <a:t>상승</a:t>
             </a:r>
             <a:endParaRPr lang="en-US" altLang="ko-KR" sz="1800" dirty="0"/>
           </a:p>
@@ -19027,7 +21195,7 @@
         </p:nvSpPr>
         <p:spPr>
           <a:xfrm>
-            <a:off x="6913493" y="2864536"/>
+            <a:off x="6941201" y="2756495"/>
             <a:ext cx="4405086" cy="1692771"/>
           </a:xfrm>
           <a:prstGeom prst="rect">
@@ -19225,7 +21393,7 @@
             </a:lvl9pPr>
           </a:lstStyle>
           <a:p>
-            <a:pPr marL="0" indent="0">
+            <a:pPr>
               <a:lnSpc>
                 <a:spcPct val="100000"/>
               </a:lnSpc>
@@ -19235,8 +21403,8 @@
               <a:spcAft>
                 <a:spcPts val="1200"/>
               </a:spcAft>
-              <a:buFont typeface="Garamond" panose="02020404030301010803" pitchFamily="18" charset="0"/>
-              <a:buNone/>
+              <a:buFont typeface="Arial" panose="020B0604020202020204" pitchFamily="34" charset="0"/>
+              <a:buChar char="•"/>
             </a:pPr>
             <a:r>
               <a:rPr lang="en-US" altLang="ko-KR" sz="1800" dirty="0"/>
@@ -19256,7 +21424,7 @@
             </a:r>
           </a:p>
           <a:p>
-            <a:pPr marL="0" indent="0">
+            <a:pPr>
               <a:lnSpc>
                 <a:spcPct val="100000"/>
               </a:lnSpc>
@@ -19266,8 +21434,8 @@
               <a:spcAft>
                 <a:spcPts val="1200"/>
               </a:spcAft>
-              <a:buFont typeface="Garamond" panose="02020404030301010803" pitchFamily="18" charset="0"/>
-              <a:buNone/>
+              <a:buFont typeface="Arial" panose="020B0604020202020204" pitchFamily="34" charset="0"/>
+              <a:buChar char="•"/>
             </a:pPr>
             <a:r>
               <a:rPr lang="ko-KR" altLang="en-US" sz="1800" dirty="0"/>
@@ -19279,15 +21447,15 @@
             </a:r>
             <a:r>
               <a:rPr lang="en-US" altLang="ko-KR" sz="1800" dirty="0"/>
-              <a:t>(Recall)</a:t>
+              <a:t>(Recall) </a:t>
             </a:r>
             <a:r>
               <a:rPr lang="ko-KR" altLang="en-US" sz="1800" dirty="0"/>
-              <a:t>상승</a:t>
+              <a:t>크게 상승</a:t>
             </a:r>
           </a:p>
           <a:p>
-            <a:pPr marL="0" indent="0">
+            <a:pPr>
               <a:lnSpc>
                 <a:spcPct val="100000"/>
               </a:lnSpc>
@@ -19297,12 +21465,20 @@
               <a:spcAft>
                 <a:spcPts val="1200"/>
               </a:spcAft>
-              <a:buFont typeface="Garamond" panose="02020404030301010803" pitchFamily="18" charset="0"/>
-              <a:buNone/>
+              <a:buFont typeface="Arial" panose="020B0604020202020204" pitchFamily="34" charset="0"/>
+              <a:buChar char="•"/>
             </a:pPr>
             <a:r>
               <a:rPr lang="ko-KR" altLang="en-US" sz="1800" dirty="0"/>
-              <a:t>로지스틱 회귀 가장 민감하게 반응 및 성능 이 좋아짐</a:t>
+              <a:t>로지스틱 회귀 가장 </a:t>
+            </a:r>
+            <a:r>
+              <a:rPr lang="ko-KR" altLang="en-US" sz="1800" dirty="0" err="1"/>
+              <a:t>오버샘플링에</a:t>
+            </a:r>
+            <a:r>
+              <a:rPr lang="ko-KR" altLang="en-US" sz="1800" dirty="0"/>
+              <a:t> 가장 민감하게 반응 및 성능 이 좋아짐</a:t>
             </a:r>
           </a:p>
         </p:txBody>
@@ -19321,8 +21497,8 @@
         </p:nvSpPr>
         <p:spPr>
           <a:xfrm>
-            <a:off x="758702" y="1511525"/>
-            <a:ext cx="1943677" cy="582751"/>
+            <a:off x="758701" y="1511525"/>
+            <a:ext cx="2160000" cy="540000"/>
           </a:xfrm>
           <a:prstGeom prst="rect">
             <a:avLst/>
@@ -19355,6 +21531,10 @@
           <a:lstStyle/>
           <a:p>
             <a:pPr algn="ctr"/>
+            <a:r>
+              <a:rPr lang="ko-KR" altLang="en-US" dirty="0"/>
+              <a:t>결과 분석</a:t>
+            </a:r>
             <a:endParaRPr lang="en-US" dirty="0"/>
           </a:p>
         </p:txBody>
@@ -19373,8 +21553,8 @@
         </p:nvSpPr>
         <p:spPr>
           <a:xfrm>
-            <a:off x="6835487" y="1620272"/>
-            <a:ext cx="1943677" cy="582751"/>
+            <a:off x="6853959" y="1511525"/>
+            <a:ext cx="2160000" cy="540000"/>
           </a:xfrm>
           <a:prstGeom prst="rect">
             <a:avLst/>
@@ -19407,6 +21587,10 @@
           <a:lstStyle/>
           <a:p>
             <a:pPr algn="ctr"/>
+            <a:r>
+              <a:rPr lang="ko-KR" altLang="en-US" dirty="0"/>
+              <a:t>의의</a:t>
+            </a:r>
             <a:endParaRPr lang="en-US" dirty="0"/>
           </a:p>
         </p:txBody>
@@ -19587,7 +21771,7 @@
             </a:r>
             <a:r>
               <a:rPr lang="ko-KR" altLang="en-US" sz="2800" dirty="0"/>
-              <a:t>피처중요도 비교</a:t>
+              <a:t>특징중요도 비교</a:t>
             </a:r>
             <a:r>
               <a:rPr lang="en-US" altLang="ko-KR" sz="2800" dirty="0"/>
@@ -19797,8 +21981,8 @@
         </p:nvSpPr>
         <p:spPr>
           <a:xfrm>
-            <a:off x="660977" y="1199363"/>
-            <a:ext cx="2142153" cy="518532"/>
+            <a:off x="660976" y="1199363"/>
+            <a:ext cx="2160000" cy="540000"/>
           </a:xfrm>
           <a:prstGeom prst="rect">
             <a:avLst/>
@@ -19913,7 +22097,7 @@
         <p:spPr>
           <a:xfrm>
             <a:off x="6807777" y="1190058"/>
-            <a:ext cx="2142153" cy="518532"/>
+            <a:ext cx="2160000" cy="540000"/>
           </a:xfrm>
           <a:prstGeom prst="rect">
             <a:avLst/>
@@ -19985,10 +22169,10 @@
       </p:grpSpPr>
       <p:sp>
         <p:nvSpPr>
-          <p:cNvPr id="17" name="Rectangle 10">
+          <p:cNvPr id="9" name="Rectangle 10">
             <a:extLst>
               <a:ext uri="{FF2B5EF4-FFF2-40B4-BE49-F238E27FC236}">
-                <a16:creationId xmlns:a16="http://schemas.microsoft.com/office/drawing/2014/main" id="{3C56E139-14C1-4E79-BCE0-16D7D62E87FF}"/>
+                <a16:creationId xmlns:a16="http://schemas.microsoft.com/office/drawing/2014/main" id="{4010F01E-4ACA-470C-8B07-83572651DE4F}"/>
               </a:ext>
             </a:extLst>
           </p:cNvPr>
@@ -19997,8 +22181,8 @@
         </p:nvSpPr>
         <p:spPr>
           <a:xfrm>
-            <a:off x="476250" y="1360633"/>
-            <a:ext cx="10737850" cy="4587578"/>
+            <a:off x="476250" y="1586104"/>
+            <a:ext cx="11107057" cy="4259256"/>
           </a:xfrm>
           <a:prstGeom prst="rect">
             <a:avLst/>
@@ -20033,7 +22217,7 @@
           <a:lstStyle/>
           <a:p>
             <a:pPr algn="ctr"/>
-            <a:endParaRPr lang="en-US"/>
+            <a:endParaRPr lang="en-US" dirty="0"/>
           </a:p>
         </p:txBody>
       </p:sp>
@@ -20075,11 +22259,11 @@
             </a:r>
             <a:r>
               <a:rPr lang="ko-KR" altLang="en-US" sz="2800" dirty="0"/>
-              <a:t>피처중요도 비교</a:t>
+              <a:t>특징중요도 비교</a:t>
             </a:r>
             <a:r>
               <a:rPr lang="en-US" altLang="ko-KR" sz="2800" dirty="0"/>
-              <a:t> (</a:t>
+              <a:t>(</a:t>
             </a:r>
             <a:r>
               <a:rPr lang="ko-KR" altLang="en-US" sz="2800" dirty="0"/>
@@ -20286,7 +22470,7 @@
         <p:spPr>
           <a:xfrm>
             <a:off x="544945" y="1656203"/>
-            <a:ext cx="8552873" cy="1754326"/>
+            <a:ext cx="8552873" cy="2862322"/>
           </a:xfrm>
           <a:prstGeom prst="rect">
             <a:avLst/>
@@ -20299,21 +22483,74 @@
           </a:bodyPr>
           <a:lstStyle/>
           <a:p>
-            <a:r>
-              <a:rPr lang="ko-KR" altLang="en-US" dirty="0"/>
-              <a:t>담보대출기관이 은행인지 비은행금융기관인지의 여부(1,2위) 동일하게 가장 높다</a:t>
-            </a:r>
+            <a:pPr marL="285750" indent="-285750">
+              <a:buFont typeface="Arial" panose="020B0604020202020204" pitchFamily="34" charset="0"/>
+              <a:buChar char="•"/>
+            </a:pPr>
+            <a:endParaRPr lang="en-US" altLang="ko-KR" dirty="0"/>
           </a:p>
           <a:p>
+            <a:pPr marL="285750" indent="-285750">
+              <a:buFont typeface="Arial" panose="020B0604020202020204" pitchFamily="34" charset="0"/>
+              <a:buChar char="•"/>
+            </a:pPr>
+            <a:endParaRPr lang="en-US" altLang="ko-KR" dirty="0"/>
+          </a:p>
+          <a:p>
+            <a:pPr marL="285750" indent="-285750">
+              <a:buFont typeface="Arial" panose="020B0604020202020204" pitchFamily="34" charset="0"/>
+              <a:buChar char="•"/>
+            </a:pPr>
+            <a:endParaRPr lang="en-US" altLang="ko-KR" dirty="0"/>
+          </a:p>
+          <a:p>
+            <a:pPr marL="285750" indent="-285750">
+              <a:buFont typeface="Arial" panose="020B0604020202020204" pitchFamily="34" charset="0"/>
+              <a:buChar char="•"/>
+            </a:pPr>
+            <a:r>
+              <a:rPr lang="ko-KR" altLang="en-US" dirty="0"/>
+              <a:t>담보대출기관이 은행인지</a:t>
+            </a:r>
+            <a:r>
+              <a:rPr lang="en-US" altLang="ko-KR" dirty="0"/>
+              <a:t>,</a:t>
+            </a:r>
+            <a:r>
+              <a:rPr lang="ko-KR" altLang="en-US" dirty="0"/>
+              <a:t> 비은행금융기관인지의 여부(1,2위) 동일하게 가장 높다</a:t>
+            </a:r>
+          </a:p>
+          <a:p>
+            <a:pPr marL="285750" indent="-285750">
+              <a:buFont typeface="Arial" panose="020B0604020202020204" pitchFamily="34" charset="0"/>
+              <a:buChar char="•"/>
+            </a:pPr>
             <a:endParaRPr lang="ko-KR" altLang="en-US" dirty="0"/>
           </a:p>
           <a:p>
+            <a:pPr marL="285750" indent="-285750">
+              <a:buFont typeface="Arial" panose="020B0604020202020204" pitchFamily="34" charset="0"/>
+              <a:buChar char="•"/>
+            </a:pPr>
             <a:endParaRPr lang="ko-KR" altLang="en-US" dirty="0"/>
           </a:p>
           <a:p>
+            <a:pPr marL="285750" indent="-285750">
+              <a:buFont typeface="Arial" panose="020B0604020202020204" pitchFamily="34" charset="0"/>
+              <a:buChar char="•"/>
+            </a:pPr>
             <a:r>
               <a:rPr lang="ko-KR" altLang="en-US" dirty="0"/>
-              <a:t>담보대출용도 거주주택 구입, 가구주 종사상지위</a:t>
+              <a:t>담보대출용도</a:t>
+            </a:r>
+            <a:r>
+              <a:rPr lang="en-US" altLang="ko-KR" dirty="0"/>
+              <a:t>_</a:t>
+            </a:r>
+            <a:r>
+              <a:rPr lang="ko-KR" altLang="en-US" dirty="0"/>
+              <a:t>거주주택 구입, 가구주 종사상 지위</a:t>
             </a:r>
             <a:r>
               <a:rPr lang="en-US" altLang="ko-KR" dirty="0"/>
@@ -20323,23 +22560,21 @@
               <a:rPr lang="ko-KR" altLang="en-US" dirty="0"/>
               <a:t>수도권 여부 크게 중요해짐</a:t>
             </a:r>
+            <a:endParaRPr lang="en-US" altLang="ko-KR" dirty="0"/>
           </a:p>
           <a:p>
+            <a:pPr marL="285750" indent="-285750">
+              <a:buFont typeface="Arial" panose="020B0604020202020204" pitchFamily="34" charset="0"/>
+              <a:buChar char="•"/>
+            </a:pPr>
             <a:endParaRPr lang="ko-KR" altLang="en-US" dirty="0"/>
           </a:p>
           <a:p>
-            <a:r>
-              <a:rPr lang="ko-KR" altLang="en-US" dirty="0"/>
-              <a:t>사업자금 </a:t>
-            </a:r>
-            <a:r>
-              <a:rPr lang="ko-KR" altLang="en-US" dirty="0" err="1"/>
-              <a:t>마련내려가고</a:t>
-            </a:r>
-            <a:r>
-              <a:rPr lang="ko-KR" altLang="en-US" dirty="0"/>
-              <a:t> 거주주택구입 상승</a:t>
-            </a:r>
+            <a:pPr marL="285750" indent="-285750">
+              <a:buFont typeface="Arial" panose="020B0604020202020204" pitchFamily="34" charset="0"/>
+              <a:buChar char="•"/>
+            </a:pPr>
+            <a:endParaRPr lang="ko-KR" altLang="en-US" dirty="0"/>
           </a:p>
         </p:txBody>
       </p:sp>
@@ -20519,7 +22754,7 @@
             </a:r>
             <a:r>
               <a:rPr lang="ko-KR" altLang="en-US" sz="2800" dirty="0"/>
-              <a:t>피처중요도 비교</a:t>
+              <a:t>특징중요도 비교</a:t>
             </a:r>
             <a:r>
               <a:rPr lang="en-US" altLang="ko-KR" sz="2800" dirty="0"/>
@@ -20791,8 +23026,8 @@
         </p:nvSpPr>
         <p:spPr>
           <a:xfrm>
-            <a:off x="660977" y="1199363"/>
-            <a:ext cx="2142153" cy="518532"/>
+            <a:off x="660976" y="1199363"/>
+            <a:ext cx="2160000" cy="540000"/>
           </a:xfrm>
           <a:prstGeom prst="rect">
             <a:avLst/>
@@ -20846,8 +23081,8 @@
         </p:nvSpPr>
         <p:spPr>
           <a:xfrm>
-            <a:off x="6807777" y="1190058"/>
-            <a:ext cx="2142153" cy="518532"/>
+            <a:off x="6807776" y="1190058"/>
+            <a:ext cx="2160000" cy="540000"/>
           </a:xfrm>
           <a:prstGeom prst="rect">
             <a:avLst/>
@@ -22726,14 +24961,6 @@
           <a:p>
             <a:r>
               <a:rPr lang="ko-KR" altLang="en-US" sz="2000" dirty="0"/>
-              <a:t>한계</a:t>
-            </a:r>
-            <a:r>
-              <a:rPr lang="en-US" altLang="ko-KR" sz="2000" dirty="0"/>
-              <a:t>,  </a:t>
-            </a:r>
-            <a:r>
-              <a:rPr lang="ko-KR" altLang="en-US" sz="2000" dirty="0"/>
               <a:t>고려사항</a:t>
             </a:r>
             <a:endParaRPr lang="en-US" altLang="ko-KR" sz="2000" dirty="0"/>
@@ -22775,10 +25002,10 @@
       </p:grpSpPr>
       <p:sp>
         <p:nvSpPr>
-          <p:cNvPr id="14" name="Rectangle 10">
+          <p:cNvPr id="9" name="Rectangle 10">
             <a:extLst>
               <a:ext uri="{FF2B5EF4-FFF2-40B4-BE49-F238E27FC236}">
-                <a16:creationId xmlns:a16="http://schemas.microsoft.com/office/drawing/2014/main" id="{B0F7FEC1-6219-4EF5-841B-C0509D9EC080}"/>
+                <a16:creationId xmlns:a16="http://schemas.microsoft.com/office/drawing/2014/main" id="{51CAE7AA-B72A-4099-B302-2457E914236A}"/>
               </a:ext>
             </a:extLst>
           </p:cNvPr>
@@ -22787,8 +25014,8 @@
         </p:nvSpPr>
         <p:spPr>
           <a:xfrm>
-            <a:off x="476250" y="1360633"/>
-            <a:ext cx="10737850" cy="4587578"/>
+            <a:off x="476250" y="1586104"/>
+            <a:ext cx="11107057" cy="4259256"/>
           </a:xfrm>
           <a:prstGeom prst="rect">
             <a:avLst/>
@@ -22823,7 +25050,7 @@
           <a:lstStyle/>
           <a:p>
             <a:pPr algn="ctr"/>
-            <a:endParaRPr lang="en-US"/>
+            <a:endParaRPr lang="en-US" dirty="0"/>
           </a:p>
         </p:txBody>
       </p:sp>
@@ -22865,11 +25092,11 @@
             </a:r>
             <a:r>
               <a:rPr lang="ko-KR" altLang="en-US" sz="2800" dirty="0"/>
-              <a:t>피처중요도 비교</a:t>
+              <a:t>특징중요도 비교</a:t>
             </a:r>
             <a:r>
               <a:rPr lang="en-US" altLang="ko-KR" sz="2800" dirty="0"/>
-              <a:t> (</a:t>
+              <a:t>(</a:t>
             </a:r>
             <a:r>
               <a:rPr lang="en-US" altLang="ko-KR" sz="2800" dirty="0" err="1"/>
@@ -23089,77 +25316,107 @@
           </a:bodyPr>
           <a:lstStyle/>
           <a:p>
-            <a:pPr marL="0" indent="0">
-              <a:buNone/>
+            <a:pPr>
+              <a:buFont typeface="Arial" panose="020B0604020202020204" pitchFamily="34" charset="0"/>
+              <a:buChar char="•"/>
             </a:pPr>
-            <a:r>
-              <a:rPr lang="ko-KR" altLang="en-US" sz="2000" dirty="0"/>
-              <a:t>대출용도 거주주택마련 크게 상승</a:t>
-            </a:r>
-            <a:endParaRPr lang="en-US" altLang="ko-KR" sz="2000" dirty="0"/>
+            <a:endParaRPr lang="en-US" altLang="ko-KR" sz="1800" dirty="0"/>
           </a:p>
           <a:p>
-            <a:pPr marL="0" indent="0">
-              <a:buNone/>
+            <a:pPr>
+              <a:buFont typeface="Arial" panose="020B0604020202020204" pitchFamily="34" charset="0"/>
+              <a:buChar char="•"/>
             </a:pPr>
             <a:r>
-              <a:rPr lang="ko-KR" altLang="en-US" sz="2000" dirty="0" err="1"/>
-              <a:t>담보대출기관은행여부상승</a:t>
-            </a:r>
-            <a:endParaRPr lang="ko-KR" altLang="en-US" sz="2000" dirty="0"/>
+              <a:rPr lang="ko-KR" altLang="en-US" sz="1800" dirty="0"/>
+              <a:t>대출용도</a:t>
+            </a:r>
+            <a:r>
+              <a:rPr lang="en-US" altLang="ko-KR" sz="1800" dirty="0"/>
+              <a:t>_</a:t>
+            </a:r>
+            <a:r>
+              <a:rPr lang="ko-KR" altLang="en-US" sz="1800" dirty="0"/>
+              <a:t>거주주택 마련 크게 상승</a:t>
+            </a:r>
+            <a:endParaRPr lang="en-US" altLang="ko-KR" sz="1800" dirty="0"/>
           </a:p>
           <a:p>
-            <a:pPr marL="0" indent="0">
-              <a:buNone/>
+            <a:pPr>
+              <a:buFont typeface="Arial" panose="020B0604020202020204" pitchFamily="34" charset="0"/>
+              <a:buChar char="•"/>
             </a:pPr>
-            <a:r>
-              <a:rPr lang="ko-KR" altLang="en-US" sz="2000" dirty="0"/>
-              <a:t>가구주 혼인상태 크게 상승</a:t>
-            </a:r>
+            <a:endParaRPr lang="en-US" altLang="ko-KR" sz="1800" dirty="0"/>
           </a:p>
           <a:p>
-            <a:pPr marL="0" indent="0">
-              <a:buNone/>
+            <a:pPr>
+              <a:buFont typeface="Arial" panose="020B0604020202020204" pitchFamily="34" charset="0"/>
+              <a:buChar char="•"/>
             </a:pPr>
             <a:r>
-              <a:rPr lang="ko-KR" altLang="en-US" sz="2000" dirty="0"/>
-              <a:t>수도권여부 </a:t>
-            </a:r>
-            <a:r>
-              <a:rPr lang="ko-KR" altLang="en-US" sz="2000" dirty="0" err="1"/>
-              <a:t>크게상승</a:t>
-            </a:r>
-            <a:endParaRPr lang="ko-KR" altLang="en-US" sz="2000" dirty="0"/>
+              <a:rPr lang="ko-KR" altLang="en-US" sz="1800" dirty="0"/>
+              <a:t>담보대출기관</a:t>
+            </a:r>
+            <a:r>
+              <a:rPr lang="en-US" altLang="ko-KR" sz="1800" dirty="0"/>
+              <a:t>_</a:t>
+            </a:r>
+            <a:r>
+              <a:rPr lang="ko-KR" altLang="en-US" sz="1800" dirty="0"/>
+              <a:t>은행여부 상승</a:t>
+            </a:r>
+            <a:endParaRPr lang="en-US" altLang="ko-KR" sz="1800" dirty="0"/>
           </a:p>
           <a:p>
-            <a:pPr marL="0" indent="0">
-              <a:buNone/>
+            <a:pPr>
+              <a:buFont typeface="Arial" panose="020B0604020202020204" pitchFamily="34" charset="0"/>
+              <a:buChar char="•"/>
             </a:pPr>
-            <a:r>
-              <a:rPr lang="ko-KR" altLang="en-US" sz="2000" dirty="0"/>
-              <a:t>신용대출용도 생활비 마련 소폭 상승</a:t>
-            </a:r>
+            <a:endParaRPr lang="ko-KR" altLang="en-US" sz="1800" dirty="0"/>
           </a:p>
           <a:p>
-            <a:endParaRPr lang="ko-KR" altLang="en-US" sz="2000" dirty="0"/>
+            <a:pPr>
+              <a:buFont typeface="Arial" panose="020B0604020202020204" pitchFamily="34" charset="0"/>
+              <a:buChar char="•"/>
+            </a:pPr>
+            <a:r>
+              <a:rPr lang="ko-KR" altLang="en-US" sz="1800" dirty="0"/>
+              <a:t>가구주 혼인상태</a:t>
+            </a:r>
+            <a:r>
+              <a:rPr lang="en-US" altLang="ko-KR" sz="1800" dirty="0"/>
+              <a:t>, </a:t>
+            </a:r>
+            <a:r>
+              <a:rPr lang="ko-KR" altLang="en-US" sz="1800" dirty="0"/>
+              <a:t>수도권여부 크게 상승</a:t>
+            </a:r>
+            <a:endParaRPr lang="en-US" altLang="ko-KR" sz="1800" dirty="0"/>
           </a:p>
           <a:p>
-            <a:pPr marL="0" indent="0">
-              <a:buNone/>
+            <a:pPr>
+              <a:buFont typeface="Arial" panose="020B0604020202020204" pitchFamily="34" charset="0"/>
+              <a:buChar char="•"/>
             </a:pPr>
-            <a:r>
-              <a:rPr lang="ko-KR" altLang="en-US" sz="2000" dirty="0" err="1"/>
-              <a:t>가구주종사상지위</a:t>
-            </a:r>
-            <a:r>
-              <a:rPr lang="ko-KR" altLang="en-US" sz="2000" dirty="0"/>
-              <a:t> </a:t>
-            </a:r>
-            <a:r>
-              <a:rPr lang="ko-KR" altLang="en-US" sz="2000" dirty="0" err="1"/>
-              <a:t>비슷</a:t>
-            </a:r>
-            <a:endParaRPr lang="ko-KR" altLang="en-US" sz="2000" dirty="0"/>
+            <a:endParaRPr lang="ko-KR" altLang="en-US" sz="1800" dirty="0"/>
+          </a:p>
+          <a:p>
+            <a:pPr>
+              <a:buFont typeface="Arial" panose="020B0604020202020204" pitchFamily="34" charset="0"/>
+              <a:buChar char="•"/>
+            </a:pPr>
+            <a:r>
+              <a:rPr lang="ko-KR" altLang="en-US" sz="1800" dirty="0"/>
+              <a:t>신용대출용도</a:t>
+            </a:r>
+            <a:r>
+              <a:rPr lang="en-US" altLang="ko-KR" sz="1800" dirty="0"/>
+              <a:t>_</a:t>
+            </a:r>
+            <a:r>
+              <a:rPr lang="ko-KR" altLang="en-US" sz="1800" dirty="0"/>
+              <a:t>생활비 마련 소폭 상승</a:t>
+            </a:r>
           </a:p>
         </p:txBody>
       </p:sp>
@@ -23195,10 +25452,10 @@
       </p:grpSpPr>
       <p:sp>
         <p:nvSpPr>
-          <p:cNvPr id="8" name="Rectangle 7">
+          <p:cNvPr id="14" name="Rectangle 7">
             <a:extLst>
               <a:ext uri="{FF2B5EF4-FFF2-40B4-BE49-F238E27FC236}">
-                <a16:creationId xmlns:a16="http://schemas.microsoft.com/office/drawing/2014/main" id="{9E6847D6-9ACD-4310-825A-949E8CA455F5}"/>
+                <a16:creationId xmlns:a16="http://schemas.microsoft.com/office/drawing/2014/main" id="{28A5B9B5-FD06-449D-AF2D-4C6056C29A39}"/>
               </a:ext>
             </a:extLst>
           </p:cNvPr>
@@ -23207,8 +25464,8 @@
         </p:nvSpPr>
         <p:spPr>
           <a:xfrm>
-            <a:off x="6477330" y="1152648"/>
-            <a:ext cx="5174343" cy="4401205"/>
+            <a:off x="6560458" y="1861208"/>
+            <a:ext cx="5174343" cy="4159163"/>
           </a:xfrm>
           <a:prstGeom prst="rect">
             <a:avLst/>
@@ -23242,189 +25499,11 @@
           <a:bodyPr rtlCol="0" anchor="ctr"/>
           <a:lstStyle/>
           <a:p>
-            <a:pPr algn="ctr"/>
-            <a:r>
-              <a:rPr lang="ko-KR" altLang="en-US" dirty="0">
-                <a:solidFill>
-                  <a:schemeClr val="tx1"/>
-                </a:solidFill>
-              </a:rPr>
-              <a:t>부채상환을 연체하지 않는 가계의 경우 은행을 통하여 담보대출을 받는 비율이 비교적</a:t>
-            </a:r>
-          </a:p>
-          <a:p>
-            <a:pPr algn="just"/>
-            <a:r>
-              <a:rPr lang="ko-KR" altLang="en-US" dirty="0">
-                <a:solidFill>
-                  <a:schemeClr val="tx1"/>
-                </a:solidFill>
-              </a:rPr>
-              <a:t>높았으나 부채상환을 연체하는 가계의 경우 저축은행 혹은 비은행을 통해 신용대출을 받는 비율이 상대적으로 높았다</a:t>
-            </a:r>
-            <a:r>
-              <a:rPr lang="en-US" altLang="ko-KR" dirty="0">
-                <a:solidFill>
-                  <a:schemeClr val="tx1"/>
-                </a:solidFill>
-              </a:rPr>
-              <a:t>. </a:t>
-            </a:r>
-            <a:r>
-              <a:rPr lang="ko-KR" altLang="en-US" dirty="0">
-                <a:solidFill>
-                  <a:schemeClr val="tx1"/>
-                </a:solidFill>
-              </a:rPr>
-              <a:t>비은행대출의 경우에 일반적으로 은행대출보다</a:t>
-            </a:r>
-          </a:p>
-          <a:p>
-            <a:pPr algn="just"/>
-            <a:r>
-              <a:rPr lang="ko-KR" altLang="en-US" dirty="0">
-                <a:solidFill>
-                  <a:schemeClr val="tx1"/>
-                </a:solidFill>
-              </a:rPr>
-              <a:t>높은 이자를 지불해야 한다</a:t>
-            </a:r>
-            <a:r>
-              <a:rPr lang="en-US" altLang="ko-KR" dirty="0">
-                <a:solidFill>
-                  <a:schemeClr val="tx1"/>
-                </a:solidFill>
-              </a:rPr>
-              <a:t>. </a:t>
-            </a:r>
-            <a:r>
-              <a:rPr lang="ko-KR" altLang="en-US" dirty="0">
-                <a:solidFill>
-                  <a:schemeClr val="tx1"/>
-                </a:solidFill>
-              </a:rPr>
-              <a:t>또한 비은행대출을 선택하게 된 이유로 다중채무보유나</a:t>
-            </a:r>
-          </a:p>
-          <a:p>
-            <a:pPr algn="just"/>
-            <a:r>
-              <a:rPr lang="ko-KR" altLang="en-US" dirty="0">
-                <a:solidFill>
-                  <a:schemeClr val="tx1"/>
-                </a:solidFill>
-              </a:rPr>
-              <a:t>신용등급이 낮은 가계일 것이라고 예상된다</a:t>
-            </a:r>
-            <a:r>
-              <a:rPr lang="en-US" altLang="ko-KR" dirty="0">
-                <a:solidFill>
-                  <a:schemeClr val="tx1"/>
-                </a:solidFill>
-              </a:rPr>
-              <a:t>.</a:t>
-            </a:r>
-            <a:r>
-              <a:rPr lang="ko-KR" altLang="en-US" dirty="0">
-                <a:solidFill>
-                  <a:schemeClr val="tx1"/>
-                </a:solidFill>
-              </a:rPr>
-              <a:t>종합적으로 판단해봤을 때 부동산시장의 과열로 내 집 마련을 위해 비은행</a:t>
-            </a:r>
-          </a:p>
-          <a:p>
-            <a:pPr algn="just"/>
-            <a:r>
-              <a:rPr lang="ko-KR" altLang="en-US" dirty="0">
-                <a:solidFill>
-                  <a:schemeClr val="tx1"/>
-                </a:solidFill>
-              </a:rPr>
-              <a:t>금융기관에서까지 주택담보대출을 받으려는 수요가 증가했음을 알 수 있다</a:t>
-            </a:r>
-            <a:r>
-              <a:rPr lang="en-US" altLang="ko-KR" dirty="0">
-                <a:solidFill>
-                  <a:schemeClr val="tx1"/>
-                </a:solidFill>
-              </a:rPr>
-              <a:t>. </a:t>
-            </a:r>
-            <a:r>
-              <a:rPr lang="ko-KR" altLang="en-US" dirty="0">
-                <a:solidFill>
-                  <a:schemeClr val="tx1"/>
-                </a:solidFill>
-              </a:rPr>
-              <a:t>장기적으로</a:t>
-            </a:r>
-          </a:p>
-          <a:p>
-            <a:pPr algn="just"/>
-            <a:r>
-              <a:rPr lang="ko-KR" altLang="en-US" dirty="0">
-                <a:solidFill>
-                  <a:schemeClr val="tx1"/>
-                </a:solidFill>
-              </a:rPr>
-              <a:t>금리가 상승하고 집값이 하락한다면 부채 상환능력이 떨어지는 가계는 더욱 위기에</a:t>
-            </a:r>
-          </a:p>
-          <a:p>
-            <a:pPr algn="just"/>
-            <a:r>
-              <a:rPr lang="ko-KR" altLang="en-US" dirty="0">
-                <a:solidFill>
-                  <a:schemeClr val="tx1"/>
-                </a:solidFill>
-              </a:rPr>
-              <a:t>취약해질 것이다</a:t>
-            </a:r>
-            <a:r>
-              <a:rPr lang="en-US" altLang="ko-KR" dirty="0">
-                <a:solidFill>
-                  <a:schemeClr val="tx1"/>
-                </a:solidFill>
-              </a:rPr>
-              <a:t>. </a:t>
-            </a:r>
-            <a:r>
-              <a:rPr lang="ko-KR" altLang="en-US" dirty="0">
-                <a:solidFill>
-                  <a:schemeClr val="tx1"/>
-                </a:solidFill>
-              </a:rPr>
-              <a:t>그렇기 때문에 정책당국은 </a:t>
-            </a:r>
-            <a:r>
-              <a:rPr lang="en-US" altLang="ko-KR" dirty="0">
-                <a:solidFill>
-                  <a:schemeClr val="tx1"/>
-                </a:solidFill>
-              </a:rPr>
-              <a:t>LTV, DSR </a:t>
-            </a:r>
-            <a:r>
-              <a:rPr lang="ko-KR" altLang="en-US" dirty="0">
-                <a:solidFill>
-                  <a:schemeClr val="tx1"/>
-                </a:solidFill>
-              </a:rPr>
-              <a:t>과 같은 관리지표를 통해 정교한</a:t>
-            </a:r>
-          </a:p>
-          <a:p>
-            <a:pPr algn="just"/>
-            <a:r>
-              <a:rPr lang="ko-KR" altLang="en-US" dirty="0">
-                <a:solidFill>
-                  <a:schemeClr val="tx1"/>
-                </a:solidFill>
-              </a:rPr>
-              <a:t>부동산 관련 정책 및 비은행금융기관 관련 가이드라인을 구축할 필요가 있다</a:t>
-            </a:r>
-            <a:endParaRPr lang="en-US" dirty="0">
+            <a:pPr marL="285750" indent="-285750">
+              <a:buFont typeface="Arial" panose="020B0604020202020204" pitchFamily="34" charset="0"/>
+              <a:buChar char="•"/>
+            </a:pPr>
+            <a:endParaRPr lang="en-US" altLang="ko-KR" dirty="0">
               <a:solidFill>
                 <a:schemeClr val="tx1"/>
               </a:solidFill>
@@ -23434,10 +25513,10 @@
       </p:sp>
       <p:sp>
         <p:nvSpPr>
-          <p:cNvPr id="11" name="Rectangle 10">
+          <p:cNvPr id="15" name="Rectangle 10">
             <a:extLst>
               <a:ext uri="{FF2B5EF4-FFF2-40B4-BE49-F238E27FC236}">
-                <a16:creationId xmlns:a16="http://schemas.microsoft.com/office/drawing/2014/main" id="{21AD8FFB-5C9B-434C-B530-08145EC0DD15}"/>
+                <a16:creationId xmlns:a16="http://schemas.microsoft.com/office/drawing/2014/main" id="{6417AC74-3F50-44B6-AE0D-5DBBE24DF8E9}"/>
               </a:ext>
             </a:extLst>
           </p:cNvPr>
@@ -23446,8 +25525,8 @@
         </p:nvSpPr>
         <p:spPr>
           <a:xfrm>
-            <a:off x="457201" y="1656692"/>
-            <a:ext cx="5174343" cy="4401204"/>
+            <a:off x="457201" y="1884218"/>
+            <a:ext cx="5174343" cy="4173677"/>
           </a:xfrm>
           <a:prstGeom prst="rect">
             <a:avLst/>
@@ -23518,14 +25597,6 @@
               <a:rPr lang="ko-KR" altLang="en-US" sz="2800" dirty="0"/>
               <a:t>결론</a:t>
             </a:r>
-            <a:r>
-              <a:rPr lang="en-US" altLang="ko-KR" sz="2800" dirty="0"/>
-              <a:t>, </a:t>
-            </a:r>
-            <a:r>
-              <a:rPr lang="ko-KR" altLang="en-US" sz="2800" dirty="0"/>
-              <a:t>제언</a:t>
-            </a:r>
           </a:p>
         </p:txBody>
       </p:sp>
@@ -23547,8 +25618,8 @@
         </p:nvSpPr>
         <p:spPr>
           <a:xfrm>
-            <a:off x="740229" y="1864441"/>
-            <a:ext cx="4405086" cy="3413948"/>
+            <a:off x="660976" y="2611206"/>
+            <a:ext cx="4405086" cy="2258054"/>
           </a:xfrm>
         </p:spPr>
         <p:txBody>
@@ -23557,80 +25628,66 @@
           </a:bodyPr>
           <a:lstStyle/>
           <a:p>
-            <a:r>
-              <a:rPr lang="ko-KR" altLang="en-US" sz="2000" dirty="0"/>
+            <a:pPr>
+              <a:buFont typeface="Arial" panose="020B0604020202020204" pitchFamily="34" charset="0"/>
+              <a:buChar char="•"/>
+            </a:pPr>
+            <a:r>
+              <a:rPr lang="ko-KR" altLang="en-US" sz="1800" dirty="0"/>
               <a:t>로지스틱 회귀가 </a:t>
             </a:r>
             <a:r>
-              <a:rPr lang="en-US" altLang="ko-KR" sz="2000" dirty="0"/>
+              <a:rPr lang="en-US" altLang="ko-KR" sz="1800" dirty="0"/>
               <a:t>oversampling</a:t>
             </a:r>
             <a:r>
-              <a:rPr lang="ko-KR" altLang="en-US" sz="2000" dirty="0"/>
-              <a:t>에 가장 민감하게 반응했다</a:t>
-            </a:r>
-            <a:r>
-              <a:rPr lang="en-US" altLang="ko-KR" sz="2000" dirty="0"/>
-              <a:t>, </a:t>
-            </a:r>
-            <a:r>
-              <a:rPr lang="ko-KR" altLang="en-US" sz="2000" dirty="0"/>
-              <a:t>가장우수한알고리즘</a:t>
-            </a:r>
+              <a:rPr lang="ko-KR" altLang="en-US" sz="1800" dirty="0"/>
+              <a:t>에 가장 민감하게 반응 및 좋은 성능</a:t>
+            </a:r>
+            <a:endParaRPr lang="en-US" altLang="ko-KR" sz="1800" dirty="0"/>
           </a:p>
           <a:p>
-            <a:r>
-              <a:rPr lang="ko-KR" altLang="en-US" sz="2000" dirty="0" err="1"/>
-              <a:t>재현율</a:t>
-            </a:r>
-            <a:r>
-              <a:rPr lang="ko-KR" altLang="en-US" sz="2000" dirty="0"/>
-              <a:t> </a:t>
-            </a:r>
-            <a:r>
-              <a:rPr lang="en-US" altLang="ko-KR" sz="2000" dirty="0"/>
-              <a:t>AUC</a:t>
-            </a:r>
-            <a:r>
-              <a:rPr lang="ko-KR" altLang="en-US" sz="2000" dirty="0"/>
-              <a:t>가장 </a:t>
-            </a:r>
-            <a:r>
-              <a:rPr lang="ko-KR" altLang="en-US" sz="2000" dirty="0" err="1"/>
-              <a:t>크게증가하여</a:t>
-            </a:r>
-            <a:r>
-              <a:rPr lang="ko-KR" altLang="en-US" sz="2000" dirty="0"/>
-              <a:t> </a:t>
-            </a:r>
-            <a:r>
-              <a:rPr lang="ko-KR" altLang="en-US" sz="2000" dirty="0" err="1"/>
-              <a:t>균형잡힌</a:t>
-            </a:r>
-            <a:r>
-              <a:rPr lang="ko-KR" altLang="en-US" sz="2000" dirty="0"/>
-              <a:t> 모델</a:t>
-            </a:r>
+            <a:pPr marL="0" indent="0">
+              <a:buNone/>
+            </a:pPr>
+            <a:endParaRPr lang="en-US" altLang="ko-KR" sz="1800" dirty="0"/>
           </a:p>
           <a:p>
-            <a:endParaRPr lang="en-US" altLang="ko-KR" sz="2000" dirty="0"/>
+            <a:pPr>
+              <a:buFont typeface="Arial" panose="020B0604020202020204" pitchFamily="34" charset="0"/>
+              <a:buChar char="•"/>
+            </a:pPr>
+            <a:r>
+              <a:rPr lang="ko-KR" altLang="en-US" sz="1800" dirty="0"/>
+              <a:t>비은행금융기관에서 담보대출을 받았는지 여부</a:t>
+            </a:r>
+            <a:endParaRPr lang="en-US" altLang="ko-KR" sz="1800" dirty="0"/>
           </a:p>
           <a:p>
-            <a:r>
-              <a:rPr lang="ko-KR" altLang="en-US" sz="2000" dirty="0"/>
-              <a:t>비은행금융기관에서 담보대출을 받았는지 여부가</a:t>
-            </a:r>
-            <a:endParaRPr lang="en-US" altLang="ko-KR" sz="2000" dirty="0"/>
+            <a:pPr>
+              <a:buFont typeface="Arial" panose="020B0604020202020204" pitchFamily="34" charset="0"/>
+              <a:buChar char="•"/>
+            </a:pPr>
+            <a:endParaRPr lang="en-US" altLang="ko-KR" sz="1800" dirty="0"/>
           </a:p>
           <a:p>
-            <a:endParaRPr lang="en-US" altLang="ko-KR" sz="2000" dirty="0"/>
-          </a:p>
-          <a:p>
-            <a:r>
-              <a:rPr lang="ko-KR" altLang="en-US" sz="2000" dirty="0"/>
-              <a:t>거주주택 구입 욕구 커짐</a:t>
-            </a:r>
-            <a:endParaRPr lang="en-US" altLang="ko-KR" sz="2000" dirty="0"/>
+            <a:pPr>
+              <a:buFont typeface="Arial" panose="020B0604020202020204" pitchFamily="34" charset="0"/>
+              <a:buChar char="•"/>
+            </a:pPr>
+            <a:r>
+              <a:rPr lang="ko-KR" altLang="en-US" sz="1800" dirty="0"/>
+              <a:t>담보대출 거주주택 구입</a:t>
+            </a:r>
+            <a:r>
+              <a:rPr lang="en-US" altLang="ko-KR" sz="1800" dirty="0"/>
+              <a:t>, </a:t>
+            </a:r>
+            <a:r>
+              <a:rPr lang="ko-KR" altLang="en-US" sz="1800" dirty="0"/>
+              <a:t>수도권 여부 </a:t>
+            </a:r>
+            <a:endParaRPr lang="en-US" altLang="ko-KR" sz="1800" dirty="0"/>
           </a:p>
         </p:txBody>
       </p:sp>
@@ -23812,6 +25869,264 @@
           </a:fontRef>
         </p:style>
       </p:cxnSp>
+      <p:sp>
+        <p:nvSpPr>
+          <p:cNvPr id="12" name="Rectangle 10">
+            <a:extLst>
+              <a:ext uri="{FF2B5EF4-FFF2-40B4-BE49-F238E27FC236}">
+                <a16:creationId xmlns:a16="http://schemas.microsoft.com/office/drawing/2014/main" id="{5AC3A999-0F79-4F59-ABCD-C91A8EEF06EB}"/>
+              </a:ext>
+            </a:extLst>
+          </p:cNvPr>
+          <p:cNvSpPr/>
+          <p:nvPr/>
+        </p:nvSpPr>
+        <p:spPr>
+          <a:xfrm>
+            <a:off x="660976" y="1448741"/>
+            <a:ext cx="2160000" cy="540000"/>
+          </a:xfrm>
+          <a:prstGeom prst="rect">
+            <a:avLst/>
+          </a:prstGeom>
+          <a:solidFill>
+            <a:srgbClr val="102747"/>
+          </a:solidFill>
+          <a:ln>
+            <a:noFill/>
+          </a:ln>
+        </p:spPr>
+        <p:style>
+          <a:lnRef idx="2">
+            <a:schemeClr val="accent1">
+              <a:shade val="50000"/>
+            </a:schemeClr>
+          </a:lnRef>
+          <a:fillRef idx="1">
+            <a:schemeClr val="accent1"/>
+          </a:fillRef>
+          <a:effectRef idx="0">
+            <a:schemeClr val="accent1"/>
+          </a:effectRef>
+          <a:fontRef idx="minor">
+            <a:schemeClr val="lt1"/>
+          </a:fontRef>
+        </p:style>
+        <p:txBody>
+          <a:bodyPr rtlCol="0" anchor="ctr"/>
+          <a:lstStyle/>
+          <a:p>
+            <a:pPr algn="ctr"/>
+            <a:r>
+              <a:rPr lang="ko-KR" altLang="en-US" dirty="0"/>
+              <a:t>결론</a:t>
+            </a:r>
+            <a:endParaRPr lang="en-US" dirty="0"/>
+          </a:p>
+        </p:txBody>
+      </p:sp>
+      <p:sp>
+        <p:nvSpPr>
+          <p:cNvPr id="13" name="Rectangle 10">
+            <a:extLst>
+              <a:ext uri="{FF2B5EF4-FFF2-40B4-BE49-F238E27FC236}">
+                <a16:creationId xmlns:a16="http://schemas.microsoft.com/office/drawing/2014/main" id="{E2D2E537-E03C-460F-802B-0A50F3BA4A7B}"/>
+              </a:ext>
+            </a:extLst>
+          </p:cNvPr>
+          <p:cNvSpPr/>
+          <p:nvPr/>
+        </p:nvSpPr>
+        <p:spPr>
+          <a:xfrm>
+            <a:off x="6780458" y="1456966"/>
+            <a:ext cx="2160000" cy="540000"/>
+          </a:xfrm>
+          <a:prstGeom prst="rect">
+            <a:avLst/>
+          </a:prstGeom>
+          <a:solidFill>
+            <a:srgbClr val="102747"/>
+          </a:solidFill>
+          <a:ln>
+            <a:noFill/>
+          </a:ln>
+        </p:spPr>
+        <p:style>
+          <a:lnRef idx="2">
+            <a:schemeClr val="accent1">
+              <a:shade val="50000"/>
+            </a:schemeClr>
+          </a:lnRef>
+          <a:fillRef idx="1">
+            <a:schemeClr val="accent1"/>
+          </a:fillRef>
+          <a:effectRef idx="0">
+            <a:schemeClr val="accent1"/>
+          </a:effectRef>
+          <a:fontRef idx="minor">
+            <a:schemeClr val="lt1"/>
+          </a:fontRef>
+        </p:style>
+        <p:txBody>
+          <a:bodyPr rtlCol="0" anchor="ctr"/>
+          <a:lstStyle/>
+          <a:p>
+            <a:pPr algn="ctr"/>
+            <a:r>
+              <a:rPr lang="ko-KR" altLang="en-US" dirty="0"/>
+              <a:t>제언</a:t>
+            </a:r>
+            <a:endParaRPr lang="en-US" dirty="0"/>
+          </a:p>
+        </p:txBody>
+      </p:sp>
+      <p:sp>
+        <p:nvSpPr>
+          <p:cNvPr id="5" name="TextBox 4">
+            <a:extLst>
+              <a:ext uri="{FF2B5EF4-FFF2-40B4-BE49-F238E27FC236}">
+                <a16:creationId xmlns:a16="http://schemas.microsoft.com/office/drawing/2014/main" id="{930049B2-4776-4966-991F-7687ADED342B}"/>
+              </a:ext>
+            </a:extLst>
+          </p:cNvPr>
+          <p:cNvSpPr txBox="1"/>
+          <p:nvPr/>
+        </p:nvSpPr>
+        <p:spPr>
+          <a:xfrm>
+            <a:off x="6752433" y="2611206"/>
+            <a:ext cx="4593854" cy="2308324"/>
+          </a:xfrm>
+          <a:prstGeom prst="rect">
+            <a:avLst/>
+          </a:prstGeom>
+          <a:noFill/>
+        </p:spPr>
+        <p:txBody>
+          <a:bodyPr wrap="square" rtlCol="0">
+            <a:spAutoFit/>
+          </a:bodyPr>
+          <a:lstStyle/>
+          <a:p>
+            <a:pPr marL="285750" indent="-285750">
+              <a:buFont typeface="Arial" panose="020B0604020202020204" pitchFamily="34" charset="0"/>
+              <a:buChar char="•"/>
+            </a:pPr>
+            <a:r>
+              <a:rPr lang="ko-KR" altLang="en-US" dirty="0">
+                <a:solidFill>
+                  <a:schemeClr val="tx1"/>
+                </a:solidFill>
+              </a:rPr>
+              <a:t>비은행대출을 받는 가계 특징</a:t>
+            </a:r>
+            <a:endParaRPr lang="en-US" altLang="ko-KR" dirty="0">
+              <a:solidFill>
+                <a:schemeClr val="tx1"/>
+              </a:solidFill>
+            </a:endParaRPr>
+          </a:p>
+          <a:p>
+            <a:pPr marL="285750" indent="-285750">
+              <a:buFont typeface="Arial" panose="020B0604020202020204" pitchFamily="34" charset="0"/>
+              <a:buChar char="•"/>
+            </a:pPr>
+            <a:endParaRPr lang="en-US" altLang="ko-KR" dirty="0">
+              <a:solidFill>
+                <a:schemeClr val="tx1"/>
+              </a:solidFill>
+            </a:endParaRPr>
+          </a:p>
+          <a:p>
+            <a:pPr marL="285750" indent="-285750">
+              <a:buFont typeface="Arial" panose="020B0604020202020204" pitchFamily="34" charset="0"/>
+              <a:buChar char="•"/>
+            </a:pPr>
+            <a:endParaRPr lang="en-US" altLang="ko-KR" dirty="0">
+              <a:solidFill>
+                <a:schemeClr val="tx1"/>
+              </a:solidFill>
+            </a:endParaRPr>
+          </a:p>
+          <a:p>
+            <a:pPr marL="285750" indent="-285750">
+              <a:buFont typeface="Arial" panose="020B0604020202020204" pitchFamily="34" charset="0"/>
+              <a:buChar char="•"/>
+            </a:pPr>
+            <a:r>
+              <a:rPr lang="ko-KR" altLang="en-US" dirty="0">
+                <a:solidFill>
+                  <a:schemeClr val="tx1"/>
+                </a:solidFill>
+              </a:rPr>
+              <a:t>부동산시장과열</a:t>
+            </a:r>
+            <a:r>
+              <a:rPr lang="en-US" altLang="ko-KR" dirty="0">
+                <a:solidFill>
+                  <a:schemeClr val="tx1"/>
+                </a:solidFill>
+              </a:rPr>
+              <a:t>, </a:t>
+            </a:r>
+            <a:r>
+              <a:rPr lang="ko-KR" altLang="en-US" dirty="0">
+                <a:solidFill>
+                  <a:schemeClr val="tx1"/>
+                </a:solidFill>
+              </a:rPr>
+              <a:t>거주주택 수요 급증</a:t>
+            </a:r>
+            <a:endParaRPr lang="en-US" altLang="ko-KR" dirty="0">
+              <a:solidFill>
+                <a:schemeClr val="tx1"/>
+              </a:solidFill>
+            </a:endParaRPr>
+          </a:p>
+          <a:p>
+            <a:pPr marL="285750" indent="-285750">
+              <a:buFont typeface="Arial" panose="020B0604020202020204" pitchFamily="34" charset="0"/>
+              <a:buChar char="•"/>
+            </a:pPr>
+            <a:endParaRPr lang="en-US" altLang="ko-KR" dirty="0">
+              <a:solidFill>
+                <a:schemeClr val="tx1"/>
+              </a:solidFill>
+            </a:endParaRPr>
+          </a:p>
+          <a:p>
+            <a:pPr marL="285750" indent="-285750">
+              <a:buFont typeface="Arial" panose="020B0604020202020204" pitchFamily="34" charset="0"/>
+              <a:buChar char="•"/>
+            </a:pPr>
+            <a:endParaRPr lang="en-US" altLang="ko-KR" dirty="0">
+              <a:solidFill>
+                <a:schemeClr val="tx1"/>
+              </a:solidFill>
+            </a:endParaRPr>
+          </a:p>
+          <a:p>
+            <a:pPr marL="285750" indent="-285750">
+              <a:buFont typeface="Arial" panose="020B0604020202020204" pitchFamily="34" charset="0"/>
+              <a:buChar char="•"/>
+            </a:pPr>
+            <a:r>
+              <a:rPr lang="ko-KR" altLang="en-US" dirty="0">
+                <a:solidFill>
+                  <a:schemeClr val="tx1"/>
+                </a:solidFill>
+              </a:rPr>
+              <a:t>정교한 부동산 정책 및 비은행금융기관 관련 가이드라인 구축</a:t>
+            </a:r>
+            <a:endParaRPr lang="en-US" altLang="ko-KR" dirty="0">
+              <a:solidFill>
+                <a:schemeClr val="tx1"/>
+              </a:solidFill>
+            </a:endParaRPr>
+          </a:p>
+        </p:txBody>
+      </p:sp>
     </p:spTree>
     <p:extLst>
       <p:ext uri="{BB962C8B-B14F-4D97-AF65-F5344CB8AC3E}">
@@ -23968,7 +26283,7 @@
         </p:nvSpPr>
         <p:spPr>
           <a:xfrm>
-            <a:off x="476250" y="365125"/>
+            <a:off x="476250" y="217487"/>
             <a:ext cx="11258550" cy="701675"/>
           </a:xfrm>
         </p:spPr>
@@ -23979,15 +26294,7 @@
           <a:lstStyle/>
           <a:p>
             <a:r>
-              <a:rPr lang="ko-KR" altLang="en-US" sz="2800" dirty="0"/>
-              <a:t>한계</a:t>
-            </a:r>
-            <a:r>
-              <a:rPr lang="en-US" altLang="ko-KR" sz="2800" dirty="0"/>
-              <a:t>, </a:t>
-            </a:r>
-            <a:r>
-              <a:rPr lang="ko-KR" altLang="en-US" sz="2800" dirty="0"/>
+              <a:rPr lang="ko-KR" altLang="en-US" sz="2800"/>
               <a:t>고려사항</a:t>
             </a:r>
             <a:r>
@@ -24015,8 +26322,8 @@
         </p:nvSpPr>
         <p:spPr>
           <a:xfrm>
-            <a:off x="758702" y="2203023"/>
-            <a:ext cx="4405086" cy="1900713"/>
+            <a:off x="841829" y="2764681"/>
+            <a:ext cx="4405086" cy="3199530"/>
           </a:xfrm>
         </p:spPr>
         <p:txBody>
@@ -24025,31 +26332,75 @@
           </a:bodyPr>
           <a:lstStyle/>
           <a:p>
-            <a:r>
-              <a:rPr lang="ko-KR" altLang="en-US" sz="2000" dirty="0"/>
-              <a:t>정밀도 및  </a:t>
-            </a:r>
-            <a:r>
-              <a:rPr lang="en-US" altLang="ko-KR" sz="2000" dirty="0"/>
-              <a:t>F1 Score</a:t>
-            </a:r>
-            <a:r>
-              <a:rPr lang="ko-KR" altLang="en-US" sz="2000" dirty="0"/>
-              <a:t>가 너무 낮다</a:t>
-            </a:r>
+            <a:pPr>
+              <a:buFont typeface="Arial" panose="020B0604020202020204" pitchFamily="34" charset="0"/>
+              <a:buChar char="•"/>
+            </a:pPr>
+            <a:r>
+              <a:rPr lang="ko-KR" altLang="en-US" sz="1800" dirty="0"/>
+              <a:t>데이터에 대한 이해 및 모델 설계의 정확성</a:t>
+            </a:r>
+            <a:endParaRPr lang="en-US" altLang="ko-KR" sz="1800" dirty="0"/>
           </a:p>
           <a:p>
-            <a:endParaRPr lang="en-US" altLang="ko-KR" sz="2000" dirty="0"/>
+            <a:pPr marL="0" indent="0">
+              <a:buNone/>
+            </a:pPr>
+            <a:endParaRPr lang="en-US" altLang="ko-KR" sz="1800" dirty="0"/>
           </a:p>
           <a:p>
-            <a:r>
-              <a:rPr lang="ko-KR" altLang="en-US" sz="2000" dirty="0"/>
-              <a:t>연구 설계가 정확한가</a:t>
-            </a:r>
-            <a:r>
-              <a:rPr lang="en-US" altLang="ko-KR" sz="2000" dirty="0"/>
-              <a:t>?</a:t>
-            </a:r>
+            <a:pPr>
+              <a:buFont typeface="Arial" panose="020B0604020202020204" pitchFamily="34" charset="0"/>
+              <a:buChar char="•"/>
+            </a:pPr>
+            <a:r>
+              <a:rPr lang="ko-KR" altLang="en-US" sz="1800" dirty="0"/>
+              <a:t>부실가계 기준 및 그에 따른 </a:t>
+            </a:r>
+            <a:r>
+              <a:rPr lang="en-US" altLang="ko-KR" sz="1800" dirty="0"/>
+              <a:t>EDA </a:t>
+            </a:r>
+          </a:p>
+          <a:p>
+            <a:pPr>
+              <a:buFont typeface="Arial" panose="020B0604020202020204" pitchFamily="34" charset="0"/>
+              <a:buChar char="•"/>
+            </a:pPr>
+            <a:endParaRPr lang="en-US" altLang="ko-KR" sz="1800" dirty="0"/>
+          </a:p>
+          <a:p>
+            <a:pPr>
+              <a:buFont typeface="Arial" panose="020B0604020202020204" pitchFamily="34" charset="0"/>
+              <a:buChar char="•"/>
+            </a:pPr>
+            <a:r>
+              <a:rPr lang="ko-KR" altLang="en-US" sz="1800" dirty="0"/>
+              <a:t>정밀도</a:t>
+            </a:r>
+            <a:r>
+              <a:rPr lang="en-US" altLang="ko-KR" sz="1800" dirty="0"/>
+              <a:t>(Precision)</a:t>
+            </a:r>
+            <a:r>
+              <a:rPr lang="ko-KR" altLang="en-US" sz="1800" dirty="0"/>
+              <a:t> 및  </a:t>
+            </a:r>
+            <a:r>
+              <a:rPr lang="en-US" altLang="ko-KR" sz="1800" dirty="0"/>
+              <a:t>F1 Score </a:t>
+            </a:r>
+            <a:r>
+              <a:rPr lang="ko-KR" altLang="en-US" sz="1800" dirty="0"/>
+              <a:t>낮음</a:t>
+            </a:r>
+          </a:p>
+          <a:p>
+            <a:pPr>
+              <a:buFont typeface="Arial" panose="020B0604020202020204" pitchFamily="34" charset="0"/>
+              <a:buChar char="•"/>
+            </a:pPr>
+            <a:endParaRPr lang="en-US" altLang="ko-KR" sz="1800" dirty="0"/>
           </a:p>
           <a:p>
             <a:endParaRPr lang="en-US" altLang="ko-KR" sz="2000" dirty="0"/>
@@ -24253,8 +26604,8 @@
         </p:nvSpPr>
         <p:spPr>
           <a:xfrm>
-            <a:off x="6809014" y="1884218"/>
-            <a:ext cx="4405086" cy="3847207"/>
+            <a:off x="6945085" y="1930400"/>
+            <a:ext cx="4405086" cy="3139321"/>
           </a:xfrm>
           <a:prstGeom prst="rect">
             <a:avLst/>
@@ -24451,7 +26802,7 @@
             </a:lvl9pPr>
           </a:lstStyle>
           <a:p>
-            <a:pPr marL="0" indent="0" algn="ctr">
+            <a:pPr>
               <a:lnSpc>
                 <a:spcPct val="100000"/>
               </a:lnSpc>
@@ -24461,13 +26812,13 @@
               <a:spcAft>
                 <a:spcPts val="1200"/>
               </a:spcAft>
-              <a:buFont typeface="Garamond" panose="02020404030301010803" pitchFamily="18" charset="0"/>
-              <a:buNone/>
+              <a:buFont typeface="Arial" panose="020B0604020202020204" pitchFamily="34" charset="0"/>
+              <a:buChar char="•"/>
             </a:pPr>
             <a:endParaRPr lang="ko-KR" altLang="en-US" sz="1800" dirty="0"/>
           </a:p>
           <a:p>
-            <a:pPr marL="0" indent="0" algn="ctr">
+            <a:pPr>
               <a:lnSpc>
                 <a:spcPct val="100000"/>
               </a:lnSpc>
@@ -24477,20 +26828,13 @@
               <a:spcAft>
                 <a:spcPts val="1200"/>
               </a:spcAft>
-              <a:buFont typeface="Garamond" panose="02020404030301010803" pitchFamily="18" charset="0"/>
-              <a:buNone/>
+              <a:buFont typeface="Arial" panose="020B0604020202020204" pitchFamily="34" charset="0"/>
+              <a:buChar char="•"/>
             </a:pPr>
-            <a:r>
-              <a:rPr lang="ko-KR" altLang="en-US" sz="1800" dirty="0" err="1"/>
-              <a:t>전처리</a:t>
-            </a:r>
-            <a:r>
-              <a:rPr lang="ko-KR" altLang="en-US" sz="1800" dirty="0"/>
-              <a:t> 데이터구조</a:t>
-            </a:r>
+            <a:endParaRPr lang="ko-KR" altLang="en-US" sz="1800" dirty="0"/>
           </a:p>
           <a:p>
-            <a:pPr marL="0" indent="0" algn="ctr">
+            <a:pPr>
               <a:lnSpc>
                 <a:spcPct val="100000"/>
               </a:lnSpc>
@@ -24500,13 +26844,25 @@
               <a:spcAft>
                 <a:spcPts val="1200"/>
               </a:spcAft>
-              <a:buFont typeface="Garamond" panose="02020404030301010803" pitchFamily="18" charset="0"/>
-              <a:buNone/>
+              <a:buFont typeface="Arial" panose="020B0604020202020204" pitchFamily="34" charset="0"/>
+              <a:buChar char="•"/>
             </a:pPr>
-            <a:endParaRPr lang="ko-KR" altLang="en-US" sz="1800" dirty="0"/>
+            <a:r>
+              <a:rPr lang="ko-KR" altLang="en-US" sz="1800" dirty="0"/>
+              <a:t>피처 중요도에 따른 </a:t>
+            </a:r>
+            <a:r>
+              <a:rPr lang="ko-KR" altLang="en-US" sz="1800" dirty="0" err="1"/>
+              <a:t>특징값들에</a:t>
+            </a:r>
+            <a:r>
+              <a:rPr lang="ko-KR" altLang="en-US" sz="1800" dirty="0"/>
+              <a:t> 가중치 적용하여 학습</a:t>
+            </a:r>
+            <a:endParaRPr lang="en-US" altLang="ko-KR" sz="1800" dirty="0"/>
           </a:p>
           <a:p>
-            <a:pPr marL="0" indent="0" algn="ctr">
+            <a:pPr>
               <a:lnSpc>
                 <a:spcPct val="100000"/>
               </a:lnSpc>
@@ -24516,24 +26872,13 @@
               <a:spcAft>
                 <a:spcPts val="1200"/>
               </a:spcAft>
-              <a:buFont typeface="Garamond" panose="02020404030301010803" pitchFamily="18" charset="0"/>
-              <a:buNone/>
+              <a:buFont typeface="Arial" panose="020B0604020202020204" pitchFamily="34" charset="0"/>
+              <a:buChar char="•"/>
             </a:pPr>
-            <a:r>
-              <a:rPr lang="ko-KR" altLang="en-US" sz="1800" dirty="0"/>
-              <a:t>피처 중요도에 따른 </a:t>
-            </a:r>
-            <a:r>
-              <a:rPr lang="ko-KR" altLang="en-US" sz="1800" dirty="0" err="1"/>
-              <a:t>특징값들에</a:t>
-            </a:r>
-            <a:r>
-              <a:rPr lang="ko-KR" altLang="en-US" sz="1800" dirty="0"/>
-              <a:t> 가중치 적용하여 학습</a:t>
-            </a:r>
+            <a:endParaRPr lang="en-US" altLang="ko-KR" sz="1800" dirty="0"/>
           </a:p>
           <a:p>
-            <a:pPr marL="0" indent="0" algn="ctr">
+            <a:pPr>
               <a:lnSpc>
                 <a:spcPct val="100000"/>
               </a:lnSpc>
@@ -24543,13 +26888,28 @@
               <a:spcAft>
                 <a:spcPts val="1200"/>
               </a:spcAft>
-              <a:buFont typeface="Garamond" panose="02020404030301010803" pitchFamily="18" charset="0"/>
-              <a:buNone/>
+              <a:buFont typeface="Arial" panose="020B0604020202020204" pitchFamily="34" charset="0"/>
+              <a:buChar char="•"/>
             </a:pPr>
-            <a:endParaRPr lang="ko-KR" altLang="en-US" sz="1800" dirty="0"/>
+            <a:r>
+              <a:rPr lang="ko-KR" altLang="en-US" sz="1800" dirty="0" err="1"/>
+              <a:t>오버샘플링</a:t>
+            </a:r>
+            <a:r>
+              <a:rPr lang="en-US" altLang="ko-KR" sz="1800" dirty="0"/>
+              <a:t>, </a:t>
+            </a:r>
+            <a:r>
+              <a:rPr lang="ko-KR" altLang="en-US" sz="1800" dirty="0" err="1"/>
+              <a:t>다운샘플링</a:t>
+            </a:r>
+            <a:r>
+              <a:rPr lang="ko-KR" altLang="en-US" sz="1800" dirty="0"/>
+              <a:t> 방법</a:t>
+            </a:r>
           </a:p>
           <a:p>
-            <a:pPr marL="0" indent="0" algn="ctr">
+            <a:pPr marL="0" indent="0">
               <a:lnSpc>
                 <a:spcPct val="100000"/>
               </a:lnSpc>
@@ -24559,25 +26919,12 @@
               <a:spcAft>
                 <a:spcPts val="1200"/>
               </a:spcAft>
-              <a:buFont typeface="Garamond" panose="02020404030301010803" pitchFamily="18" charset="0"/>
               <a:buNone/>
             </a:pPr>
-            <a:r>
-              <a:rPr lang="ko-KR" altLang="en-US" sz="1800" dirty="0"/>
-              <a:t>부실가계 기준 및 그에 따른 </a:t>
-            </a:r>
-            <a:r>
-              <a:rPr lang="en-US" altLang="ko-KR" sz="1800" dirty="0"/>
-              <a:t>EDA</a:t>
-            </a:r>
-            <a:r>
-              <a:rPr lang="ko-KR" altLang="en-US" sz="1800" dirty="0"/>
-              <a:t>세부적으로</a:t>
-            </a:r>
-            <a:endParaRPr lang="en-US" altLang="ko-KR" sz="1800" dirty="0"/>
+            <a:endParaRPr lang="ko-KR" altLang="en-US" sz="1800" dirty="0"/>
           </a:p>
           <a:p>
-            <a:pPr marL="0" indent="0" algn="ctr">
+            <a:pPr>
               <a:lnSpc>
                 <a:spcPct val="100000"/>
               </a:lnSpc>
@@ -24587,33 +26934,125 @@
               <a:spcAft>
                 <a:spcPts val="1200"/>
               </a:spcAft>
-              <a:buFont typeface="Garamond" panose="02020404030301010803" pitchFamily="18" charset="0"/>
-              <a:buNone/>
+              <a:buFont typeface="Arial" panose="020B0604020202020204" pitchFamily="34" charset="0"/>
+              <a:buChar char="•"/>
             </a:pPr>
-            <a:endParaRPr lang="ko-KR" altLang="en-US" sz="1800" dirty="0"/>
+            <a:r>
+              <a:rPr lang="ko-KR" altLang="en-US" sz="1800" dirty="0"/>
+              <a:t>차원축소 적용</a:t>
+            </a:r>
           </a:p>
+        </p:txBody>
+      </p:sp>
+      <p:sp>
+        <p:nvSpPr>
+          <p:cNvPr id="12" name="Rectangle 10">
+            <a:extLst>
+              <a:ext uri="{FF2B5EF4-FFF2-40B4-BE49-F238E27FC236}">
+                <a16:creationId xmlns:a16="http://schemas.microsoft.com/office/drawing/2014/main" id="{3485FD57-4F39-4C61-B083-CB99E91E2588}"/>
+              </a:ext>
+            </a:extLst>
+          </p:cNvPr>
+          <p:cNvSpPr/>
+          <p:nvPr/>
+        </p:nvSpPr>
+        <p:spPr>
+          <a:xfrm>
+            <a:off x="660976" y="1504159"/>
+            <a:ext cx="2160000" cy="540000"/>
+          </a:xfrm>
+          <a:prstGeom prst="rect">
+            <a:avLst/>
+          </a:prstGeom>
+          <a:solidFill>
+            <a:srgbClr val="102747"/>
+          </a:solidFill>
+          <a:ln>
+            <a:noFill/>
+          </a:ln>
+        </p:spPr>
+        <p:style>
+          <a:lnRef idx="2">
+            <a:schemeClr val="accent1">
+              <a:shade val="50000"/>
+            </a:schemeClr>
+          </a:lnRef>
+          <a:fillRef idx="1">
+            <a:schemeClr val="accent1"/>
+          </a:fillRef>
+          <a:effectRef idx="0">
+            <a:schemeClr val="accent1"/>
+          </a:effectRef>
+          <a:fontRef idx="minor">
+            <a:schemeClr val="lt1"/>
+          </a:fontRef>
+        </p:style>
+        <p:txBody>
+          <a:bodyPr rtlCol="0" anchor="ctr"/>
+          <a:lstStyle/>
           <a:p>
-            <a:pPr marL="0" indent="0" algn="ctr">
-              <a:lnSpc>
-                <a:spcPct val="100000"/>
-              </a:lnSpc>
-              <a:spcBef>
-                <a:spcPts val="0"/>
-              </a:spcBef>
-              <a:spcAft>
-                <a:spcPts val="1200"/>
-              </a:spcAft>
-              <a:buFont typeface="Garamond" panose="02020404030301010803" pitchFamily="18" charset="0"/>
-              <a:buNone/>
-            </a:pPr>
-            <a:r>
-              <a:rPr lang="en-US" altLang="ko-KR" sz="1800" dirty="0"/>
-              <a:t>PCA</a:t>
-            </a:r>
-            <a:r>
-              <a:rPr lang="ko-KR" altLang="en-US" sz="1800" dirty="0"/>
-              <a:t>적용</a:t>
-            </a:r>
+            <a:pPr algn="ctr"/>
+            <a:r>
+              <a:rPr lang="ko-KR" altLang="en-US" dirty="0"/>
+              <a:t>한계</a:t>
+            </a:r>
+            <a:endParaRPr lang="en-US" dirty="0"/>
+          </a:p>
+        </p:txBody>
+      </p:sp>
+      <p:sp>
+        <p:nvSpPr>
+          <p:cNvPr id="13" name="Rectangle 10">
+            <a:extLst>
+              <a:ext uri="{FF2B5EF4-FFF2-40B4-BE49-F238E27FC236}">
+                <a16:creationId xmlns:a16="http://schemas.microsoft.com/office/drawing/2014/main" id="{BBC81C6A-B710-4A5B-8A79-C7BD33F78CE4}"/>
+              </a:ext>
+            </a:extLst>
+          </p:cNvPr>
+          <p:cNvSpPr/>
+          <p:nvPr/>
+        </p:nvSpPr>
+        <p:spPr>
+          <a:xfrm>
+            <a:off x="6789695" y="1512384"/>
+            <a:ext cx="2160000" cy="540000"/>
+          </a:xfrm>
+          <a:prstGeom prst="rect">
+            <a:avLst/>
+          </a:prstGeom>
+          <a:solidFill>
+            <a:srgbClr val="102747"/>
+          </a:solidFill>
+          <a:ln>
+            <a:noFill/>
+          </a:ln>
+        </p:spPr>
+        <p:style>
+          <a:lnRef idx="2">
+            <a:schemeClr val="accent1">
+              <a:shade val="50000"/>
+            </a:schemeClr>
+          </a:lnRef>
+          <a:fillRef idx="1">
+            <a:schemeClr val="accent1"/>
+          </a:fillRef>
+          <a:effectRef idx="0">
+            <a:schemeClr val="accent1"/>
+          </a:effectRef>
+          <a:fontRef idx="minor">
+            <a:schemeClr val="lt1"/>
+          </a:fontRef>
+        </p:style>
+        <p:txBody>
+          <a:bodyPr rtlCol="0" anchor="ctr"/>
+          <a:lstStyle/>
+          <a:p>
+            <a:pPr algn="ctr"/>
+            <a:r>
+              <a:rPr lang="ko-KR" altLang="en-US" dirty="0"/>
+              <a:t>고려사항</a:t>
+            </a:r>
+            <a:endParaRPr lang="en-US" dirty="0"/>
           </a:p>
         </p:txBody>
       </p:sp>
@@ -24841,42 +27280,12 @@
             </a:bodyPr>
             <a:lstStyle/>
             <a:p>
-              <a:r>
-                <a:rPr lang="en-US" sz="2800" dirty="0" err="1">
-                  <a:solidFill>
-                    <a:schemeClr val="bg1"/>
-                  </a:solidFill>
-                  <a:latin typeface="Garamond" panose="02020404030301010803" pitchFamily="18" charset="0"/>
-                </a:rPr>
-                <a:t>PPTmoa</a:t>
-              </a:r>
-              <a:r>
-                <a:rPr lang="en-US" sz="2800" dirty="0">
-                  <a:solidFill>
-                    <a:schemeClr val="bg1"/>
-                  </a:solidFill>
-                  <a:latin typeface="Garamond" panose="02020404030301010803" pitchFamily="18" charset="0"/>
-                </a:rPr>
-                <a:t> and Company </a:t>
-              </a:r>
-              <a:r>
-                <a:rPr lang="en-US" sz="2800" dirty="0" err="1">
-                  <a:solidFill>
-                    <a:schemeClr val="bg1"/>
-                  </a:solidFill>
-                  <a:latin typeface="Garamond" panose="02020404030301010803" pitchFamily="18" charset="0"/>
-                </a:rPr>
-                <a:t>Powerpoint</a:t>
-              </a:r>
-              <a:r>
-                <a:rPr lang="en-US" sz="2800" dirty="0">
-                  <a:solidFill>
-                    <a:schemeClr val="bg1"/>
-                  </a:solidFill>
-                  <a:latin typeface="Garamond" panose="02020404030301010803" pitchFamily="18" charset="0"/>
-                </a:rPr>
-                <a:t> template</a:t>
-              </a:r>
+              <a:endParaRPr lang="en-US" sz="2800" dirty="0">
+                <a:solidFill>
+                  <a:schemeClr val="bg1"/>
+                </a:solidFill>
+                <a:latin typeface="Garamond" panose="02020404030301010803" pitchFamily="18" charset="0"/>
+              </a:endParaRPr>
             </a:p>
           </p:txBody>
         </p:sp>
@@ -24939,9 +27348,9 @@
         <p:grpSpPr>
           <a:xfrm>
             <a:off x="692275" y="3133694"/>
-            <a:ext cx="2692413" cy="445635"/>
+            <a:ext cx="1459768" cy="443198"/>
             <a:chOff x="1210926" y="4877612"/>
-            <a:chExt cx="2692413" cy="445635"/>
+            <a:chExt cx="1459768" cy="443198"/>
           </a:xfrm>
         </p:grpSpPr>
         <p:sp>
@@ -24961,7 +27370,7 @@
           <p:spPr>
             <a:xfrm>
               <a:off x="2670629" y="4877612"/>
-              <a:ext cx="1232710" cy="445635"/>
+              <a:ext cx="65" cy="223779"/>
             </a:xfrm>
             <a:prstGeom prst="rect">
               <a:avLst/>
@@ -25137,35 +27546,6 @@
             </a:lstStyle>
             <a:p>
               <a:pPr algn="l"/>
-              <a:r>
-                <a:rPr lang="en-US" sz="1400" i="1" dirty="0">
-                  <a:solidFill>
-                    <a:srgbClr val="102747"/>
-                  </a:solidFill>
-                  <a:latin typeface="Garamond" panose="02020404030301010803" pitchFamily="18" charset="0"/>
-                  <a:cs typeface="Segoe UI" panose="020B0502040204020203" pitchFamily="34" charset="0"/>
-                </a:rPr>
-                <a:t>Presented by:</a:t>
-              </a:r>
-              <a:br>
-                <a:rPr lang="en-US" sz="1600" i="1" dirty="0">
-                  <a:solidFill>
-                    <a:srgbClr val="102747"/>
-                  </a:solidFill>
-                  <a:latin typeface="Garamond" panose="02020404030301010803" pitchFamily="18" charset="0"/>
-                  <a:cs typeface="Segoe UI" panose="020B0502040204020203" pitchFamily="34" charset="0"/>
-                </a:rPr>
-              </a:br>
-              <a:r>
-                <a:rPr lang="en-US" sz="1800" dirty="0">
-                  <a:solidFill>
-                    <a:srgbClr val="102747"/>
-                  </a:solidFill>
-                  <a:latin typeface="Garamond" panose="02020404030301010803" pitchFamily="18" charset="0"/>
-                  <a:cs typeface="Segoe UI" panose="020B0502040204020203" pitchFamily="34" charset="0"/>
-                </a:rPr>
-                <a:t>Lorem Ipsum</a:t>
-              </a:r>
               <a:endParaRPr lang="en-US" sz="1600" dirty="0">
                 <a:solidFill>
                   <a:srgbClr val="102747"/>
@@ -27285,10 +29665,10 @@
         </p:nvGrpSpPr>
         <p:grpSpPr>
           <a:xfrm>
-            <a:off x="5760381" y="1131373"/>
-            <a:ext cx="5604968" cy="4595238"/>
+            <a:off x="6012873" y="1858799"/>
+            <a:ext cx="5604968" cy="3381525"/>
             <a:chOff x="5805715" y="911463"/>
-            <a:chExt cx="5604968" cy="4595238"/>
+            <a:chExt cx="5604968" cy="3381525"/>
           </a:xfrm>
         </p:grpSpPr>
         <p:grpSp>
@@ -27948,7 +30328,7 @@
                 </a:pPr>
                 <a:r>
                   <a:rPr lang="ko-KR" altLang="en-US" sz="2000" dirty="0"/>
-                  <a:t>생계형</a:t>
+                  <a:t>생계형 대출</a:t>
                 </a:r>
                 <a:r>
                   <a:rPr lang="en-US" altLang="ko-KR" sz="2000" dirty="0"/>
@@ -28318,354 +30698,16 @@
                   <a:t>100% </a:t>
                 </a:r>
                 <a:r>
+                  <a:rPr lang="ko-KR" altLang="en-US" sz="2000" dirty="0"/>
+                  <a:t>이상</a:t>
+                </a:r>
+                <a:r>
                   <a:rPr lang="ko-KR" altLang="en-US" sz="2000" dirty="0">
                     <a:solidFill>
                       <a:schemeClr val="bg1"/>
                     </a:solidFill>
                   </a:rPr>
                   <a:t>돌파</a:t>
-                </a:r>
-              </a:p>
-            </p:txBody>
-          </p:sp>
-        </p:grpSp>
-        <p:grpSp>
-          <p:nvGrpSpPr>
-            <p:cNvPr id="37" name="Group 36">
-              <a:extLst>
-                <a:ext uri="{FF2B5EF4-FFF2-40B4-BE49-F238E27FC236}">
-                  <a16:creationId xmlns:a16="http://schemas.microsoft.com/office/drawing/2014/main" id="{FF083029-9EC7-44CF-8218-CD57084E4087}"/>
-                </a:ext>
-              </a:extLst>
-            </p:cNvPr>
-            <p:cNvGrpSpPr/>
-            <p:nvPr/>
-          </p:nvGrpSpPr>
-          <p:grpSpPr>
-            <a:xfrm>
-              <a:off x="5805715" y="4552602"/>
-              <a:ext cx="5604968" cy="954099"/>
-              <a:chOff x="5805715" y="5029664"/>
-              <a:chExt cx="5604968" cy="954099"/>
-            </a:xfrm>
-          </p:grpSpPr>
-          <p:sp>
-            <p:nvSpPr>
-              <p:cNvPr id="23" name="Rectangle 22">
-                <a:extLst>
-                  <a:ext uri="{FF2B5EF4-FFF2-40B4-BE49-F238E27FC236}">
-                    <a16:creationId xmlns:a16="http://schemas.microsoft.com/office/drawing/2014/main" id="{FD9AF6CE-00D9-47F7-9514-44B022729968}"/>
-                  </a:ext>
-                </a:extLst>
-              </p:cNvPr>
-              <p:cNvSpPr/>
-              <p:nvPr/>
-            </p:nvSpPr>
-            <p:spPr>
-              <a:xfrm>
-                <a:off x="5805715" y="5029664"/>
-                <a:ext cx="469615" cy="954099"/>
-              </a:xfrm>
-              <a:prstGeom prst="rect">
-                <a:avLst/>
-              </a:prstGeom>
-              <a:solidFill>
-                <a:schemeClr val="bg1"/>
-              </a:solidFill>
-              <a:ln>
-                <a:noFill/>
-              </a:ln>
-            </p:spPr>
-            <p:style>
-              <a:lnRef idx="2">
-                <a:schemeClr val="accent1">
-                  <a:shade val="50000"/>
-                </a:schemeClr>
-              </a:lnRef>
-              <a:fillRef idx="1">
-                <a:schemeClr val="accent1"/>
-              </a:fillRef>
-              <a:effectRef idx="0">
-                <a:schemeClr val="accent1"/>
-              </a:effectRef>
-              <a:fontRef idx="minor">
-                <a:schemeClr val="lt1"/>
-              </a:fontRef>
-            </p:style>
-            <p:txBody>
-              <a:bodyPr rot="0" spcFirstLastPara="0" vertOverflow="overflow" horzOverflow="overflow" vert="horz" wrap="square" lIns="91440" tIns="45720" rIns="91440" bIns="45720" numCol="1" spcCol="0" rtlCol="0" fromWordArt="0" anchor="ctr" anchorCtr="0" forceAA="0" compatLnSpc="1">
-                <a:prstTxWarp prst="textNoShape">
-                  <a:avLst/>
-                </a:prstTxWarp>
-                <a:noAutofit/>
-              </a:bodyPr>
-              <a:lstStyle/>
-              <a:p>
-                <a:pPr algn="ctr">
-                  <a:lnSpc>
-                    <a:spcPct val="90000"/>
-                  </a:lnSpc>
-                  <a:spcBef>
-                    <a:spcPct val="0"/>
-                  </a:spcBef>
-                </a:pPr>
-                <a:r>
-                  <a:rPr lang="en-US" sz="2800" b="1" dirty="0">
-                    <a:solidFill>
-                      <a:srgbClr val="102747"/>
-                    </a:solidFill>
-                    <a:latin typeface="+mj-lt"/>
-                    <a:ea typeface="+mj-ea"/>
-                    <a:cs typeface="+mj-cs"/>
-                  </a:rPr>
-                  <a:t>4</a:t>
-                </a:r>
-              </a:p>
-            </p:txBody>
-          </p:sp>
-          <p:sp>
-            <p:nvSpPr>
-              <p:cNvPr id="28" name="Content Placeholder 2">
-                <a:extLst>
-                  <a:ext uri="{FF2B5EF4-FFF2-40B4-BE49-F238E27FC236}">
-                    <a16:creationId xmlns:a16="http://schemas.microsoft.com/office/drawing/2014/main" id="{3A79EB94-58A2-4233-B470-1E9689239953}"/>
-                  </a:ext>
-                </a:extLst>
-              </p:cNvPr>
-              <p:cNvSpPr txBox="1">
-                <a:spLocks/>
-              </p:cNvSpPr>
-              <p:nvPr/>
-            </p:nvSpPr>
-            <p:spPr>
-              <a:xfrm>
-                <a:off x="6452317" y="5029664"/>
-                <a:ext cx="4958366" cy="307777"/>
-              </a:xfrm>
-              <a:prstGeom prst="rect">
-                <a:avLst/>
-              </a:prstGeom>
-            </p:spPr>
-            <p:txBody>
-              <a:bodyPr vert="horz" wrap="square" lIns="0" tIns="0" rIns="0" bIns="0" rtlCol="0" anchor="t">
-                <a:spAutoFit/>
-              </a:bodyPr>
-              <a:lstStyle>
-                <a:lvl1pPr marL="177800" indent="-177800" algn="l" defTabSz="914400" rtl="0" eaLnBrk="1" latinLnBrk="0" hangingPunct="1">
-                  <a:lnSpc>
-                    <a:spcPct val="90000"/>
-                  </a:lnSpc>
-                  <a:spcBef>
-                    <a:spcPts val="1000"/>
-                  </a:spcBef>
-                  <a:buClr>
-                    <a:srgbClr val="102747"/>
-                  </a:buClr>
-                  <a:buFont typeface="Garamond" panose="02020404030301010803" pitchFamily="18" charset="0"/>
-                  <a:buChar char="›"/>
-                  <a:defRPr sz="2800" kern="1200">
-                    <a:solidFill>
-                      <a:schemeClr val="tx1"/>
-                    </a:solidFill>
-                    <a:latin typeface="+mn-lt"/>
-                    <a:ea typeface="+mn-ea"/>
-                    <a:cs typeface="+mn-cs"/>
-                  </a:defRPr>
-                </a:lvl1pPr>
-                <a:lvl2pPr marL="342900" indent="-165100" algn="l" defTabSz="914400" rtl="0" eaLnBrk="1" latinLnBrk="0" hangingPunct="1">
-                  <a:lnSpc>
-                    <a:spcPct val="90000"/>
-                  </a:lnSpc>
-                  <a:spcBef>
-                    <a:spcPts val="500"/>
-                  </a:spcBef>
-                  <a:buClr>
-                    <a:srgbClr val="102747"/>
-                  </a:buClr>
-                  <a:buFont typeface="Garamond" panose="02020404030301010803" pitchFamily="18" charset="0"/>
-                  <a:buChar char="›"/>
-                  <a:defRPr sz="2400" kern="1200">
-                    <a:solidFill>
-                      <a:schemeClr val="tx1"/>
-                    </a:solidFill>
-                    <a:latin typeface="+mn-lt"/>
-                    <a:ea typeface="+mn-ea"/>
-                    <a:cs typeface="+mn-cs"/>
-                  </a:defRPr>
-                </a:lvl2pPr>
-                <a:lvl3pPr marL="520700" indent="-165100" algn="l" defTabSz="914400" rtl="0" eaLnBrk="1" latinLnBrk="0" hangingPunct="1">
-                  <a:lnSpc>
-                    <a:spcPct val="90000"/>
-                  </a:lnSpc>
-                  <a:spcBef>
-                    <a:spcPts val="500"/>
-                  </a:spcBef>
-                  <a:buClr>
-                    <a:srgbClr val="102747"/>
-                  </a:buClr>
-                  <a:buFont typeface="Garamond" panose="02020404030301010803" pitchFamily="18" charset="0"/>
-                  <a:buChar char="›"/>
-                  <a:tabLst>
-                    <a:tab pos="1943100" algn="l"/>
-                  </a:tabLst>
-                  <a:defRPr sz="2000" kern="1200">
-                    <a:solidFill>
-                      <a:schemeClr val="tx1"/>
-                    </a:solidFill>
-                    <a:latin typeface="+mn-lt"/>
-                    <a:ea typeface="+mn-ea"/>
-                    <a:cs typeface="+mn-cs"/>
-                  </a:defRPr>
-                </a:lvl3pPr>
-                <a:lvl4pPr marL="685800" indent="-177800" algn="l" defTabSz="914400" rtl="0" eaLnBrk="1" latinLnBrk="0" hangingPunct="1">
-                  <a:lnSpc>
-                    <a:spcPct val="90000"/>
-                  </a:lnSpc>
-                  <a:spcBef>
-                    <a:spcPts val="500"/>
-                  </a:spcBef>
-                  <a:buClr>
-                    <a:srgbClr val="102747"/>
-                  </a:buClr>
-                  <a:buFont typeface="Garamond" panose="02020404030301010803" pitchFamily="18" charset="0"/>
-                  <a:buChar char="›"/>
-                  <a:tabLst>
-                    <a:tab pos="1943100" algn="l"/>
-                  </a:tabLst>
-                  <a:defRPr sz="1800" kern="1200">
-                    <a:solidFill>
-                      <a:schemeClr val="tx1"/>
-                    </a:solidFill>
-                    <a:latin typeface="+mn-lt"/>
-                    <a:ea typeface="+mn-ea"/>
-                    <a:cs typeface="+mn-cs"/>
-                  </a:defRPr>
-                </a:lvl4pPr>
-                <a:lvl5pPr marL="863600" indent="-177800" algn="l" defTabSz="914400" rtl="0" eaLnBrk="1" latinLnBrk="0" hangingPunct="1">
-                  <a:lnSpc>
-                    <a:spcPct val="90000"/>
-                  </a:lnSpc>
-                  <a:spcBef>
-                    <a:spcPts val="500"/>
-                  </a:spcBef>
-                  <a:buClr>
-                    <a:srgbClr val="102747"/>
-                  </a:buClr>
-                  <a:buFont typeface="Garamond" panose="02020404030301010803" pitchFamily="18" charset="0"/>
-                  <a:buChar char="›"/>
-                  <a:tabLst/>
-                  <a:defRPr sz="1800" kern="1200">
-                    <a:solidFill>
-                      <a:schemeClr val="tx1"/>
-                    </a:solidFill>
-                    <a:latin typeface="+mn-lt"/>
-                    <a:ea typeface="+mn-ea"/>
-                    <a:cs typeface="+mn-cs"/>
-                  </a:defRPr>
-                </a:lvl5pPr>
-                <a:lvl6pPr marL="2514600" indent="-228600" algn="l" defTabSz="914400" rtl="0" eaLnBrk="1" latinLnBrk="0" hangingPunct="1">
-                  <a:lnSpc>
-                    <a:spcPct val="90000"/>
-                  </a:lnSpc>
-                  <a:spcBef>
-                    <a:spcPts val="500"/>
-                  </a:spcBef>
-                  <a:buFont typeface="Arial" panose="020B0604020202020204" pitchFamily="34" charset="0"/>
-                  <a:buChar char="•"/>
-                  <a:defRPr sz="1800" kern="1200">
-                    <a:solidFill>
-                      <a:schemeClr val="tx1"/>
-                    </a:solidFill>
-                    <a:latin typeface="+mn-lt"/>
-                    <a:ea typeface="+mn-ea"/>
-                    <a:cs typeface="+mn-cs"/>
-                  </a:defRPr>
-                </a:lvl6pPr>
-                <a:lvl7pPr marL="2971800" indent="-228600" algn="l" defTabSz="914400" rtl="0" eaLnBrk="1" latinLnBrk="0" hangingPunct="1">
-                  <a:lnSpc>
-                    <a:spcPct val="90000"/>
-                  </a:lnSpc>
-                  <a:spcBef>
-                    <a:spcPts val="500"/>
-                  </a:spcBef>
-                  <a:buFont typeface="Arial" panose="020B0604020202020204" pitchFamily="34" charset="0"/>
-                  <a:buChar char="•"/>
-                  <a:defRPr sz="1800" kern="1200">
-                    <a:solidFill>
-                      <a:schemeClr val="tx1"/>
-                    </a:solidFill>
-                    <a:latin typeface="+mn-lt"/>
-                    <a:ea typeface="+mn-ea"/>
-                    <a:cs typeface="+mn-cs"/>
-                  </a:defRPr>
-                </a:lvl7pPr>
-                <a:lvl8pPr marL="3429000" indent="-228600" algn="l" defTabSz="914400" rtl="0" eaLnBrk="1" latinLnBrk="0" hangingPunct="1">
-                  <a:lnSpc>
-                    <a:spcPct val="90000"/>
-                  </a:lnSpc>
-                  <a:spcBef>
-                    <a:spcPts val="500"/>
-                  </a:spcBef>
-                  <a:buFont typeface="Arial" panose="020B0604020202020204" pitchFamily="34" charset="0"/>
-                  <a:buChar char="•"/>
-                  <a:defRPr sz="1800" kern="1200">
-                    <a:solidFill>
-                      <a:schemeClr val="tx1"/>
-                    </a:solidFill>
-                    <a:latin typeface="+mn-lt"/>
-                    <a:ea typeface="+mn-ea"/>
-                    <a:cs typeface="+mn-cs"/>
-                  </a:defRPr>
-                </a:lvl8pPr>
-                <a:lvl9pPr marL="3886200" indent="-228600" algn="l" defTabSz="914400" rtl="0" eaLnBrk="1" latinLnBrk="0" hangingPunct="1">
-                  <a:lnSpc>
-                    <a:spcPct val="90000"/>
-                  </a:lnSpc>
-                  <a:spcBef>
-                    <a:spcPts val="500"/>
-                  </a:spcBef>
-                  <a:buFont typeface="Arial" panose="020B0604020202020204" pitchFamily="34" charset="0"/>
-                  <a:buChar char="•"/>
-                  <a:defRPr sz="1800" kern="1200">
-                    <a:solidFill>
-                      <a:schemeClr val="tx1"/>
-                    </a:solidFill>
-                    <a:latin typeface="+mn-lt"/>
-                    <a:ea typeface="+mn-ea"/>
-                    <a:cs typeface="+mn-cs"/>
-                  </a:defRPr>
-                </a:lvl9pPr>
-              </a:lstStyle>
-              <a:p>
-                <a:pPr marL="0" indent="0">
-                  <a:lnSpc>
-                    <a:spcPct val="100000"/>
-                  </a:lnSpc>
-                  <a:spcBef>
-                    <a:spcPts val="0"/>
-                  </a:spcBef>
-                  <a:buClrTx/>
-                  <a:buNone/>
-                  <a:defRPr sz="2000" b="0" i="0" u="none" strike="noStrike" kern="1200" spc="0" baseline="0">
-                    <a:solidFill>
-                      <a:srgbClr val="102747"/>
-                    </a:solidFill>
-                    <a:latin typeface="+mn-lt"/>
-                    <a:ea typeface="+mn-ea"/>
-                    <a:cs typeface="+mn-cs"/>
-                  </a:defRPr>
-                </a:pPr>
-                <a:r>
-                  <a:rPr lang="en-US" sz="2000" dirty="0"/>
-                  <a:t>Lorem ipsum dolor sit </a:t>
-                </a:r>
-                <a:r>
-                  <a:rPr lang="en-US" sz="2000" dirty="0" err="1"/>
-                  <a:t>amet</a:t>
-                </a:r>
-                <a:r>
-                  <a:rPr lang="en-US" sz="1800" dirty="0"/>
-                  <a:t>.</a:t>
                 </a:r>
               </a:p>
             </p:txBody>
@@ -28686,8 +30728,8 @@
         </p:nvGrpSpPr>
         <p:grpSpPr>
           <a:xfrm>
-            <a:off x="628431" y="1044567"/>
-            <a:ext cx="4924175" cy="5028463"/>
+            <a:off x="628431" y="1035331"/>
+            <a:ext cx="5384442" cy="5028463"/>
             <a:chOff x="5865091" y="1225639"/>
             <a:chExt cx="5837382" cy="4406722"/>
           </a:xfrm>
@@ -29016,7 +31058,7 @@
                 </a:solidFill>
               </a:rPr>
               <a:pPr algn="ctr"/>
-              <a:t>4</a:t>
+              <a:t>3</a:t>
             </a:fld>
             <a:endParaRPr lang="en-US">
               <a:solidFill>
@@ -29040,7 +31082,7 @@
         </p:nvCxnSpPr>
         <p:spPr>
           <a:xfrm>
-            <a:off x="4723238" y="6457950"/>
+            <a:off x="4707537" y="6457950"/>
             <a:ext cx="6490862" cy="0"/>
           </a:xfrm>
           <a:prstGeom prst="line">
@@ -29811,16 +31853,13 @@
                     <a:srgbClr val="102747"/>
                   </a:solidFill>
                 </a:rPr>
-                <a:t>(2020)』 </a:t>
+                <a:t>(2020)』</a:t>
               </a:r>
-              <a:r>
-                <a:rPr lang="ko-KR" altLang="en-US" sz="2000" dirty="0">
-                  <a:solidFill>
-                    <a:srgbClr val="102747"/>
-                  </a:solidFill>
-                </a:rPr>
-                <a:t>자료</a:t>
-              </a:r>
+              <a:endParaRPr lang="ko-KR" altLang="en-US" sz="2000" dirty="0">
+                <a:solidFill>
+                  <a:srgbClr val="102747"/>
+                </a:solidFill>
+              </a:endParaRPr>
             </a:p>
             <a:p>
               <a:pPr marL="0" indent="0">
@@ -30140,6 +32179,104 @@
                 <a:buChar char="•"/>
               </a:pPr>
               <a:r>
+                <a:rPr lang="ko-KR" altLang="en-US" sz="1800" dirty="0"/>
+                <a:t>통계청</a:t>
+              </a:r>
+              <a:r>
+                <a:rPr lang="en-US" altLang="ko-KR" sz="1800" dirty="0"/>
+                <a:t>(</a:t>
+              </a:r>
+              <a:r>
+                <a:rPr lang="ko-KR" altLang="en-US" sz="1800" dirty="0"/>
+                <a:t>가계자산조사</a:t>
+              </a:r>
+              <a:r>
+                <a:rPr lang="en-US" altLang="ko-KR" sz="1800" dirty="0"/>
+                <a:t>),</a:t>
+              </a:r>
+              <a:r>
+                <a:rPr lang="en-US" altLang="ko-KR" sz="1800" dirty="0">
+                  <a:solidFill>
+                    <a:schemeClr val="bg1"/>
+                  </a:solidFill>
+                </a:rPr>
+                <a:t>1</a:t>
+              </a:r>
+              <a:r>
+                <a:rPr lang="ko-KR" altLang="en-US" sz="1800" dirty="0"/>
+                <a:t>금융감독원</a:t>
+              </a:r>
+              <a:r>
+                <a:rPr lang="en-US" altLang="ko-KR" sz="1800" dirty="0"/>
+                <a:t>(</a:t>
+              </a:r>
+              <a:r>
+                <a:rPr lang="ko-KR" altLang="en-US" sz="1800" dirty="0"/>
+                <a:t>가계신용조사</a:t>
+              </a:r>
+              <a:r>
+                <a:rPr lang="en-US" altLang="ko-KR" sz="1800" dirty="0"/>
+                <a:t>), </a:t>
+              </a:r>
+              <a:r>
+                <a:rPr lang="en-US" altLang="ko-KR" sz="1800" dirty="0">
+                  <a:solidFill>
+                    <a:schemeClr val="bg1"/>
+                  </a:solidFill>
+                </a:rPr>
+                <a:t>1</a:t>
+              </a:r>
+              <a:r>
+                <a:rPr lang="ko-KR" altLang="en-US" sz="1800" dirty="0"/>
+                <a:t>한국은행</a:t>
+              </a:r>
+              <a:r>
+                <a:rPr lang="en-US" altLang="ko-KR" sz="1800" dirty="0"/>
+                <a:t>(</a:t>
+              </a:r>
+              <a:r>
+                <a:rPr lang="ko-KR" altLang="en-US" sz="1800" dirty="0"/>
+                <a:t>가구패널조사</a:t>
+              </a:r>
+              <a:r>
+                <a:rPr lang="en-US" altLang="ko-KR" sz="1800" dirty="0"/>
+                <a:t>) </a:t>
+              </a:r>
+              <a:r>
+                <a:rPr lang="ko-KR" altLang="en-US" sz="1800" dirty="0"/>
+                <a:t>제작</a:t>
+              </a:r>
+            </a:p>
+            <a:p>
+              <a:pPr marL="0" indent="0">
+                <a:lnSpc>
+                  <a:spcPct val="100000"/>
+                </a:lnSpc>
+                <a:spcBef>
+                  <a:spcPts val="0"/>
+                </a:spcBef>
+                <a:spcAft>
+                  <a:spcPts val="1200"/>
+                </a:spcAft>
+                <a:buNone/>
+              </a:pPr>
+              <a:endParaRPr lang="en-US" altLang="ko-KR" sz="1800" dirty="0"/>
+            </a:p>
+            <a:p>
+              <a:pPr>
+                <a:lnSpc>
+                  <a:spcPct val="100000"/>
+                </a:lnSpc>
+                <a:spcBef>
+                  <a:spcPts val="0"/>
+                </a:spcBef>
+                <a:spcAft>
+                  <a:spcPts val="1200"/>
+                </a:spcAft>
+                <a:buFont typeface="Arial" panose="020B0604020202020204" pitchFamily="34" charset="0"/>
+                <a:buChar char="•"/>
+              </a:pPr>
+              <a:r>
                 <a:rPr lang="en-US" altLang="ko-KR" sz="1800" dirty="0"/>
                 <a:t>153</a:t>
               </a:r>
@@ -30161,11 +32298,11 @@
               </a:r>
               <a:r>
                 <a:rPr lang="ko-KR" altLang="en-US" sz="1800" dirty="0"/>
-                <a:t>인구사회학적 변수</a:t>
+                <a:t>인구통계</a:t>
               </a:r>
               <a:r>
                 <a:rPr lang="en-US" altLang="ko-KR" sz="1800" dirty="0"/>
-                <a:t>,  </a:t>
+                <a:t>, </a:t>
               </a:r>
               <a:r>
                 <a:rPr lang="ko-KR" altLang="en-US" sz="1800" dirty="0"/>
@@ -30181,7 +32318,7 @@
               </a:r>
               <a:r>
                 <a:rPr lang="en-US" altLang="ko-KR" sz="1800" dirty="0"/>
-                <a:t>,  </a:t>
+                <a:t>, </a:t>
               </a:r>
               <a:r>
                 <a:rPr lang="ko-KR" altLang="en-US" sz="1800" dirty="0"/>
@@ -30255,89 +32392,6 @@
               </a:pPr>
               <a:endParaRPr lang="en-US" altLang="ko-KR" sz="1800" dirty="0"/>
             </a:p>
-            <a:p>
-              <a:pPr algn="just">
-                <a:lnSpc>
-                  <a:spcPct val="100000"/>
-                </a:lnSpc>
-                <a:spcBef>
-                  <a:spcPts val="0"/>
-                </a:spcBef>
-                <a:spcAft>
-                  <a:spcPts val="1200"/>
-                </a:spcAft>
-                <a:buFont typeface="Arial" panose="020B0604020202020204" pitchFamily="34" charset="0"/>
-                <a:buChar char="•"/>
-              </a:pPr>
-              <a:r>
-                <a:rPr lang="ko-KR" altLang="en-US" sz="1800" dirty="0"/>
-                <a:t>통계청</a:t>
-              </a:r>
-              <a:r>
-                <a:rPr lang="en-US" altLang="ko-KR" sz="1800" dirty="0"/>
-                <a:t>(</a:t>
-              </a:r>
-              <a:r>
-                <a:rPr lang="ko-KR" altLang="en-US" sz="1800" dirty="0"/>
-                <a:t>가계자산조사</a:t>
-              </a:r>
-              <a:r>
-                <a:rPr lang="en-US" altLang="ko-KR" sz="1800" dirty="0"/>
-                <a:t>),</a:t>
-              </a:r>
-              <a:r>
-                <a:rPr lang="en-US" altLang="ko-KR" sz="1800" dirty="0">
-                  <a:solidFill>
-                    <a:schemeClr val="bg1"/>
-                  </a:solidFill>
-                </a:rPr>
-                <a:t>1</a:t>
-              </a:r>
-              <a:r>
-                <a:rPr lang="ko-KR" altLang="en-US" sz="1800" dirty="0"/>
-                <a:t>금융감독원</a:t>
-              </a:r>
-              <a:r>
-                <a:rPr lang="en-US" altLang="ko-KR" sz="1800" dirty="0"/>
-                <a:t>(</a:t>
-              </a:r>
-              <a:r>
-                <a:rPr lang="ko-KR" altLang="en-US" sz="1800" dirty="0"/>
-                <a:t>가계신용조사</a:t>
-              </a:r>
-              <a:r>
-                <a:rPr lang="en-US" altLang="ko-KR" sz="1800" dirty="0"/>
-                <a:t>), </a:t>
-              </a:r>
-              <a:r>
-                <a:rPr lang="en-US" altLang="ko-KR" sz="1800" dirty="0">
-                  <a:solidFill>
-                    <a:schemeClr val="bg1"/>
-                  </a:solidFill>
-                </a:rPr>
-                <a:t>1</a:t>
-              </a:r>
-              <a:r>
-                <a:rPr lang="ko-KR" altLang="en-US" sz="1800" dirty="0"/>
-                <a:t>한국은행</a:t>
-              </a:r>
-              <a:r>
-                <a:rPr lang="en-US" altLang="ko-KR" sz="1800" dirty="0"/>
-                <a:t>(</a:t>
-              </a:r>
-              <a:r>
-                <a:rPr lang="ko-KR" altLang="en-US" sz="1800" dirty="0"/>
-                <a:t>가구패널조사</a:t>
-              </a:r>
-              <a:r>
-                <a:rPr lang="en-US" altLang="ko-KR" sz="1800" dirty="0"/>
-                <a:t>) </a:t>
-              </a:r>
-              <a:r>
-                <a:rPr lang="ko-KR" altLang="en-US" sz="1800" dirty="0"/>
-                <a:t>제작</a:t>
-              </a:r>
-            </a:p>
           </p:txBody>
         </p:sp>
       </p:grpSp>
@@ -30413,7 +32467,7 @@
             </a:r>
             <a:r>
               <a:rPr lang="en-US" altLang="ko-KR" sz="2800" dirty="0"/>
-              <a:t> – </a:t>
+              <a:t>(</a:t>
             </a:r>
             <a:r>
               <a:rPr lang="ko-KR" altLang="en-US" sz="2800" dirty="0"/>
@@ -30421,7 +32475,7 @@
             </a:r>
             <a:r>
               <a:rPr lang="en-US" altLang="ko-KR" sz="2800" dirty="0"/>
-              <a:t>1</a:t>
+              <a:t>1)</a:t>
             </a:r>
             <a:endParaRPr lang="ko-KR" altLang="en-US" sz="2800" dirty="0"/>
           </a:p>
@@ -30619,7 +32673,7 @@
         </p:nvGrpSpPr>
         <p:grpSpPr>
           <a:xfrm>
-            <a:off x="7043390" y="2132801"/>
+            <a:off x="7024918" y="2335998"/>
             <a:ext cx="3693886" cy="1945544"/>
             <a:chOff x="6284976" y="1400628"/>
             <a:chExt cx="5449824" cy="1945544"/>
@@ -30903,11 +32957,19 @@
               </a:pPr>
               <a:r>
                 <a:rPr lang="ko-KR" altLang="en-US" sz="1800" dirty="0"/>
-                <a:t>가구원수는 </a:t>
+                <a:t>가구원수</a:t>
               </a:r>
               <a:r>
-                <a:rPr lang="ko-KR" altLang="en-US" sz="1800" dirty="0" err="1"/>
-                <a:t>연속형변수</a:t>
+                <a:rPr lang="en-US" altLang="ko-KR" sz="1800" dirty="0"/>
+                <a:t>(</a:t>
+              </a:r>
+              <a:r>
+                <a:rPr lang="ko-KR" altLang="en-US" sz="1800" dirty="0"/>
+                <a:t>연속형 변수</a:t>
+              </a:r>
+              <a:r>
+                <a:rPr lang="en-US" altLang="ko-KR" sz="1800" dirty="0"/>
+                <a:t>)</a:t>
               </a:r>
               <a:endParaRPr lang="en-US" sz="1800" dirty="0"/>
             </a:p>
@@ -31149,12 +33211,12 @@
                 </a:defRPr>
               </a:pPr>
               <a:r>
-                <a:rPr lang="ko-KR" altLang="en-US" sz="2000" dirty="0">
+                <a:rPr lang="ko-KR" altLang="en-US" sz="2000" dirty="0" err="1">
                   <a:solidFill>
                     <a:srgbClr val="102747"/>
                   </a:solidFill>
                 </a:rPr>
-                <a:t>전처리방법</a:t>
+                <a:t>전처리</a:t>
               </a:r>
               <a:endParaRPr lang="en-US" sz="2000" dirty="0">
                 <a:solidFill>
@@ -31224,7 +33286,7 @@
         </p:nvGrpSpPr>
         <p:grpSpPr>
           <a:xfrm>
-            <a:off x="7043390" y="1400629"/>
+            <a:off x="7024918" y="1603826"/>
             <a:ext cx="541898" cy="544285"/>
             <a:chOff x="4833938" y="3970338"/>
             <a:chExt cx="360363" cy="361950"/>
@@ -33125,11 +35187,11 @@
             </a:r>
             <a:r>
               <a:rPr lang="ko-KR" altLang="en-US" sz="2800" dirty="0"/>
-              <a:t>데이터 </a:t>
+              <a:t>데이터</a:t>
             </a:r>
             <a:r>
               <a:rPr lang="en-US" altLang="ko-KR" sz="2800" dirty="0"/>
-              <a:t>– </a:t>
+              <a:t>(</a:t>
             </a:r>
             <a:r>
               <a:rPr lang="ko-KR" altLang="en-US" sz="2800" dirty="0"/>
@@ -33137,7 +35199,7 @@
             </a:r>
             <a:r>
               <a:rPr lang="en-US" altLang="ko-KR" sz="2800" dirty="0"/>
-              <a:t>2</a:t>
+              <a:t>2)</a:t>
             </a:r>
             <a:endParaRPr lang="ko-KR" altLang="en-US" sz="2800" dirty="0"/>
           </a:p>
@@ -33335,7 +35397,7 @@
         </p:nvGrpSpPr>
         <p:grpSpPr>
           <a:xfrm>
-            <a:off x="8040914" y="2132801"/>
+            <a:off x="8040914" y="2566911"/>
             <a:ext cx="3693886" cy="1360769"/>
             <a:chOff x="6284976" y="1400628"/>
             <a:chExt cx="5449824" cy="1360769"/>
@@ -33827,12 +35889,12 @@
                 </a:defRPr>
               </a:pPr>
               <a:r>
-                <a:rPr lang="ko-KR" altLang="en-US" sz="2000" dirty="0">
+                <a:rPr lang="ko-KR" altLang="en-US" sz="2000" dirty="0" err="1">
                   <a:solidFill>
                     <a:srgbClr val="102747"/>
                   </a:solidFill>
                 </a:rPr>
-                <a:t>전처리방법</a:t>
+                <a:t>전처리</a:t>
               </a:r>
               <a:endParaRPr lang="en-US" sz="2000" dirty="0">
                 <a:solidFill>
@@ -33903,14 +35965,14 @@
           <p:nvPr>
             <p:extLst>
               <p:ext uri="{D42A27DB-BD31-4B8C-83A1-F6EECF244321}">
-                <p14:modId xmlns:p14="http://schemas.microsoft.com/office/powerpoint/2010/main" val="1077295735"/>
+                <p14:modId xmlns:p14="http://schemas.microsoft.com/office/powerpoint/2010/main" val="3858642477"/>
               </p:ext>
             </p:extLst>
           </p:nvPr>
         </p:nvGraphicFramePr>
         <p:xfrm>
-          <a:off x="383884" y="2013474"/>
-          <a:ext cx="7120632" cy="3212750"/>
+          <a:off x="457200" y="1822651"/>
+          <a:ext cx="7120632" cy="3212697"/>
         </p:xfrm>
         <a:graphic>
           <a:graphicData uri="http://schemas.openxmlformats.org/drawingml/2006/table">
@@ -33948,7 +36010,7 @@
                   </a:extLst>
                 </a:gridCol>
               </a:tblGrid>
-              <a:tr h="388106">
+              <a:tr h="388053">
                 <a:tc>
                   <a:txBody>
                     <a:bodyPr/>
@@ -35584,7 +37646,7 @@
         </p:nvGrpSpPr>
         <p:grpSpPr>
           <a:xfrm>
-            <a:off x="8040914" y="1400629"/>
+            <a:off x="8040914" y="1834739"/>
             <a:ext cx="541898" cy="544285"/>
             <a:chOff x="4833938" y="3970338"/>
             <a:chExt cx="360363" cy="361950"/>
@@ -36439,7 +38501,7 @@
         </p:nvSpPr>
         <p:spPr>
           <a:xfrm>
-            <a:off x="476249" y="1371601"/>
+            <a:off x="476249" y="1851891"/>
             <a:ext cx="3529693" cy="3689926"/>
           </a:xfrm>
           <a:prstGeom prst="rect">
@@ -36493,7 +38555,7 @@
         </p:nvSpPr>
         <p:spPr>
           <a:xfrm>
-            <a:off x="8205110" y="1371602"/>
+            <a:off x="8205110" y="1851892"/>
             <a:ext cx="3529693" cy="3689924"/>
           </a:xfrm>
           <a:prstGeom prst="rect">
@@ -36547,7 +38609,7 @@
         </p:nvSpPr>
         <p:spPr>
           <a:xfrm>
-            <a:off x="4331154" y="1371602"/>
+            <a:off x="4331154" y="1851892"/>
             <a:ext cx="3529693" cy="3689925"/>
           </a:xfrm>
           <a:prstGeom prst="rect">
@@ -36722,7 +38784,7 @@
         </p:nvGrpSpPr>
         <p:grpSpPr>
           <a:xfrm>
-            <a:off x="4584304" y="3105056"/>
+            <a:off x="4584304" y="3585346"/>
             <a:ext cx="2992666" cy="1626267"/>
             <a:chOff x="4329794" y="1447670"/>
             <a:chExt cx="3551464" cy="1626267"/>
@@ -36942,7 +39004,7 @@
               </a:lvl9pPr>
             </a:lstStyle>
             <a:p>
-              <a:pPr marL="0" lvl="0" indent="0">
+              <a:pPr lvl="0">
                 <a:lnSpc>
                   <a:spcPct val="100000"/>
                 </a:lnSpc>
@@ -36953,7 +39015,8 @@
                   <a:spcPts val="1200"/>
                 </a:spcAft>
                 <a:buClrTx/>
-                <a:buNone/>
+                <a:buFont typeface="Arial" panose="020B0604020202020204" pitchFamily="34" charset="0"/>
+                <a:buChar char="•"/>
               </a:pPr>
               <a:r>
                 <a:rPr lang="en-US" altLang="ko-KR" sz="1400" dirty="0">
@@ -36994,7 +39057,7 @@
               </a:endParaRPr>
             </a:p>
             <a:p>
-              <a:pPr marL="0" lvl="0" indent="0">
+              <a:pPr lvl="0">
                 <a:lnSpc>
                   <a:spcPct val="100000"/>
                 </a:lnSpc>
@@ -37005,8 +39068,17 @@
                   <a:spcPts val="1200"/>
                 </a:spcAft>
                 <a:buClrTx/>
-                <a:buNone/>
+                <a:buFont typeface="Arial" panose="020B0604020202020204" pitchFamily="34" charset="0"/>
+                <a:buChar char="•"/>
               </a:pPr>
+              <a:r>
+                <a:rPr lang="ko-KR" altLang="en-US" sz="1400" dirty="0">
+                  <a:solidFill>
+                    <a:prstClr val="black"/>
+                  </a:solidFill>
+                </a:rPr>
+                <a:t>자산측면 지표</a:t>
+              </a:r>
               <a:endParaRPr lang="en-US" altLang="ko-KR" sz="1400" dirty="0">
                 <a:solidFill>
                   <a:prstClr val="black"/>
@@ -37014,7 +39086,7 @@
               </a:endParaRPr>
             </a:p>
             <a:p>
-              <a:pPr marL="0" lvl="0" indent="0">
+              <a:pPr lvl="0">
                 <a:lnSpc>
                   <a:spcPct val="100000"/>
                 </a:lnSpc>
@@ -37025,7 +39097,8 @@
                   <a:spcPts val="1200"/>
                 </a:spcAft>
                 <a:buClrTx/>
-                <a:buNone/>
+                <a:buFont typeface="Arial" panose="020B0604020202020204" pitchFamily="34" charset="0"/>
+                <a:buChar char="•"/>
               </a:pPr>
               <a:r>
                 <a:rPr lang="ko-KR" altLang="en-US" sz="1400" dirty="0">
@@ -37381,14 +39454,14 @@
         </p:nvGrpSpPr>
         <p:grpSpPr>
           <a:xfrm>
-            <a:off x="8473623" y="3080809"/>
+            <a:off x="8473623" y="3561099"/>
             <a:ext cx="2992666" cy="1626267"/>
             <a:chOff x="8183336" y="1447670"/>
             <a:chExt cx="3551464" cy="1626267"/>
           </a:xfrm>
         </p:grpSpPr>
-        <mc:AlternateContent xmlns:mc="http://schemas.openxmlformats.org/markup-compatibility/2006" xmlns:a14="http://schemas.microsoft.com/office/drawing/2010/main">
-          <mc:Choice Requires="a14">
+        <mc:AlternateContent xmlns:mc="http://schemas.openxmlformats.org/markup-compatibility/2006">
+          <mc:Choice xmlns:a14="http://schemas.microsoft.com/office/drawing/2010/main" Requires="a14">
             <p:sp>
               <p:nvSpPr>
                 <p:cNvPr id="55" name="Content Placeholder 2">
@@ -37603,7 +39676,7 @@
                   </a:lvl9pPr>
                 </a:lstStyle>
                 <a:p>
-                  <a:pPr marL="0" lvl="0" indent="0">
+                  <a:pPr lvl="0">
                     <a:lnSpc>
                       <a:spcPct val="100000"/>
                     </a:lnSpc>
@@ -37614,91 +39687,87 @@
                       <a:spcPts val="1200"/>
                     </a:spcAft>
                     <a:buClrTx/>
-                    <a:buNone/>
+                    <a:buFont typeface="Arial" panose="020B0604020202020204" pitchFamily="34" charset="0"/>
+                    <a:buChar char="•"/>
                   </a:pPr>
                   <a14:m>
-                    <m:oMathPara xmlns:m="http://schemas.openxmlformats.org/officeDocument/2006/math">
-                      <m:oMathParaPr>
-                        <m:jc m:val="centerGroup"/>
-                      </m:oMathParaPr>
-                      <m:oMath xmlns:m="http://schemas.openxmlformats.org/officeDocument/2006/math">
-                        <m:r>
-                          <m:rPr>
-                            <m:nor/>
-                          </m:rPr>
-                          <a:rPr lang="en-US" altLang="ko-KR" sz="1400" dirty="0">
-                            <a:solidFill>
-                              <a:prstClr val="black"/>
-                            </a:solidFill>
-                          </a:rPr>
-                          <m:t>HDRI</m:t>
-                        </m:r>
-                        <m:r>
-                          <a:rPr lang="en-US" altLang="ko-KR" sz="1400" i="1" smtClean="0">
-                            <a:solidFill>
-                              <a:prstClr val="black"/>
-                            </a:solidFill>
-                            <a:latin typeface="Cambria Math" panose="02040503050406030204" pitchFamily="18" charset="0"/>
-                          </a:rPr>
-                          <m:t>=</m:t>
-                        </m:r>
-                        <m:r>
-                          <m:rPr>
-                            <m:nor/>
-                          </m:rPr>
-                          <a:rPr lang="en-US" altLang="ko-KR" sz="1400" dirty="0">
-                            <a:solidFill>
-                              <a:prstClr val="black"/>
-                            </a:solidFill>
-                          </a:rPr>
-                          <m:t>[(1+(</m:t>
-                        </m:r>
-                        <m:r>
-                          <m:rPr>
-                            <m:nor/>
-                          </m:rPr>
-                          <a:rPr lang="en-US" altLang="ko-KR" sz="1400" dirty="0">
-                            <a:solidFill>
-                              <a:prstClr val="black"/>
-                            </a:solidFill>
-                          </a:rPr>
-                          <m:t>DSR</m:t>
-                        </m:r>
-                        <m:r>
-                          <m:rPr>
-                            <m:nor/>
-                          </m:rPr>
-                          <a:rPr lang="en-US" altLang="ko-KR" sz="1400" dirty="0">
-                            <a:solidFill>
-                              <a:prstClr val="black"/>
-                            </a:solidFill>
-                          </a:rPr>
-                          <m:t>−0.4))+(1+(</m:t>
-                        </m:r>
-                        <m:r>
-                          <m:rPr>
-                            <m:nor/>
-                          </m:rPr>
-                          <a:rPr lang="en-US" altLang="ko-KR" sz="1400" dirty="0">
-                            <a:solidFill>
-                              <a:prstClr val="black"/>
-                            </a:solidFill>
-                          </a:rPr>
-                          <m:t>DTA</m:t>
-                        </m:r>
-                        <m:r>
-                          <m:rPr>
-                            <m:nor/>
-                          </m:rPr>
-                          <a:rPr lang="en-US" altLang="ko-KR" sz="1400" dirty="0">
-                            <a:solidFill>
-                              <a:prstClr val="black"/>
-                            </a:solidFill>
-                          </a:rPr>
-                          <m:t>−1))]∗100</m:t>
-                        </m:r>
-                      </m:oMath>
-                    </m:oMathPara>
+                    <m:oMath xmlns:m="http://schemas.openxmlformats.org/officeDocument/2006/math">
+                      <m:r>
+                        <m:rPr>
+                          <m:nor/>
+                        </m:rPr>
+                        <a:rPr lang="en-US" altLang="ko-KR" sz="1400" dirty="0">
+                          <a:solidFill>
+                            <a:prstClr val="black"/>
+                          </a:solidFill>
+                        </a:rPr>
+                        <m:t>HDRI</m:t>
+                      </m:r>
+                      <m:r>
+                        <a:rPr lang="en-US" altLang="ko-KR" sz="1400" i="1" smtClean="0">
+                          <a:solidFill>
+                            <a:prstClr val="black"/>
+                          </a:solidFill>
+                          <a:latin typeface="Cambria Math" panose="02040503050406030204" pitchFamily="18" charset="0"/>
+                        </a:rPr>
+                        <m:t>=</m:t>
+                      </m:r>
+                      <m:r>
+                        <m:rPr>
+                          <m:nor/>
+                        </m:rPr>
+                        <a:rPr lang="en-US" altLang="ko-KR" sz="1400" dirty="0">
+                          <a:solidFill>
+                            <a:prstClr val="black"/>
+                          </a:solidFill>
+                        </a:rPr>
+                        <m:t>[(1+(</m:t>
+                      </m:r>
+                      <m:r>
+                        <m:rPr>
+                          <m:nor/>
+                        </m:rPr>
+                        <a:rPr lang="en-US" altLang="ko-KR" sz="1400" dirty="0">
+                          <a:solidFill>
+                            <a:prstClr val="black"/>
+                          </a:solidFill>
+                        </a:rPr>
+                        <m:t>DSR</m:t>
+                      </m:r>
+                      <m:r>
+                        <m:rPr>
+                          <m:nor/>
+                        </m:rPr>
+                        <a:rPr lang="en-US" altLang="ko-KR" sz="1400" dirty="0">
+                          <a:solidFill>
+                            <a:prstClr val="black"/>
+                          </a:solidFill>
+                        </a:rPr>
+                        <m:t>−0.4))+(1+(</m:t>
+                      </m:r>
+                      <m:r>
+                        <m:rPr>
+                          <m:nor/>
+                        </m:rPr>
+                        <a:rPr lang="en-US" altLang="ko-KR" sz="1400" dirty="0">
+                          <a:solidFill>
+                            <a:prstClr val="black"/>
+                          </a:solidFill>
+                        </a:rPr>
+                        <m:t>DTA</m:t>
+                      </m:r>
+                      <m:r>
+                        <m:rPr>
+                          <m:nor/>
+                        </m:rPr>
+                        <a:rPr lang="en-US" altLang="ko-KR" sz="1400" dirty="0">
+                          <a:solidFill>
+                            <a:prstClr val="black"/>
+                          </a:solidFill>
+                        </a:rPr>
+                        <m:t>−1))]∗100</m:t>
+                      </m:r>
+                    </m:oMath>
                   </a14:m>
                   <a:endParaRPr lang="en-US" altLang="ko-KR" sz="1400" dirty="0">
                     <a:solidFill>
@@ -37707,7 +39776,7 @@
                   </a:endParaRPr>
                 </a:p>
                 <a:p>
-                  <a:pPr marL="0" indent="0">
+                  <a:pPr>
                     <a:lnSpc>
                       <a:spcPct val="200000"/>
                     </a:lnSpc>
@@ -37718,7 +39787,8 @@
                       <a:spcPts val="1200"/>
                     </a:spcAft>
                     <a:buClrTx/>
-                    <a:buNone/>
+                    <a:buFont typeface="Arial" panose="020B0604020202020204" pitchFamily="34" charset="0"/>
+                    <a:buChar char="•"/>
                   </a:pPr>
                   <a:r>
                     <a:rPr lang="ko-KR" altLang="en-US" sz="1400" dirty="0">
@@ -37777,7 +39847,7 @@
               </p:txBody>
             </p:sp>
           </mc:Choice>
-          <mc:Fallback xmlns="">
+          <mc:Fallback>
             <p:sp>
               <p:nvSpPr>
                 <p:cNvPr id="55" name="Content Placeholder 2">
@@ -37803,7 +39873,7 @@
                 <a:blipFill>
                   <a:blip r:embed="rId2"/>
                   <a:stretch>
-                    <a:fillRect l="-3666"/>
+                    <a:fillRect l="-3259" t="-3077"/>
                   </a:stretch>
                 </a:blipFill>
               </p:spPr>
@@ -38133,7 +40203,7 @@
         </p:nvGrpSpPr>
         <p:grpSpPr>
           <a:xfrm>
-            <a:off x="725711" y="3105056"/>
+            <a:off x="725711" y="3585346"/>
             <a:ext cx="2992666" cy="1626267"/>
             <a:chOff x="476251" y="1447670"/>
             <a:chExt cx="3551464" cy="1626267"/>
@@ -38375,12 +40445,12 @@
                 </a:defRPr>
               </a:pPr>
               <a:r>
-                <a:rPr lang="ko-KR" altLang="en-US" sz="1600" b="1" dirty="0" err="1">
+                <a:rPr lang="ko-KR" altLang="en-US" sz="1600" b="1" dirty="0">
                   <a:solidFill>
                     <a:srgbClr val="102747"/>
                   </a:solidFill>
                 </a:rPr>
-                <a:t>총부채원리금상환비율</a:t>
+                <a:t>원리금상환비율</a:t>
               </a:r>
               <a:endParaRPr lang="en-US" sz="1600" b="1" dirty="0">
                 <a:solidFill>
@@ -38649,7 +40719,7 @@
               </a:lvl9pPr>
             </a:lstStyle>
             <a:p>
-              <a:pPr marL="0" lvl="0" indent="0">
+              <a:pPr lvl="0">
                 <a:lnSpc>
                   <a:spcPct val="100000"/>
                 </a:lnSpc>
@@ -38660,7 +40730,8 @@
                   <a:spcPts val="1200"/>
                 </a:spcAft>
                 <a:buClrTx/>
-                <a:buNone/>
+                <a:buFont typeface="Arial" panose="020B0604020202020204" pitchFamily="34" charset="0"/>
+                <a:buChar char="•"/>
               </a:pPr>
               <a:r>
                 <a:rPr lang="en-US" altLang="ko-KR" sz="1400" dirty="0">
@@ -38701,7 +40772,7 @@
               </a:endParaRPr>
             </a:p>
             <a:p>
-              <a:pPr marL="0" lvl="0" indent="0">
+              <a:pPr lvl="0">
                 <a:lnSpc>
                   <a:spcPct val="100000"/>
                 </a:lnSpc>
@@ -38712,8 +40783,17 @@
                   <a:spcPts val="1200"/>
                 </a:spcAft>
                 <a:buClrTx/>
-                <a:buNone/>
+                <a:buFont typeface="Arial" panose="020B0604020202020204" pitchFamily="34" charset="0"/>
+                <a:buChar char="•"/>
               </a:pPr>
+              <a:r>
+                <a:rPr lang="ko-KR" altLang="en-US" sz="1400" dirty="0">
+                  <a:solidFill>
+                    <a:prstClr val="black"/>
+                  </a:solidFill>
+                </a:rPr>
+                <a:t>소득측면 지표</a:t>
+              </a:r>
               <a:endParaRPr lang="en-US" altLang="ko-KR" sz="1400" dirty="0">
                 <a:solidFill>
                   <a:prstClr val="black"/>
@@ -38721,7 +40801,7 @@
               </a:endParaRPr>
             </a:p>
             <a:p>
-              <a:pPr marL="0" lvl="0" indent="0">
+              <a:pPr lvl="0">
                 <a:lnSpc>
                   <a:spcPct val="100000"/>
                 </a:lnSpc>
@@ -38732,7 +40812,8 @@
                   <a:spcPts val="1200"/>
                 </a:spcAft>
                 <a:buClrTx/>
-                <a:buNone/>
+                <a:buFont typeface="Arial" panose="020B0604020202020204" pitchFamily="34" charset="0"/>
+                <a:buChar char="•"/>
               </a:pPr>
               <a:r>
                 <a:rPr lang="ko-KR" altLang="en-US" sz="1400" dirty="0">
@@ -38791,13 +40872,13 @@
           <p:nvPr>
             <p:extLst>
               <p:ext uri="{D42A27DB-BD31-4B8C-83A1-F6EECF244321}">
-                <p14:modId xmlns:p14="http://schemas.microsoft.com/office/powerpoint/2010/main" val="1244768705"/>
+                <p14:modId xmlns:p14="http://schemas.microsoft.com/office/powerpoint/2010/main" val="3108862345"/>
               </p:ext>
             </p:extLst>
           </p:nvPr>
         </p:nvGraphicFramePr>
         <p:xfrm>
-          <a:off x="457197" y="1494028"/>
+          <a:off x="457197" y="1974318"/>
           <a:ext cx="1658141" cy="1585114"/>
         </p:xfrm>
         <a:graphic>
@@ -38820,7 +40901,7 @@
         </p:nvSpPr>
         <p:spPr>
           <a:xfrm>
-            <a:off x="887760" y="2070132"/>
+            <a:off x="887760" y="2550422"/>
             <a:ext cx="797013" cy="461665"/>
           </a:xfrm>
           <a:prstGeom prst="rect">
@@ -38884,11 +40965,11 @@
             </a:r>
             <a:r>
               <a:rPr lang="ko-KR" altLang="en-US" sz="2800" dirty="0"/>
-              <a:t>데이터  </a:t>
+              <a:t>데이터</a:t>
             </a:r>
             <a:r>
               <a:rPr lang="en-US" altLang="ko-KR" sz="2800" dirty="0"/>
-              <a:t>-  </a:t>
+              <a:t>(</a:t>
             </a:r>
             <a:r>
               <a:rPr lang="ko-KR" altLang="en-US" sz="2800" dirty="0"/>
@@ -38896,7 +40977,7 @@
             </a:r>
             <a:r>
               <a:rPr lang="en-US" altLang="ko-KR" sz="2800" dirty="0"/>
-              <a:t>(label)</a:t>
+              <a:t>)</a:t>
             </a:r>
             <a:endParaRPr lang="en-US" sz="2800" dirty="0"/>
           </a:p>
@@ -38959,46 +41040,6 @@
           </a:p>
         </p:txBody>
       </p:sp>
-      <p:sp>
-        <p:nvSpPr>
-          <p:cNvPr id="2" name="TextBox 1">
-            <a:extLst>
-              <a:ext uri="{FF2B5EF4-FFF2-40B4-BE49-F238E27FC236}">
-                <a16:creationId xmlns:a16="http://schemas.microsoft.com/office/drawing/2014/main" id="{CD2F8C32-2A5A-45EC-8591-3E714731FD18}"/>
-              </a:ext>
-            </a:extLst>
-          </p:cNvPr>
-          <p:cNvSpPr txBox="1"/>
-          <p:nvPr/>
-        </p:nvSpPr>
-        <p:spPr>
-          <a:xfrm>
-            <a:off x="3608653" y="5392510"/>
-            <a:ext cx="7605447" cy="369332"/>
-          </a:xfrm>
-          <a:prstGeom prst="rect">
-            <a:avLst/>
-          </a:prstGeom>
-          <a:noFill/>
-        </p:spPr>
-        <p:txBody>
-          <a:bodyPr wrap="square" rtlCol="0">
-            <a:spAutoFit/>
-          </a:bodyPr>
-          <a:lstStyle/>
-          <a:p>
-            <a:r>
-              <a:rPr lang="ko-KR" altLang="en-US" dirty="0"/>
-              <a:t>부실가계 기준 </a:t>
-            </a:r>
-            <a:r>
-              <a:rPr lang="en-US" altLang="ko-KR" dirty="0"/>
-              <a:t>: DSR &gt;40%, DTA&gt;100% (HDRI&gt;100)</a:t>
-            </a:r>
-            <a:endParaRPr lang="ko-KR" altLang="en-US" dirty="0"/>
-          </a:p>
-        </p:txBody>
-      </p:sp>
       <p:graphicFrame>
         <p:nvGraphicFramePr>
           <p:cNvPr id="29" name="Chart 64">
@@ -39012,13 +41053,13 @@
           <p:nvPr>
             <p:extLst>
               <p:ext uri="{D42A27DB-BD31-4B8C-83A1-F6EECF244321}">
-                <p14:modId xmlns:p14="http://schemas.microsoft.com/office/powerpoint/2010/main" val="134278239"/>
+                <p14:modId xmlns:p14="http://schemas.microsoft.com/office/powerpoint/2010/main" val="245199176"/>
               </p:ext>
             </p:extLst>
           </p:nvPr>
         </p:nvGraphicFramePr>
         <p:xfrm>
-          <a:off x="4447384" y="1488252"/>
+          <a:off x="4447384" y="1968542"/>
           <a:ext cx="1658141" cy="1585114"/>
         </p:xfrm>
         <a:graphic>
@@ -39041,7 +41082,7 @@
         </p:nvSpPr>
         <p:spPr>
           <a:xfrm>
-            <a:off x="4858996" y="2066795"/>
+            <a:off x="4858996" y="2547085"/>
             <a:ext cx="815865" cy="461665"/>
           </a:xfrm>
           <a:prstGeom prst="rect">
@@ -39080,13 +41121,13 @@
           <p:nvPr>
             <p:extLst>
               <p:ext uri="{D42A27DB-BD31-4B8C-83A1-F6EECF244321}">
-                <p14:modId xmlns:p14="http://schemas.microsoft.com/office/powerpoint/2010/main" val="724873893"/>
+                <p14:modId xmlns:p14="http://schemas.microsoft.com/office/powerpoint/2010/main" val="1491077140"/>
               </p:ext>
             </p:extLst>
           </p:nvPr>
         </p:nvGraphicFramePr>
         <p:xfrm>
-          <a:off x="8311815" y="1488252"/>
+          <a:off x="8311815" y="1968542"/>
           <a:ext cx="1658141" cy="1585114"/>
         </p:xfrm>
         <a:graphic>
@@ -39109,7 +41150,7 @@
         </p:nvSpPr>
         <p:spPr>
           <a:xfrm>
-            <a:off x="8626962" y="2064356"/>
+            <a:off x="8626962" y="2544646"/>
             <a:ext cx="1027846" cy="461665"/>
           </a:xfrm>
           <a:prstGeom prst="rect">
@@ -39179,7 +41220,7 @@
         </p:nvSpPr>
         <p:spPr>
           <a:xfrm>
-            <a:off x="627743" y="1496828"/>
+            <a:off x="476250" y="1586104"/>
             <a:ext cx="11107057" cy="4259256"/>
           </a:xfrm>
           <a:prstGeom prst="rect">
@@ -39456,8 +41497,8 @@
         </p:nvSpPr>
         <p:spPr>
           <a:xfrm>
-            <a:off x="845201" y="1979281"/>
-            <a:ext cx="4405086" cy="3139321"/>
+            <a:off x="1009687" y="2158758"/>
+            <a:ext cx="7162726" cy="3293209"/>
           </a:xfrm>
           <a:prstGeom prst="rect">
             <a:avLst/>
@@ -39683,6 +41724,28 @@
               <a:buFont typeface="Arial" panose="020B0604020202020204" pitchFamily="34" charset="0"/>
               <a:buChar char="•"/>
             </a:pPr>
+            <a:r>
+              <a:rPr lang="ko-KR" altLang="en-US" sz="1800" dirty="0"/>
+              <a:t>부실가계 기준 </a:t>
+            </a:r>
+            <a:r>
+              <a:rPr lang="en-US" altLang="ko-KR" sz="1800" dirty="0"/>
+              <a:t>: DSR &gt;40% &amp; DTA&gt;100% (HDRI&gt;100)</a:t>
+            </a:r>
+          </a:p>
+          <a:p>
+            <a:pPr marL="0" indent="0">
+              <a:lnSpc>
+                <a:spcPct val="100000"/>
+              </a:lnSpc>
+              <a:spcBef>
+                <a:spcPts val="0"/>
+              </a:spcBef>
+              <a:spcAft>
+                <a:spcPts val="1200"/>
+              </a:spcAft>
+              <a:buNone/>
+            </a:pPr>
             <a:endParaRPr lang="en-US" altLang="ko-KR" sz="1800" dirty="0"/>
           </a:p>
           <a:p>
@@ -39843,10 +41906,10 @@
       </p:grpSpPr>
       <p:sp>
         <p:nvSpPr>
-          <p:cNvPr id="11" name="Rectangle 10">
+          <p:cNvPr id="12" name="Rectangle 10">
             <a:extLst>
               <a:ext uri="{FF2B5EF4-FFF2-40B4-BE49-F238E27FC236}">
-                <a16:creationId xmlns:a16="http://schemas.microsoft.com/office/drawing/2014/main" id="{21AD8FFB-5C9B-434C-B530-08145EC0DD15}"/>
+                <a16:creationId xmlns:a16="http://schemas.microsoft.com/office/drawing/2014/main" id="{96E5C160-6549-4706-82E8-598220AAB08A}"/>
               </a:ext>
             </a:extLst>
           </p:cNvPr>
@@ -39855,8 +41918,8 @@
         </p:nvSpPr>
         <p:spPr>
           <a:xfrm>
-            <a:off x="729343" y="1781319"/>
-            <a:ext cx="10616944" cy="4259256"/>
+            <a:off x="476250" y="1586104"/>
+            <a:ext cx="11107057" cy="4259256"/>
           </a:xfrm>
           <a:prstGeom prst="rect">
             <a:avLst/>
@@ -39891,7 +41954,7 @@
           <a:lstStyle/>
           <a:p>
             <a:pPr algn="ctr"/>
-            <a:endParaRPr lang="en-US"/>
+            <a:endParaRPr lang="en-US" dirty="0"/>
           </a:p>
         </p:txBody>
       </p:sp>
@@ -39956,8 +42019,8 @@
         </p:nvSpPr>
         <p:spPr>
           <a:xfrm>
-            <a:off x="1113970" y="2804216"/>
-            <a:ext cx="7614393" cy="1900713"/>
+            <a:off x="1132446" y="2969374"/>
+            <a:ext cx="7614393" cy="1492716"/>
           </a:xfrm>
         </p:spPr>
         <p:txBody>
@@ -39966,41 +42029,37 @@
           </a:bodyPr>
           <a:lstStyle/>
           <a:p>
-            <a:pPr marL="0" indent="0">
-              <a:buNone/>
+            <a:pPr marL="514350" indent="-514350">
+              <a:buFont typeface="+mj-lt"/>
+              <a:buAutoNum type="romanUcPeriod"/>
             </a:pPr>
             <a:r>
-              <a:rPr lang="en-US" altLang="ko-KR" sz="2000" dirty="0"/>
-              <a:t>1.</a:t>
-            </a:r>
-            <a:r>
               <a:rPr lang="ko-KR" altLang="en-US" sz="2000" dirty="0"/>
-              <a:t> 부실가계 분류모델 개발 및 성능 비교</a:t>
+              <a:t>부실가계 분류모델 개발 및 성능 비교</a:t>
             </a:r>
           </a:p>
           <a:p>
-            <a:pPr marL="0" indent="0">
-              <a:buNone/>
+            <a:pPr marL="514350" indent="-514350">
+              <a:buFont typeface="+mj-lt"/>
+              <a:buAutoNum type="romanUcPeriod"/>
             </a:pPr>
             <a:endParaRPr lang="ko-KR" altLang="en-US" sz="2000" dirty="0"/>
           </a:p>
           <a:p>
-            <a:pPr marL="0" indent="0">
-              <a:buNone/>
+            <a:pPr marL="514350" indent="-514350">
+              <a:buFont typeface="+mj-lt"/>
+              <a:buAutoNum type="romanUcPeriod"/>
             </a:pPr>
             <a:endParaRPr lang="ko-KR" altLang="en-US" sz="2000" dirty="0"/>
           </a:p>
           <a:p>
-            <a:pPr marL="0" indent="0">
-              <a:buNone/>
+            <a:pPr marL="514350" indent="-514350">
+              <a:buFont typeface="+mj-lt"/>
+              <a:buAutoNum type="romanUcPeriod"/>
             </a:pPr>
             <a:r>
-              <a:rPr lang="en-US" altLang="ko-KR" sz="2000" dirty="0"/>
-              <a:t>2.</a:t>
-            </a:r>
-            <a:r>
               <a:rPr lang="ko-KR" altLang="en-US" sz="2000" dirty="0"/>
-              <a:t> </a:t>
+              <a:t>특징 중요도를 추출하여 </a:t>
             </a:r>
             <a:r>
               <a:rPr lang="en-US" altLang="ko-KR" sz="2000" dirty="0"/>
@@ -40016,14 +42075,8 @@
             </a:r>
             <a:r>
               <a:rPr lang="ko-KR" altLang="en-US" sz="2000" dirty="0"/>
-              <a:t>년의 트리기반 중요 특징 값 추출하여 비교</a:t>
-            </a:r>
-            <a:endParaRPr lang="en-US" altLang="ko-KR" sz="2000" dirty="0"/>
-          </a:p>
-          <a:p>
-            <a:pPr marL="0" indent="0">
-              <a:buNone/>
-            </a:pPr>
+              <a:t>년의 주요 분류 특징 비교</a:t>
+            </a:r>
             <a:endParaRPr lang="en-US" altLang="ko-KR" sz="2000" dirty="0"/>
           </a:p>
         </p:txBody>
